--- a/07-ml/07-2-mlmethods.pptx
+++ b/07-ml/07-2-mlmethods.pptx
@@ -68,20 +68,21 @@
             <a:noAutofit/>
           </a:bodyPr>
           <a:p>
-            <a:r>
-              <a:rPr b="0" lang="en-US" sz="1800" spc="-1" strike="noStrike">
-                <a:solidFill>
-                  <a:srgbClr val="000000"/>
-                </a:solidFill>
-                <a:latin typeface="Calibri"/>
+            <a:pPr algn="ctr"/>
+            <a:r>
+              <a:rPr b="0" lang="en-US" sz="4400" spc="-1" strike="noStrike">
+                <a:solidFill>
+                  <a:srgbClr val="000000"/>
+                </a:solidFill>
+                <a:latin typeface="Arial"/>
               </a:rPr>
               <a:t>Click to move the slide</a:t>
             </a:r>
-            <a:endParaRPr b="0" lang="en-US" sz="1800" spc="-1" strike="noStrike">
-              <a:solidFill>
-                <a:srgbClr val="000000"/>
-              </a:solidFill>
-              <a:latin typeface="Calibri"/>
+            <a:endParaRPr b="0" lang="en-US" sz="4400" spc="-1" strike="noStrike">
+              <a:solidFill>
+                <a:srgbClr val="000000"/>
+              </a:solidFill>
+              <a:latin typeface="Arial"/>
             </a:endParaRPr>
           </a:p>
         </p:txBody>
@@ -346,7 +347,7 @@
             <a:pPr indent="0" algn="r">
               <a:buNone/>
             </a:pPr>
-            <a:fld id="{175A58FA-33E2-422D-8042-E4552A65950A}" type="slidenum">
+            <a:fld id="{FAB7B282-0D02-4A9B-ACCA-F03DD9986D9E}" type="slidenum">
               <a:rPr b="0" lang="en-US" sz="1400" spc="-1" strike="noStrike">
                 <a:solidFill>
                   <a:srgbClr val="000000"/>
@@ -400,7 +401,7 @@
         <p:spPr>
           <a:xfrm>
             <a:off x="685800" y="1143000"/>
-            <a:ext cx="5486040" cy="3085920"/>
+            <a:ext cx="5485680" cy="3085560"/>
           </a:xfrm>
           <a:prstGeom prst="rect">
             <a:avLst/>
@@ -423,18 +424,18 @@
         <p:spPr>
           <a:xfrm>
             <a:off x="685800" y="4400640"/>
-            <a:ext cx="5486040" cy="3600000"/>
-          </a:xfrm>
-          <a:prstGeom prst="rect">
-            <a:avLst/>
-          </a:prstGeom>
-          <a:noFill/>
-          <a:ln w="0">
-            <a:noFill/>
-          </a:ln>
-        </p:spPr>
-        <p:txBody>
-          <a:bodyPr anchor="t">
+            <a:ext cx="5485680" cy="3599640"/>
+          </a:xfrm>
+          <a:prstGeom prst="rect">
+            <a:avLst/>
+          </a:prstGeom>
+          <a:noFill/>
+          <a:ln w="0">
+            <a:noFill/>
+          </a:ln>
+        </p:spPr>
+        <p:txBody>
+          <a:bodyPr lIns="0" rIns="0" tIns="0" bIns="0" anchor="t">
             <a:noAutofit/>
           </a:bodyPr>
           <a:p>
@@ -463,18 +464,18 @@
         <p:spPr>
           <a:xfrm>
             <a:off x="3884760" y="8685360"/>
-            <a:ext cx="2971440" cy="458280"/>
-          </a:xfrm>
-          <a:prstGeom prst="rect">
-            <a:avLst/>
-          </a:prstGeom>
-          <a:noFill/>
-          <a:ln w="0">
-            <a:noFill/>
-          </a:ln>
-        </p:spPr>
-        <p:txBody>
-          <a:bodyPr anchor="b">
+            <a:ext cx="2971080" cy="457920"/>
+          </a:xfrm>
+          <a:prstGeom prst="rect">
+            <a:avLst/>
+          </a:prstGeom>
+          <a:noFill/>
+          <a:ln w="0">
+            <a:noFill/>
+          </a:ln>
+        </p:spPr>
+        <p:txBody>
+          <a:bodyPr lIns="0" rIns="0" tIns="0" bIns="0" anchor="b">
             <a:noAutofit/>
           </a:bodyPr>
           <a:lstStyle>
@@ -483,6 +484,9 @@
                 <a:spcPct val="100000"/>
               </a:lnSpc>
               <a:buNone/>
+              <a:tabLst>
+                <a:tab algn="l" pos="0"/>
+              </a:tabLst>
               <a:defRPr b="0" lang="en-US" sz="1200" spc="-1" strike="noStrike">
                 <a:solidFill>
                   <a:srgbClr val="000000"/>
@@ -497,8 +501,11 @@
                 <a:spcPct val="100000"/>
               </a:lnSpc>
               <a:buNone/>
-            </a:pPr>
-            <a:fld id="{8F20F682-50E0-4F52-994D-A3C7B658A6D0}" type="slidenum">
+              <a:tabLst>
+                <a:tab algn="l" pos="0"/>
+              </a:tabLst>
+            </a:pPr>
+            <a:fld id="{778DA1B9-A459-4115-B80A-64ACAE262F6D}" type="slidenum">
               <a:rPr b="0" lang="en-US" sz="1200" spc="-1" strike="noStrike">
                 <a:solidFill>
                   <a:srgbClr val="000000"/>
@@ -551,7 +558,7 @@
         <p:spPr>
           <a:xfrm>
             <a:off x="685800" y="1143000"/>
-            <a:ext cx="5486040" cy="3085920"/>
+            <a:ext cx="5485680" cy="3085560"/>
           </a:xfrm>
           <a:prstGeom prst="rect">
             <a:avLst/>
@@ -574,18 +581,18 @@
         <p:spPr>
           <a:xfrm>
             <a:off x="685800" y="4400640"/>
-            <a:ext cx="5486040" cy="3600000"/>
-          </a:xfrm>
-          <a:prstGeom prst="rect">
-            <a:avLst/>
-          </a:prstGeom>
-          <a:noFill/>
-          <a:ln w="0">
-            <a:noFill/>
-          </a:ln>
-        </p:spPr>
-        <p:txBody>
-          <a:bodyPr anchor="t">
+            <a:ext cx="5485680" cy="3599640"/>
+          </a:xfrm>
+          <a:prstGeom prst="rect">
+            <a:avLst/>
+          </a:prstGeom>
+          <a:noFill/>
+          <a:ln w="0">
+            <a:noFill/>
+          </a:ln>
+        </p:spPr>
+        <p:txBody>
+          <a:bodyPr lIns="0" rIns="0" tIns="0" bIns="0" anchor="t">
             <a:noAutofit/>
           </a:bodyPr>
           <a:p>
@@ -614,18 +621,18 @@
         <p:spPr>
           <a:xfrm>
             <a:off x="3884760" y="8685360"/>
-            <a:ext cx="2971440" cy="458280"/>
-          </a:xfrm>
-          <a:prstGeom prst="rect">
-            <a:avLst/>
-          </a:prstGeom>
-          <a:noFill/>
-          <a:ln w="0">
-            <a:noFill/>
-          </a:ln>
-        </p:spPr>
-        <p:txBody>
-          <a:bodyPr anchor="b">
+            <a:ext cx="2971080" cy="457920"/>
+          </a:xfrm>
+          <a:prstGeom prst="rect">
+            <a:avLst/>
+          </a:prstGeom>
+          <a:noFill/>
+          <a:ln w="0">
+            <a:noFill/>
+          </a:ln>
+        </p:spPr>
+        <p:txBody>
+          <a:bodyPr lIns="0" rIns="0" tIns="0" bIns="0" anchor="b">
             <a:noAutofit/>
           </a:bodyPr>
           <a:lstStyle>
@@ -634,6 +641,9 @@
                 <a:spcPct val="100000"/>
               </a:lnSpc>
               <a:buNone/>
+              <a:tabLst>
+                <a:tab algn="l" pos="0"/>
+              </a:tabLst>
               <a:defRPr b="0" lang="en-US" sz="1200" spc="-1" strike="noStrike">
                 <a:solidFill>
                   <a:srgbClr val="000000"/>
@@ -648,8 +658,11 @@
                 <a:spcPct val="100000"/>
               </a:lnSpc>
               <a:buNone/>
-            </a:pPr>
-            <a:fld id="{60CDC202-78B6-4BA1-BC4E-081D3D2C2570}" type="slidenum">
+              <a:tabLst>
+                <a:tab algn="l" pos="0"/>
+              </a:tabLst>
+            </a:pPr>
+            <a:fld id="{9064D783-B117-4E3A-8815-5E53935C4024}" type="slidenum">
               <a:rPr b="0" lang="en-US" sz="1200" spc="-1" strike="noStrike">
                 <a:solidFill>
                   <a:srgbClr val="000000"/>
@@ -702,7 +715,7 @@
         <p:spPr>
           <a:xfrm>
             <a:off x="685800" y="1143000"/>
-            <a:ext cx="5486040" cy="3085920"/>
+            <a:ext cx="5485680" cy="3085560"/>
           </a:xfrm>
           <a:prstGeom prst="rect">
             <a:avLst/>
@@ -725,18 +738,18 @@
         <p:spPr>
           <a:xfrm>
             <a:off x="685800" y="4400640"/>
-            <a:ext cx="5486040" cy="3600000"/>
-          </a:xfrm>
-          <a:prstGeom prst="rect">
-            <a:avLst/>
-          </a:prstGeom>
-          <a:noFill/>
-          <a:ln w="0">
-            <a:noFill/>
-          </a:ln>
-        </p:spPr>
-        <p:txBody>
-          <a:bodyPr anchor="t">
+            <a:ext cx="5485680" cy="3599640"/>
+          </a:xfrm>
+          <a:prstGeom prst="rect">
+            <a:avLst/>
+          </a:prstGeom>
+          <a:noFill/>
+          <a:ln w="0">
+            <a:noFill/>
+          </a:ln>
+        </p:spPr>
+        <p:txBody>
+          <a:bodyPr lIns="0" rIns="0" tIns="0" bIns="0" anchor="t">
             <a:noAutofit/>
           </a:bodyPr>
           <a:p>
@@ -765,18 +778,18 @@
         <p:spPr>
           <a:xfrm>
             <a:off x="3884760" y="8685360"/>
-            <a:ext cx="2971440" cy="458280"/>
-          </a:xfrm>
-          <a:prstGeom prst="rect">
-            <a:avLst/>
-          </a:prstGeom>
-          <a:noFill/>
-          <a:ln w="0">
-            <a:noFill/>
-          </a:ln>
-        </p:spPr>
-        <p:txBody>
-          <a:bodyPr anchor="b">
+            <a:ext cx="2971080" cy="457920"/>
+          </a:xfrm>
+          <a:prstGeom prst="rect">
+            <a:avLst/>
+          </a:prstGeom>
+          <a:noFill/>
+          <a:ln w="0">
+            <a:noFill/>
+          </a:ln>
+        </p:spPr>
+        <p:txBody>
+          <a:bodyPr lIns="0" rIns="0" tIns="0" bIns="0" anchor="b">
             <a:noAutofit/>
           </a:bodyPr>
           <a:lstStyle>
@@ -785,6 +798,9 @@
                 <a:spcPct val="100000"/>
               </a:lnSpc>
               <a:buNone/>
+              <a:tabLst>
+                <a:tab algn="l" pos="0"/>
+              </a:tabLst>
               <a:defRPr b="0" lang="en-US" sz="1200" spc="-1" strike="noStrike">
                 <a:solidFill>
                   <a:srgbClr val="000000"/>
@@ -799,8 +815,11 @@
                 <a:spcPct val="100000"/>
               </a:lnSpc>
               <a:buNone/>
-            </a:pPr>
-            <a:fld id="{D812E518-5EBE-4065-9EA4-A3637E07A378}" type="slidenum">
+              <a:tabLst>
+                <a:tab algn="l" pos="0"/>
+              </a:tabLst>
+            </a:pPr>
+            <a:fld id="{BB15B249-55B7-404B-A06A-20DD5922765E}" type="slidenum">
               <a:rPr b="0" lang="en-US" sz="1200" spc="-1" strike="noStrike">
                 <a:solidFill>
                   <a:srgbClr val="000000"/>
@@ -853,7 +872,7 @@
         <p:spPr>
           <a:xfrm>
             <a:off x="685800" y="1143000"/>
-            <a:ext cx="5486040" cy="3085920"/>
+            <a:ext cx="5485680" cy="3085560"/>
           </a:xfrm>
           <a:prstGeom prst="rect">
             <a:avLst/>
@@ -876,18 +895,18 @@
         <p:spPr>
           <a:xfrm>
             <a:off x="685800" y="4400640"/>
-            <a:ext cx="5486040" cy="3600000"/>
-          </a:xfrm>
-          <a:prstGeom prst="rect">
-            <a:avLst/>
-          </a:prstGeom>
-          <a:noFill/>
-          <a:ln w="0">
-            <a:noFill/>
-          </a:ln>
-        </p:spPr>
-        <p:txBody>
-          <a:bodyPr anchor="t">
+            <a:ext cx="5485680" cy="3599640"/>
+          </a:xfrm>
+          <a:prstGeom prst="rect">
+            <a:avLst/>
+          </a:prstGeom>
+          <a:noFill/>
+          <a:ln w="0">
+            <a:noFill/>
+          </a:ln>
+        </p:spPr>
+        <p:txBody>
+          <a:bodyPr lIns="0" rIns="0" tIns="0" bIns="0" anchor="t">
             <a:noAutofit/>
           </a:bodyPr>
           <a:p>
@@ -916,18 +935,18 @@
         <p:spPr>
           <a:xfrm>
             <a:off x="3884760" y="8685360"/>
-            <a:ext cx="2971440" cy="458280"/>
-          </a:xfrm>
-          <a:prstGeom prst="rect">
-            <a:avLst/>
-          </a:prstGeom>
-          <a:noFill/>
-          <a:ln w="0">
-            <a:noFill/>
-          </a:ln>
-        </p:spPr>
-        <p:txBody>
-          <a:bodyPr anchor="b">
+            <a:ext cx="2971080" cy="457920"/>
+          </a:xfrm>
+          <a:prstGeom prst="rect">
+            <a:avLst/>
+          </a:prstGeom>
+          <a:noFill/>
+          <a:ln w="0">
+            <a:noFill/>
+          </a:ln>
+        </p:spPr>
+        <p:txBody>
+          <a:bodyPr lIns="0" rIns="0" tIns="0" bIns="0" anchor="b">
             <a:noAutofit/>
           </a:bodyPr>
           <a:lstStyle>
@@ -936,6 +955,9 @@
                 <a:spcPct val="100000"/>
               </a:lnSpc>
               <a:buNone/>
+              <a:tabLst>
+                <a:tab algn="l" pos="0"/>
+              </a:tabLst>
               <a:defRPr b="0" lang="en-US" sz="1200" spc="-1" strike="noStrike">
                 <a:solidFill>
                   <a:srgbClr val="000000"/>
@@ -950,8 +972,11 @@
                 <a:spcPct val="100000"/>
               </a:lnSpc>
               <a:buNone/>
-            </a:pPr>
-            <a:fld id="{91B6E5C5-F8DB-4360-87FD-CD4E37BEBB82}" type="slidenum">
+              <a:tabLst>
+                <a:tab algn="l" pos="0"/>
+              </a:tabLst>
+            </a:pPr>
+            <a:fld id="{AB0F4424-600A-449E-9344-10217002ADD2}" type="slidenum">
               <a:rPr b="0" lang="en-US" sz="1200" spc="-1" strike="noStrike">
                 <a:solidFill>
                   <a:srgbClr val="000000"/>
@@ -1004,7 +1029,7 @@
         <p:spPr>
           <a:xfrm>
             <a:off x="685800" y="1143000"/>
-            <a:ext cx="5486040" cy="3085920"/>
+            <a:ext cx="5485680" cy="3085560"/>
           </a:xfrm>
           <a:prstGeom prst="rect">
             <a:avLst/>
@@ -1027,18 +1052,18 @@
         <p:spPr>
           <a:xfrm>
             <a:off x="685800" y="4400640"/>
-            <a:ext cx="5486040" cy="3600000"/>
-          </a:xfrm>
-          <a:prstGeom prst="rect">
-            <a:avLst/>
-          </a:prstGeom>
-          <a:noFill/>
-          <a:ln w="0">
-            <a:noFill/>
-          </a:ln>
-        </p:spPr>
-        <p:txBody>
-          <a:bodyPr anchor="t">
+            <a:ext cx="5485680" cy="3599640"/>
+          </a:xfrm>
+          <a:prstGeom prst="rect">
+            <a:avLst/>
+          </a:prstGeom>
+          <a:noFill/>
+          <a:ln w="0">
+            <a:noFill/>
+          </a:ln>
+        </p:spPr>
+        <p:txBody>
+          <a:bodyPr lIns="0" rIns="0" tIns="0" bIns="0" anchor="t">
             <a:noAutofit/>
           </a:bodyPr>
           <a:p>
@@ -1067,18 +1092,18 @@
         <p:spPr>
           <a:xfrm>
             <a:off x="3884760" y="8685360"/>
-            <a:ext cx="2971440" cy="458280"/>
-          </a:xfrm>
-          <a:prstGeom prst="rect">
-            <a:avLst/>
-          </a:prstGeom>
-          <a:noFill/>
-          <a:ln w="0">
-            <a:noFill/>
-          </a:ln>
-        </p:spPr>
-        <p:txBody>
-          <a:bodyPr anchor="b">
+            <a:ext cx="2971080" cy="457920"/>
+          </a:xfrm>
+          <a:prstGeom prst="rect">
+            <a:avLst/>
+          </a:prstGeom>
+          <a:noFill/>
+          <a:ln w="0">
+            <a:noFill/>
+          </a:ln>
+        </p:spPr>
+        <p:txBody>
+          <a:bodyPr lIns="0" rIns="0" tIns="0" bIns="0" anchor="b">
             <a:noAutofit/>
           </a:bodyPr>
           <a:lstStyle>
@@ -1087,6 +1112,9 @@
                 <a:spcPct val="100000"/>
               </a:lnSpc>
               <a:buNone/>
+              <a:tabLst>
+                <a:tab algn="l" pos="0"/>
+              </a:tabLst>
               <a:defRPr b="0" lang="en-US" sz="1200" spc="-1" strike="noStrike">
                 <a:solidFill>
                   <a:srgbClr val="000000"/>
@@ -1101,8 +1129,11 @@
                 <a:spcPct val="100000"/>
               </a:lnSpc>
               <a:buNone/>
-            </a:pPr>
-            <a:fld id="{CF849420-1510-4D29-A1E4-E3B17040BB48}" type="slidenum">
+              <a:tabLst>
+                <a:tab algn="l" pos="0"/>
+              </a:tabLst>
+            </a:pPr>
+            <a:fld id="{676E4051-3CFF-484D-8175-B00F0508B6CC}" type="slidenum">
               <a:rPr b="0" lang="en-US" sz="1200" spc="-1" strike="noStrike">
                 <a:solidFill>
                   <a:srgbClr val="000000"/>
@@ -1155,7 +1186,7 @@
         <p:spPr>
           <a:xfrm>
             <a:off x="685800" y="1143000"/>
-            <a:ext cx="5486040" cy="3085920"/>
+            <a:ext cx="5485680" cy="3085560"/>
           </a:xfrm>
           <a:prstGeom prst="rect">
             <a:avLst/>
@@ -1178,18 +1209,18 @@
         <p:spPr>
           <a:xfrm>
             <a:off x="685800" y="4400640"/>
-            <a:ext cx="5486040" cy="3600000"/>
-          </a:xfrm>
-          <a:prstGeom prst="rect">
-            <a:avLst/>
-          </a:prstGeom>
-          <a:noFill/>
-          <a:ln w="0">
-            <a:noFill/>
-          </a:ln>
-        </p:spPr>
-        <p:txBody>
-          <a:bodyPr anchor="t">
+            <a:ext cx="5485680" cy="3599640"/>
+          </a:xfrm>
+          <a:prstGeom prst="rect">
+            <a:avLst/>
+          </a:prstGeom>
+          <a:noFill/>
+          <a:ln w="0">
+            <a:noFill/>
+          </a:ln>
+        </p:spPr>
+        <p:txBody>
+          <a:bodyPr lIns="0" rIns="0" tIns="0" bIns="0" anchor="t">
             <a:noAutofit/>
           </a:bodyPr>
           <a:p>
@@ -1218,18 +1249,18 @@
         <p:spPr>
           <a:xfrm>
             <a:off x="3884760" y="8685360"/>
-            <a:ext cx="2971440" cy="458280"/>
-          </a:xfrm>
-          <a:prstGeom prst="rect">
-            <a:avLst/>
-          </a:prstGeom>
-          <a:noFill/>
-          <a:ln w="0">
-            <a:noFill/>
-          </a:ln>
-        </p:spPr>
-        <p:txBody>
-          <a:bodyPr anchor="b">
+            <a:ext cx="2971080" cy="457920"/>
+          </a:xfrm>
+          <a:prstGeom prst="rect">
+            <a:avLst/>
+          </a:prstGeom>
+          <a:noFill/>
+          <a:ln w="0">
+            <a:noFill/>
+          </a:ln>
+        </p:spPr>
+        <p:txBody>
+          <a:bodyPr lIns="0" rIns="0" tIns="0" bIns="0" anchor="b">
             <a:noAutofit/>
           </a:bodyPr>
           <a:lstStyle>
@@ -1238,6 +1269,9 @@
                 <a:spcPct val="100000"/>
               </a:lnSpc>
               <a:buNone/>
+              <a:tabLst>
+                <a:tab algn="l" pos="0"/>
+              </a:tabLst>
               <a:defRPr b="0" lang="en-US" sz="1200" spc="-1" strike="noStrike">
                 <a:solidFill>
                   <a:srgbClr val="000000"/>
@@ -1252,8 +1286,11 @@
                 <a:spcPct val="100000"/>
               </a:lnSpc>
               <a:buNone/>
-            </a:pPr>
-            <a:fld id="{33B45F85-F00A-47E0-B877-4AB6B0EF7F03}" type="slidenum">
+              <a:tabLst>
+                <a:tab algn="l" pos="0"/>
+              </a:tabLst>
+            </a:pPr>
+            <a:fld id="{D75BD301-954B-42F8-B581-6578A58FCF25}" type="slidenum">
               <a:rPr b="0" lang="en-US" sz="1200" spc="-1" strike="noStrike">
                 <a:solidFill>
                   <a:srgbClr val="000000"/>
@@ -1306,7 +1343,7 @@
         <p:spPr>
           <a:xfrm>
             <a:off x="685800" y="1143000"/>
-            <a:ext cx="5486040" cy="3085920"/>
+            <a:ext cx="5485680" cy="3085560"/>
           </a:xfrm>
           <a:prstGeom prst="rect">
             <a:avLst/>
@@ -1329,18 +1366,18 @@
         <p:spPr>
           <a:xfrm>
             <a:off x="685800" y="4400640"/>
-            <a:ext cx="5486040" cy="3600000"/>
-          </a:xfrm>
-          <a:prstGeom prst="rect">
-            <a:avLst/>
-          </a:prstGeom>
-          <a:noFill/>
-          <a:ln w="0">
-            <a:noFill/>
-          </a:ln>
-        </p:spPr>
-        <p:txBody>
-          <a:bodyPr anchor="t">
+            <a:ext cx="5485680" cy="3599640"/>
+          </a:xfrm>
+          <a:prstGeom prst="rect">
+            <a:avLst/>
+          </a:prstGeom>
+          <a:noFill/>
+          <a:ln w="0">
+            <a:noFill/>
+          </a:ln>
+        </p:spPr>
+        <p:txBody>
+          <a:bodyPr lIns="0" rIns="0" tIns="0" bIns="0" anchor="t">
             <a:noAutofit/>
           </a:bodyPr>
           <a:p>
@@ -1369,18 +1406,18 @@
         <p:spPr>
           <a:xfrm>
             <a:off x="3884760" y="8685360"/>
-            <a:ext cx="2971440" cy="458280"/>
-          </a:xfrm>
-          <a:prstGeom prst="rect">
-            <a:avLst/>
-          </a:prstGeom>
-          <a:noFill/>
-          <a:ln w="0">
-            <a:noFill/>
-          </a:ln>
-        </p:spPr>
-        <p:txBody>
-          <a:bodyPr anchor="b">
+            <a:ext cx="2971080" cy="457920"/>
+          </a:xfrm>
+          <a:prstGeom prst="rect">
+            <a:avLst/>
+          </a:prstGeom>
+          <a:noFill/>
+          <a:ln w="0">
+            <a:noFill/>
+          </a:ln>
+        </p:spPr>
+        <p:txBody>
+          <a:bodyPr lIns="0" rIns="0" tIns="0" bIns="0" anchor="b">
             <a:noAutofit/>
           </a:bodyPr>
           <a:lstStyle>
@@ -1389,6 +1426,9 @@
                 <a:spcPct val="100000"/>
               </a:lnSpc>
               <a:buNone/>
+              <a:tabLst>
+                <a:tab algn="l" pos="0"/>
+              </a:tabLst>
               <a:defRPr b="0" lang="en-US" sz="1200" spc="-1" strike="noStrike">
                 <a:solidFill>
                   <a:srgbClr val="000000"/>
@@ -1403,15 +1443,18 @@
                 <a:spcPct val="100000"/>
               </a:lnSpc>
               <a:buNone/>
-            </a:pPr>
-            <a:fld id="{75C99D4E-755C-4BBD-80A9-3AE69858E559}" type="slidenum">
+              <a:tabLst>
+                <a:tab algn="l" pos="0"/>
+              </a:tabLst>
+            </a:pPr>
+            <a:fld id="{90AC1717-5A25-465D-BD5A-66933A91E38E}" type="slidenum">
               <a:rPr b="0" lang="en-US" sz="1200" spc="-1" strike="noStrike">
                 <a:solidFill>
                   <a:srgbClr val="000000"/>
                 </a:solidFill>
                 <a:latin typeface="Times New Roman"/>
               </a:rPr>
-              <a:t>7</a:t>
+              <a:t>&lt;number&gt;</a:t>
             </a:fld>
             <a:endParaRPr b="0" lang="en-US" sz="1200" spc="-1" strike="noStrike">
               <a:solidFill>
@@ -1457,7 +1500,7 @@
         <p:spPr>
           <a:xfrm>
             <a:off x="685800" y="1143000"/>
-            <a:ext cx="5486040" cy="3085920"/>
+            <a:ext cx="5485680" cy="3085560"/>
           </a:xfrm>
           <a:prstGeom prst="rect">
             <a:avLst/>
@@ -1480,18 +1523,18 @@
         <p:spPr>
           <a:xfrm>
             <a:off x="685800" y="4400640"/>
-            <a:ext cx="5486040" cy="3600000"/>
-          </a:xfrm>
-          <a:prstGeom prst="rect">
-            <a:avLst/>
-          </a:prstGeom>
-          <a:noFill/>
-          <a:ln w="0">
-            <a:noFill/>
-          </a:ln>
-        </p:spPr>
-        <p:txBody>
-          <a:bodyPr anchor="t">
+            <a:ext cx="5485680" cy="3599640"/>
+          </a:xfrm>
+          <a:prstGeom prst="rect">
+            <a:avLst/>
+          </a:prstGeom>
+          <a:noFill/>
+          <a:ln w="0">
+            <a:noFill/>
+          </a:ln>
+        </p:spPr>
+        <p:txBody>
+          <a:bodyPr lIns="0" rIns="0" tIns="0" bIns="0" anchor="t">
             <a:noAutofit/>
           </a:bodyPr>
           <a:p>
@@ -1520,18 +1563,18 @@
         <p:spPr>
           <a:xfrm>
             <a:off x="3884760" y="8685360"/>
-            <a:ext cx="2971440" cy="458280"/>
-          </a:xfrm>
-          <a:prstGeom prst="rect">
-            <a:avLst/>
-          </a:prstGeom>
-          <a:noFill/>
-          <a:ln w="0">
-            <a:noFill/>
-          </a:ln>
-        </p:spPr>
-        <p:txBody>
-          <a:bodyPr anchor="b">
+            <a:ext cx="2971080" cy="457920"/>
+          </a:xfrm>
+          <a:prstGeom prst="rect">
+            <a:avLst/>
+          </a:prstGeom>
+          <a:noFill/>
+          <a:ln w="0">
+            <a:noFill/>
+          </a:ln>
+        </p:spPr>
+        <p:txBody>
+          <a:bodyPr lIns="0" rIns="0" tIns="0" bIns="0" anchor="b">
             <a:noAutofit/>
           </a:bodyPr>
           <a:lstStyle>
@@ -1540,6 +1583,9 @@
                 <a:spcPct val="100000"/>
               </a:lnSpc>
               <a:buNone/>
+              <a:tabLst>
+                <a:tab algn="l" pos="0"/>
+              </a:tabLst>
               <a:defRPr b="0" lang="en-US" sz="1200" spc="-1" strike="noStrike">
                 <a:solidFill>
                   <a:srgbClr val="000000"/>
@@ -1554,8 +1600,11 @@
                 <a:spcPct val="100000"/>
               </a:lnSpc>
               <a:buNone/>
-            </a:pPr>
-            <a:fld id="{B8E07A83-E28E-45D2-B4C9-008BBCD64593}" type="slidenum">
+              <a:tabLst>
+                <a:tab algn="l" pos="0"/>
+              </a:tabLst>
+            </a:pPr>
+            <a:fld id="{9DD3A48F-DC60-47EF-8D48-997C4B2DE46E}" type="slidenum">
               <a:rPr b="0" lang="en-US" sz="1200" spc="-1" strike="noStrike">
                 <a:solidFill>
                   <a:srgbClr val="000000"/>
@@ -1602,7 +1651,7 @@
             <a:spLocks noGrp="1"/>
           </p:cNvSpPr>
           <p:nvPr>
-            <p:ph type="ftr" idx="2"/>
+            <p:ph type="ftr" idx="1"/>
           </p:nvPr>
         </p:nvSpPr>
         <p:spPr/>
@@ -1622,14 +1671,14 @@
             <a:spLocks noGrp="1"/>
           </p:cNvSpPr>
           <p:nvPr>
-            <p:ph type="sldNum" idx="3"/>
+            <p:ph type="sldNum" idx="2"/>
           </p:nvPr>
         </p:nvSpPr>
         <p:spPr/>
         <p:txBody>
           <a:bodyPr/>
           <a:p>
-            <a:fld id="{B85B945C-DE21-42B0-B063-1A540239BAD4}" type="slidenum">
+            <a:fld id="{575D2F7A-038D-4FBE-B4ED-157BD7C3C37D}" type="slidenum">
               <a:t>&lt;#&gt;</a:t>
             </a:fld>
           </a:p>
@@ -1642,7 +1691,7 @@
             <a:spLocks noGrp="1"/>
           </p:cNvSpPr>
           <p:nvPr>
-            <p:ph type="dt" idx="1"/>
+            <p:ph type="dt" idx="3"/>
           </p:nvPr>
         </p:nvSpPr>
         <p:spPr/>
@@ -1690,8 +1739,8 @@
         </p:nvSpPr>
         <p:spPr>
           <a:xfrm>
-            <a:off x="838080" y="365040"/>
-            <a:ext cx="10515240" cy="1325160"/>
+            <a:off x="609480" y="273600"/>
+            <a:ext cx="10972440" cy="1144800"/>
           </a:xfrm>
           <a:prstGeom prst="rect">
             <a:avLst/>
@@ -1706,14 +1755,14 @@
             <a:noAutofit/>
           </a:bodyPr>
           <a:p>
-            <a:pPr indent="0">
-              <a:buNone/>
-            </a:pPr>
-            <a:endParaRPr b="0" lang="en-US" sz="1800" spc="-1" strike="noStrike">
-              <a:solidFill>
-                <a:srgbClr val="000000"/>
-              </a:solidFill>
-              <a:latin typeface="Calibri"/>
+            <a:pPr indent="0" algn="ctr">
+              <a:buNone/>
+            </a:pPr>
+            <a:endParaRPr b="0" lang="en-US" sz="4400" spc="-1" strike="noStrike">
+              <a:solidFill>
+                <a:srgbClr val="000000"/>
+              </a:solidFill>
+              <a:latin typeface="Arial"/>
             </a:endParaRPr>
           </a:p>
         </p:txBody>
@@ -1730,8 +1779,8 @@
         </p:nvSpPr>
         <p:spPr>
           <a:xfrm>
-            <a:off x="838080" y="1825560"/>
-            <a:ext cx="10515240" cy="2075040"/>
+            <a:off x="609480" y="1604520"/>
+            <a:ext cx="10972440" cy="1896840"/>
           </a:xfrm>
           <a:prstGeom prst="rect">
             <a:avLst/>
@@ -1747,19 +1796,16 @@
           </a:bodyPr>
           <a:p>
             <a:pPr indent="0">
-              <a:lnSpc>
-                <a:spcPct val="90000"/>
-              </a:lnSpc>
               <a:spcBef>
                 <a:spcPts val="1417"/>
               </a:spcBef>
               <a:buNone/>
             </a:pPr>
-            <a:endParaRPr b="0" lang="en-US" sz="2800" spc="-1" strike="noStrike">
-              <a:solidFill>
-                <a:srgbClr val="000000"/>
-              </a:solidFill>
-              <a:latin typeface="Calibri"/>
+            <a:endParaRPr b="0" lang="en-US" sz="3200" spc="-1" strike="noStrike">
+              <a:solidFill>
+                <a:srgbClr val="000000"/>
+              </a:solidFill>
+              <a:latin typeface="Arial"/>
             </a:endParaRPr>
           </a:p>
         </p:txBody>
@@ -1776,8 +1822,8 @@
         </p:nvSpPr>
         <p:spPr>
           <a:xfrm>
-            <a:off x="838080" y="4098240"/>
-            <a:ext cx="10515240" cy="2075040"/>
+            <a:off x="609480" y="3682080"/>
+            <a:ext cx="10972440" cy="1896840"/>
           </a:xfrm>
           <a:prstGeom prst="rect">
             <a:avLst/>
@@ -1793,19 +1839,16 @@
           </a:bodyPr>
           <a:p>
             <a:pPr indent="0">
-              <a:lnSpc>
-                <a:spcPct val="90000"/>
-              </a:lnSpc>
               <a:spcBef>
                 <a:spcPts val="1417"/>
               </a:spcBef>
               <a:buNone/>
             </a:pPr>
-            <a:endParaRPr b="0" lang="en-US" sz="2800" spc="-1" strike="noStrike">
-              <a:solidFill>
-                <a:srgbClr val="000000"/>
-              </a:solidFill>
-              <a:latin typeface="Calibri"/>
+            <a:endParaRPr b="0" lang="en-US" sz="3200" spc="-1" strike="noStrike">
+              <a:solidFill>
+                <a:srgbClr val="000000"/>
+              </a:solidFill>
+              <a:latin typeface="Arial"/>
             </a:endParaRPr>
           </a:p>
         </p:txBody>
@@ -1817,7 +1860,7 @@
             <a:spLocks noGrp="1"/>
           </p:cNvSpPr>
           <p:nvPr>
-            <p:ph type="ftr" idx="2"/>
+            <p:ph type="ftr" idx="1"/>
           </p:nvPr>
         </p:nvSpPr>
         <p:spPr/>
@@ -1837,14 +1880,14 @@
             <a:spLocks noGrp="1"/>
           </p:cNvSpPr>
           <p:nvPr>
-            <p:ph type="sldNum" idx="3"/>
+            <p:ph type="sldNum" idx="2"/>
           </p:nvPr>
         </p:nvSpPr>
         <p:spPr/>
         <p:txBody>
           <a:bodyPr/>
           <a:p>
-            <a:fld id="{0B96B7EE-114F-4DAE-A173-BA648BCACDDC}" type="slidenum">
+            <a:fld id="{23452C08-6362-4325-8398-F5CF3C0E3DD0}" type="slidenum">
               <a:t>&lt;#&gt;</a:t>
             </a:fld>
           </a:p>
@@ -1857,7 +1900,7 @@
             <a:spLocks noGrp="1"/>
           </p:cNvSpPr>
           <p:nvPr>
-            <p:ph type="dt" idx="1"/>
+            <p:ph type="dt" idx="3"/>
           </p:nvPr>
         </p:nvSpPr>
         <p:spPr/>
@@ -1905,8 +1948,8 @@
         </p:nvSpPr>
         <p:spPr>
           <a:xfrm>
-            <a:off x="838080" y="365040"/>
-            <a:ext cx="10515240" cy="1325160"/>
+            <a:off x="609480" y="273600"/>
+            <a:ext cx="10972440" cy="1144800"/>
           </a:xfrm>
           <a:prstGeom prst="rect">
             <a:avLst/>
@@ -1921,14 +1964,14 @@
             <a:noAutofit/>
           </a:bodyPr>
           <a:p>
-            <a:pPr indent="0">
-              <a:buNone/>
-            </a:pPr>
-            <a:endParaRPr b="0" lang="en-US" sz="1800" spc="-1" strike="noStrike">
-              <a:solidFill>
-                <a:srgbClr val="000000"/>
-              </a:solidFill>
-              <a:latin typeface="Calibri"/>
+            <a:pPr indent="0" algn="ctr">
+              <a:buNone/>
+            </a:pPr>
+            <a:endParaRPr b="0" lang="en-US" sz="4400" spc="-1" strike="noStrike">
+              <a:solidFill>
+                <a:srgbClr val="000000"/>
+              </a:solidFill>
+              <a:latin typeface="Arial"/>
             </a:endParaRPr>
           </a:p>
         </p:txBody>
@@ -1945,8 +1988,8 @@
         </p:nvSpPr>
         <p:spPr>
           <a:xfrm>
-            <a:off x="838080" y="1825560"/>
-            <a:ext cx="5131080" cy="2075040"/>
+            <a:off x="609480" y="1604520"/>
+            <a:ext cx="5354280" cy="1896840"/>
           </a:xfrm>
           <a:prstGeom prst="rect">
             <a:avLst/>
@@ -1962,19 +2005,16 @@
           </a:bodyPr>
           <a:p>
             <a:pPr indent="0">
-              <a:lnSpc>
-                <a:spcPct val="90000"/>
-              </a:lnSpc>
               <a:spcBef>
                 <a:spcPts val="1417"/>
               </a:spcBef>
               <a:buNone/>
             </a:pPr>
-            <a:endParaRPr b="0" lang="en-US" sz="2800" spc="-1" strike="noStrike">
-              <a:solidFill>
-                <a:srgbClr val="000000"/>
-              </a:solidFill>
-              <a:latin typeface="Calibri"/>
+            <a:endParaRPr b="0" lang="en-US" sz="3200" spc="-1" strike="noStrike">
+              <a:solidFill>
+                <a:srgbClr val="000000"/>
+              </a:solidFill>
+              <a:latin typeface="Arial"/>
             </a:endParaRPr>
           </a:p>
         </p:txBody>
@@ -1991,8 +2031,8 @@
         </p:nvSpPr>
         <p:spPr>
           <a:xfrm>
-            <a:off x="6226200" y="1825560"/>
-            <a:ext cx="5131080" cy="2075040"/>
+            <a:off x="6231960" y="1604520"/>
+            <a:ext cx="5354280" cy="1896840"/>
           </a:xfrm>
           <a:prstGeom prst="rect">
             <a:avLst/>
@@ -2008,19 +2048,16 @@
           </a:bodyPr>
           <a:p>
             <a:pPr indent="0">
-              <a:lnSpc>
-                <a:spcPct val="90000"/>
-              </a:lnSpc>
               <a:spcBef>
                 <a:spcPts val="1417"/>
               </a:spcBef>
               <a:buNone/>
             </a:pPr>
-            <a:endParaRPr b="0" lang="en-US" sz="2800" spc="-1" strike="noStrike">
-              <a:solidFill>
-                <a:srgbClr val="000000"/>
-              </a:solidFill>
-              <a:latin typeface="Calibri"/>
+            <a:endParaRPr b="0" lang="en-US" sz="3200" spc="-1" strike="noStrike">
+              <a:solidFill>
+                <a:srgbClr val="000000"/>
+              </a:solidFill>
+              <a:latin typeface="Arial"/>
             </a:endParaRPr>
           </a:p>
         </p:txBody>
@@ -2037,8 +2074,8 @@
         </p:nvSpPr>
         <p:spPr>
           <a:xfrm>
-            <a:off x="838080" y="4098240"/>
-            <a:ext cx="5131080" cy="2075040"/>
+            <a:off x="609480" y="3682080"/>
+            <a:ext cx="5354280" cy="1896840"/>
           </a:xfrm>
           <a:prstGeom prst="rect">
             <a:avLst/>
@@ -2054,19 +2091,16 @@
           </a:bodyPr>
           <a:p>
             <a:pPr indent="0">
-              <a:lnSpc>
-                <a:spcPct val="90000"/>
-              </a:lnSpc>
               <a:spcBef>
                 <a:spcPts val="1417"/>
               </a:spcBef>
               <a:buNone/>
             </a:pPr>
-            <a:endParaRPr b="0" lang="en-US" sz="2800" spc="-1" strike="noStrike">
-              <a:solidFill>
-                <a:srgbClr val="000000"/>
-              </a:solidFill>
-              <a:latin typeface="Calibri"/>
+            <a:endParaRPr b="0" lang="en-US" sz="3200" spc="-1" strike="noStrike">
+              <a:solidFill>
+                <a:srgbClr val="000000"/>
+              </a:solidFill>
+              <a:latin typeface="Arial"/>
             </a:endParaRPr>
           </a:p>
         </p:txBody>
@@ -2083,8 +2117,8 @@
         </p:nvSpPr>
         <p:spPr>
           <a:xfrm>
-            <a:off x="6226200" y="4098240"/>
-            <a:ext cx="5131080" cy="2075040"/>
+            <a:off x="6231960" y="3682080"/>
+            <a:ext cx="5354280" cy="1896840"/>
           </a:xfrm>
           <a:prstGeom prst="rect">
             <a:avLst/>
@@ -2100,19 +2134,16 @@
           </a:bodyPr>
           <a:p>
             <a:pPr indent="0">
-              <a:lnSpc>
-                <a:spcPct val="90000"/>
-              </a:lnSpc>
               <a:spcBef>
                 <a:spcPts val="1417"/>
               </a:spcBef>
               <a:buNone/>
             </a:pPr>
-            <a:endParaRPr b="0" lang="en-US" sz="2800" spc="-1" strike="noStrike">
-              <a:solidFill>
-                <a:srgbClr val="000000"/>
-              </a:solidFill>
-              <a:latin typeface="Calibri"/>
+            <a:endParaRPr b="0" lang="en-US" sz="3200" spc="-1" strike="noStrike">
+              <a:solidFill>
+                <a:srgbClr val="000000"/>
+              </a:solidFill>
+              <a:latin typeface="Arial"/>
             </a:endParaRPr>
           </a:p>
         </p:txBody>
@@ -2124,7 +2155,7 @@
             <a:spLocks noGrp="1"/>
           </p:cNvSpPr>
           <p:nvPr>
-            <p:ph type="ftr" idx="2"/>
+            <p:ph type="ftr" idx="1"/>
           </p:nvPr>
         </p:nvSpPr>
         <p:spPr/>
@@ -2144,14 +2175,14 @@
             <a:spLocks noGrp="1"/>
           </p:cNvSpPr>
           <p:nvPr>
-            <p:ph type="sldNum" idx="3"/>
+            <p:ph type="sldNum" idx="2"/>
           </p:nvPr>
         </p:nvSpPr>
         <p:spPr/>
         <p:txBody>
           <a:bodyPr/>
           <a:p>
-            <a:fld id="{CF137784-8947-44EA-A529-E76BE39A757E}" type="slidenum">
+            <a:fld id="{87636175-883F-4A3C-A5CF-32F94E795F6D}" type="slidenum">
               <a:t>&lt;#&gt;</a:t>
             </a:fld>
           </a:p>
@@ -2164,7 +2195,7 @@
             <a:spLocks noGrp="1"/>
           </p:cNvSpPr>
           <p:nvPr>
-            <p:ph type="dt" idx="1"/>
+            <p:ph type="dt" idx="3"/>
           </p:nvPr>
         </p:nvSpPr>
         <p:spPr/>
@@ -2212,8 +2243,8 @@
         </p:nvSpPr>
         <p:spPr>
           <a:xfrm>
-            <a:off x="838080" y="365040"/>
-            <a:ext cx="10515240" cy="1325160"/>
+            <a:off x="609480" y="273600"/>
+            <a:ext cx="10972440" cy="1144800"/>
           </a:xfrm>
           <a:prstGeom prst="rect">
             <a:avLst/>
@@ -2228,14 +2259,14 @@
             <a:noAutofit/>
           </a:bodyPr>
           <a:p>
-            <a:pPr indent="0">
-              <a:buNone/>
-            </a:pPr>
-            <a:endParaRPr b="0" lang="en-US" sz="1800" spc="-1" strike="noStrike">
-              <a:solidFill>
-                <a:srgbClr val="000000"/>
-              </a:solidFill>
-              <a:latin typeface="Calibri"/>
+            <a:pPr indent="0" algn="ctr">
+              <a:buNone/>
+            </a:pPr>
+            <a:endParaRPr b="0" lang="en-US" sz="4400" spc="-1" strike="noStrike">
+              <a:solidFill>
+                <a:srgbClr val="000000"/>
+              </a:solidFill>
+              <a:latin typeface="Arial"/>
             </a:endParaRPr>
           </a:p>
         </p:txBody>
@@ -2252,8 +2283,8 @@
         </p:nvSpPr>
         <p:spPr>
           <a:xfrm>
-            <a:off x="838080" y="1825560"/>
-            <a:ext cx="3385800" cy="2075040"/>
+            <a:off x="609480" y="1604520"/>
+            <a:ext cx="3533040" cy="1896840"/>
           </a:xfrm>
           <a:prstGeom prst="rect">
             <a:avLst/>
@@ -2269,19 +2300,16 @@
           </a:bodyPr>
           <a:p>
             <a:pPr indent="0">
-              <a:lnSpc>
-                <a:spcPct val="90000"/>
-              </a:lnSpc>
               <a:spcBef>
                 <a:spcPts val="1417"/>
               </a:spcBef>
               <a:buNone/>
             </a:pPr>
-            <a:endParaRPr b="0" lang="en-US" sz="2800" spc="-1" strike="noStrike">
-              <a:solidFill>
-                <a:srgbClr val="000000"/>
-              </a:solidFill>
-              <a:latin typeface="Calibri"/>
+            <a:endParaRPr b="0" lang="en-US" sz="3200" spc="-1" strike="noStrike">
+              <a:solidFill>
+                <a:srgbClr val="000000"/>
+              </a:solidFill>
+              <a:latin typeface="Arial"/>
             </a:endParaRPr>
           </a:p>
         </p:txBody>
@@ -2298,8 +2326,8 @@
         </p:nvSpPr>
         <p:spPr>
           <a:xfrm>
-            <a:off x="4393440" y="1825560"/>
-            <a:ext cx="3385800" cy="2075040"/>
+            <a:off x="4319640" y="1604520"/>
+            <a:ext cx="3533040" cy="1896840"/>
           </a:xfrm>
           <a:prstGeom prst="rect">
             <a:avLst/>
@@ -2315,19 +2343,16 @@
           </a:bodyPr>
           <a:p>
             <a:pPr indent="0">
-              <a:lnSpc>
-                <a:spcPct val="90000"/>
-              </a:lnSpc>
               <a:spcBef>
                 <a:spcPts val="1417"/>
               </a:spcBef>
               <a:buNone/>
             </a:pPr>
-            <a:endParaRPr b="0" lang="en-US" sz="2800" spc="-1" strike="noStrike">
-              <a:solidFill>
-                <a:srgbClr val="000000"/>
-              </a:solidFill>
-              <a:latin typeface="Calibri"/>
+            <a:endParaRPr b="0" lang="en-US" sz="3200" spc="-1" strike="noStrike">
+              <a:solidFill>
+                <a:srgbClr val="000000"/>
+              </a:solidFill>
+              <a:latin typeface="Arial"/>
             </a:endParaRPr>
           </a:p>
         </p:txBody>
@@ -2344,8 +2369,8 @@
         </p:nvSpPr>
         <p:spPr>
           <a:xfrm>
-            <a:off x="7949160" y="1825560"/>
-            <a:ext cx="3385800" cy="2075040"/>
+            <a:off x="8029800" y="1604520"/>
+            <a:ext cx="3533040" cy="1896840"/>
           </a:xfrm>
           <a:prstGeom prst="rect">
             <a:avLst/>
@@ -2361,19 +2386,16 @@
           </a:bodyPr>
           <a:p>
             <a:pPr indent="0">
-              <a:lnSpc>
-                <a:spcPct val="90000"/>
-              </a:lnSpc>
               <a:spcBef>
                 <a:spcPts val="1417"/>
               </a:spcBef>
               <a:buNone/>
             </a:pPr>
-            <a:endParaRPr b="0" lang="en-US" sz="2800" spc="-1" strike="noStrike">
-              <a:solidFill>
-                <a:srgbClr val="000000"/>
-              </a:solidFill>
-              <a:latin typeface="Calibri"/>
+            <a:endParaRPr b="0" lang="en-US" sz="3200" spc="-1" strike="noStrike">
+              <a:solidFill>
+                <a:srgbClr val="000000"/>
+              </a:solidFill>
+              <a:latin typeface="Arial"/>
             </a:endParaRPr>
           </a:p>
         </p:txBody>
@@ -2390,8 +2412,8 @@
         </p:nvSpPr>
         <p:spPr>
           <a:xfrm>
-            <a:off x="838080" y="4098240"/>
-            <a:ext cx="3385800" cy="2075040"/>
+            <a:off x="609480" y="3682080"/>
+            <a:ext cx="3533040" cy="1896840"/>
           </a:xfrm>
           <a:prstGeom prst="rect">
             <a:avLst/>
@@ -2407,19 +2429,16 @@
           </a:bodyPr>
           <a:p>
             <a:pPr indent="0">
-              <a:lnSpc>
-                <a:spcPct val="90000"/>
-              </a:lnSpc>
               <a:spcBef>
                 <a:spcPts val="1417"/>
               </a:spcBef>
               <a:buNone/>
             </a:pPr>
-            <a:endParaRPr b="0" lang="en-US" sz="2800" spc="-1" strike="noStrike">
-              <a:solidFill>
-                <a:srgbClr val="000000"/>
-              </a:solidFill>
-              <a:latin typeface="Calibri"/>
+            <a:endParaRPr b="0" lang="en-US" sz="3200" spc="-1" strike="noStrike">
+              <a:solidFill>
+                <a:srgbClr val="000000"/>
+              </a:solidFill>
+              <a:latin typeface="Arial"/>
             </a:endParaRPr>
           </a:p>
         </p:txBody>
@@ -2436,8 +2455,8 @@
         </p:nvSpPr>
         <p:spPr>
           <a:xfrm>
-            <a:off x="4393440" y="4098240"/>
-            <a:ext cx="3385800" cy="2075040"/>
+            <a:off x="4319640" y="3682080"/>
+            <a:ext cx="3533040" cy="1896840"/>
           </a:xfrm>
           <a:prstGeom prst="rect">
             <a:avLst/>
@@ -2453,19 +2472,16 @@
           </a:bodyPr>
           <a:p>
             <a:pPr indent="0">
-              <a:lnSpc>
-                <a:spcPct val="90000"/>
-              </a:lnSpc>
               <a:spcBef>
                 <a:spcPts val="1417"/>
               </a:spcBef>
               <a:buNone/>
             </a:pPr>
-            <a:endParaRPr b="0" lang="en-US" sz="2800" spc="-1" strike="noStrike">
-              <a:solidFill>
-                <a:srgbClr val="000000"/>
-              </a:solidFill>
-              <a:latin typeface="Calibri"/>
+            <a:endParaRPr b="0" lang="en-US" sz="3200" spc="-1" strike="noStrike">
+              <a:solidFill>
+                <a:srgbClr val="000000"/>
+              </a:solidFill>
+              <a:latin typeface="Arial"/>
             </a:endParaRPr>
           </a:p>
         </p:txBody>
@@ -2482,8 +2498,8 @@
         </p:nvSpPr>
         <p:spPr>
           <a:xfrm>
-            <a:off x="7949160" y="4098240"/>
-            <a:ext cx="3385800" cy="2075040"/>
+            <a:off x="8029800" y="3682080"/>
+            <a:ext cx="3533040" cy="1896840"/>
           </a:xfrm>
           <a:prstGeom prst="rect">
             <a:avLst/>
@@ -2499,19 +2515,16 @@
           </a:bodyPr>
           <a:p>
             <a:pPr indent="0">
-              <a:lnSpc>
-                <a:spcPct val="90000"/>
-              </a:lnSpc>
               <a:spcBef>
                 <a:spcPts val="1417"/>
               </a:spcBef>
               <a:buNone/>
             </a:pPr>
-            <a:endParaRPr b="0" lang="en-US" sz="2800" spc="-1" strike="noStrike">
-              <a:solidFill>
-                <a:srgbClr val="000000"/>
-              </a:solidFill>
-              <a:latin typeface="Calibri"/>
+            <a:endParaRPr b="0" lang="en-US" sz="3200" spc="-1" strike="noStrike">
+              <a:solidFill>
+                <a:srgbClr val="000000"/>
+              </a:solidFill>
+              <a:latin typeface="Arial"/>
             </a:endParaRPr>
           </a:p>
         </p:txBody>
@@ -2523,7 +2536,7 @@
             <a:spLocks noGrp="1"/>
           </p:cNvSpPr>
           <p:nvPr>
-            <p:ph type="ftr" idx="2"/>
+            <p:ph type="ftr" idx="1"/>
           </p:nvPr>
         </p:nvSpPr>
         <p:spPr/>
@@ -2543,14 +2556,14 @@
             <a:spLocks noGrp="1"/>
           </p:cNvSpPr>
           <p:nvPr>
-            <p:ph type="sldNum" idx="3"/>
+            <p:ph type="sldNum" idx="2"/>
           </p:nvPr>
         </p:nvSpPr>
         <p:spPr/>
         <p:txBody>
           <a:bodyPr/>
           <a:p>
-            <a:fld id="{3B1839F4-C09A-46AD-A2EF-263D75237CC1}" type="slidenum">
+            <a:fld id="{FCB5DADD-894F-4451-A151-D6691978C68F}" type="slidenum">
               <a:t>&lt;#&gt;</a:t>
             </a:fld>
           </a:p>
@@ -2563,7 +2576,7 @@
             <a:spLocks noGrp="1"/>
           </p:cNvSpPr>
           <p:nvPr>
-            <p:ph type="dt" idx="1"/>
+            <p:ph type="dt" idx="3"/>
           </p:nvPr>
         </p:nvSpPr>
         <p:spPr/>
@@ -2606,7 +2619,7 @@
             <a:spLocks noGrp="1"/>
           </p:cNvSpPr>
           <p:nvPr>
-            <p:ph type="ftr" idx="5"/>
+            <p:ph type="ftr" idx="4"/>
           </p:nvPr>
         </p:nvSpPr>
         <p:spPr/>
@@ -2626,14 +2639,14 @@
             <a:spLocks noGrp="1"/>
           </p:cNvSpPr>
           <p:nvPr>
-            <p:ph type="sldNum" idx="6"/>
+            <p:ph type="sldNum" idx="5"/>
           </p:nvPr>
         </p:nvSpPr>
         <p:spPr/>
         <p:txBody>
           <a:bodyPr/>
           <a:p>
-            <a:fld id="{93984B82-D719-4E7B-BA61-EDFFC3D8A124}" type="slidenum">
+            <a:fld id="{8AFC7E0C-6D68-45BE-B7CD-24C95A7A4270}" type="slidenum">
               <a:t>&lt;#&gt;</a:t>
             </a:fld>
           </a:p>
@@ -2646,7 +2659,7 @@
             <a:spLocks noGrp="1"/>
           </p:cNvSpPr>
           <p:nvPr>
-            <p:ph type="dt" idx="4"/>
+            <p:ph type="dt" idx="6"/>
           </p:nvPr>
         </p:nvSpPr>
         <p:spPr/>
@@ -2694,8 +2707,8 @@
         </p:nvSpPr>
         <p:spPr>
           <a:xfrm>
-            <a:off x="838080" y="365040"/>
-            <a:ext cx="10515240" cy="1325160"/>
+            <a:off x="609480" y="273600"/>
+            <a:ext cx="10972440" cy="1144800"/>
           </a:xfrm>
           <a:prstGeom prst="rect">
             <a:avLst/>
@@ -2710,14 +2723,14 @@
             <a:noAutofit/>
           </a:bodyPr>
           <a:p>
-            <a:pPr indent="0">
-              <a:buNone/>
-            </a:pPr>
-            <a:endParaRPr b="0" lang="en-US" sz="1800" spc="-1" strike="noStrike">
-              <a:solidFill>
-                <a:srgbClr val="000000"/>
-              </a:solidFill>
-              <a:latin typeface="Calibri"/>
+            <a:pPr indent="0" algn="ctr">
+              <a:buNone/>
+            </a:pPr>
+            <a:endParaRPr b="0" lang="en-US" sz="4400" spc="-1" strike="noStrike">
+              <a:solidFill>
+                <a:srgbClr val="000000"/>
+              </a:solidFill>
+              <a:latin typeface="Arial"/>
             </a:endParaRPr>
           </a:p>
         </p:txBody>
@@ -2734,8 +2747,8 @@
         </p:nvSpPr>
         <p:spPr>
           <a:xfrm>
-            <a:off x="838080" y="1825560"/>
-            <a:ext cx="10515240" cy="4350960"/>
+            <a:off x="609480" y="1604520"/>
+            <a:ext cx="10972440" cy="3977280"/>
           </a:xfrm>
           <a:prstGeom prst="rect">
             <a:avLst/>
@@ -2769,7 +2782,7 @@
             <a:spLocks noGrp="1"/>
           </p:cNvSpPr>
           <p:nvPr>
-            <p:ph type="ftr" idx="5"/>
+            <p:ph type="ftr" idx="4"/>
           </p:nvPr>
         </p:nvSpPr>
         <p:spPr/>
@@ -2789,14 +2802,14 @@
             <a:spLocks noGrp="1"/>
           </p:cNvSpPr>
           <p:nvPr>
-            <p:ph type="sldNum" idx="6"/>
+            <p:ph type="sldNum" idx="5"/>
           </p:nvPr>
         </p:nvSpPr>
         <p:spPr/>
         <p:txBody>
           <a:bodyPr/>
           <a:p>
-            <a:fld id="{BBE810BE-4069-4DA2-B342-EB6571D61253}" type="slidenum">
+            <a:fld id="{925CBE94-266B-4BD0-9B3C-43EE0B6A8DC8}" type="slidenum">
               <a:t>&lt;#&gt;</a:t>
             </a:fld>
           </a:p>
@@ -2809,7 +2822,7 @@
             <a:spLocks noGrp="1"/>
           </p:cNvSpPr>
           <p:nvPr>
-            <p:ph type="dt" idx="4"/>
+            <p:ph type="dt" idx="6"/>
           </p:nvPr>
         </p:nvSpPr>
         <p:spPr/>
@@ -2857,8 +2870,8 @@
         </p:nvSpPr>
         <p:spPr>
           <a:xfrm>
-            <a:off x="838080" y="365040"/>
-            <a:ext cx="10515240" cy="1325160"/>
+            <a:off x="609480" y="273600"/>
+            <a:ext cx="10972440" cy="1144800"/>
           </a:xfrm>
           <a:prstGeom prst="rect">
             <a:avLst/>
@@ -2873,14 +2886,14 @@
             <a:noAutofit/>
           </a:bodyPr>
           <a:p>
-            <a:pPr indent="0">
-              <a:buNone/>
-            </a:pPr>
-            <a:endParaRPr b="0" lang="en-US" sz="1800" spc="-1" strike="noStrike">
-              <a:solidFill>
-                <a:srgbClr val="000000"/>
-              </a:solidFill>
-              <a:latin typeface="Calibri"/>
+            <a:pPr indent="0" algn="ctr">
+              <a:buNone/>
+            </a:pPr>
+            <a:endParaRPr b="0" lang="en-US" sz="4400" spc="-1" strike="noStrike">
+              <a:solidFill>
+                <a:srgbClr val="000000"/>
+              </a:solidFill>
+              <a:latin typeface="Arial"/>
             </a:endParaRPr>
           </a:p>
         </p:txBody>
@@ -2897,8 +2910,8 @@
         </p:nvSpPr>
         <p:spPr>
           <a:xfrm>
-            <a:off x="838080" y="1825560"/>
-            <a:ext cx="10515240" cy="4350960"/>
+            <a:off x="609480" y="1604520"/>
+            <a:ext cx="10972440" cy="3977280"/>
           </a:xfrm>
           <a:prstGeom prst="rect">
             <a:avLst/>
@@ -2914,19 +2927,16 @@
           </a:bodyPr>
           <a:p>
             <a:pPr indent="0">
-              <a:lnSpc>
-                <a:spcPct val="90000"/>
-              </a:lnSpc>
               <a:spcBef>
                 <a:spcPts val="1417"/>
               </a:spcBef>
               <a:buNone/>
             </a:pPr>
-            <a:endParaRPr b="0" lang="en-US" sz="2800" spc="-1" strike="noStrike">
-              <a:solidFill>
-                <a:srgbClr val="000000"/>
-              </a:solidFill>
-              <a:latin typeface="Calibri"/>
+            <a:endParaRPr b="0" lang="en-US" sz="3200" spc="-1" strike="noStrike">
+              <a:solidFill>
+                <a:srgbClr val="000000"/>
+              </a:solidFill>
+              <a:latin typeface="Arial"/>
             </a:endParaRPr>
           </a:p>
         </p:txBody>
@@ -2938,7 +2948,7 @@
             <a:spLocks noGrp="1"/>
           </p:cNvSpPr>
           <p:nvPr>
-            <p:ph type="ftr" idx="5"/>
+            <p:ph type="ftr" idx="4"/>
           </p:nvPr>
         </p:nvSpPr>
         <p:spPr/>
@@ -2958,14 +2968,14 @@
             <a:spLocks noGrp="1"/>
           </p:cNvSpPr>
           <p:nvPr>
-            <p:ph type="sldNum" idx="6"/>
+            <p:ph type="sldNum" idx="5"/>
           </p:nvPr>
         </p:nvSpPr>
         <p:spPr/>
         <p:txBody>
           <a:bodyPr/>
           <a:p>
-            <a:fld id="{78890CAE-8556-4476-8B9F-E97B10929795}" type="slidenum">
+            <a:fld id="{E8A4212B-E2CD-4343-A90F-553AFDA95FBC}" type="slidenum">
               <a:t>&lt;#&gt;</a:t>
             </a:fld>
           </a:p>
@@ -2978,7 +2988,7 @@
             <a:spLocks noGrp="1"/>
           </p:cNvSpPr>
           <p:nvPr>
-            <p:ph type="dt" idx="4"/>
+            <p:ph type="dt" idx="6"/>
           </p:nvPr>
         </p:nvSpPr>
         <p:spPr/>
@@ -3026,8 +3036,8 @@
         </p:nvSpPr>
         <p:spPr>
           <a:xfrm>
-            <a:off x="838080" y="365040"/>
-            <a:ext cx="10515240" cy="1325160"/>
+            <a:off x="609480" y="273600"/>
+            <a:ext cx="10972440" cy="1144800"/>
           </a:xfrm>
           <a:prstGeom prst="rect">
             <a:avLst/>
@@ -3042,14 +3052,14 @@
             <a:noAutofit/>
           </a:bodyPr>
           <a:p>
-            <a:pPr indent="0">
-              <a:buNone/>
-            </a:pPr>
-            <a:endParaRPr b="0" lang="en-US" sz="1800" spc="-1" strike="noStrike">
-              <a:solidFill>
-                <a:srgbClr val="000000"/>
-              </a:solidFill>
-              <a:latin typeface="Calibri"/>
+            <a:pPr indent="0" algn="ctr">
+              <a:buNone/>
+            </a:pPr>
+            <a:endParaRPr b="0" lang="en-US" sz="4400" spc="-1" strike="noStrike">
+              <a:solidFill>
+                <a:srgbClr val="000000"/>
+              </a:solidFill>
+              <a:latin typeface="Arial"/>
             </a:endParaRPr>
           </a:p>
         </p:txBody>
@@ -3066,8 +3076,8 @@
         </p:nvSpPr>
         <p:spPr>
           <a:xfrm>
-            <a:off x="838080" y="1825560"/>
-            <a:ext cx="5131080" cy="4350960"/>
+            <a:off x="609480" y="1604520"/>
+            <a:ext cx="5354280" cy="3977280"/>
           </a:xfrm>
           <a:prstGeom prst="rect">
             <a:avLst/>
@@ -3083,19 +3093,16 @@
           </a:bodyPr>
           <a:p>
             <a:pPr indent="0">
-              <a:lnSpc>
-                <a:spcPct val="90000"/>
-              </a:lnSpc>
               <a:spcBef>
                 <a:spcPts val="1417"/>
               </a:spcBef>
               <a:buNone/>
             </a:pPr>
-            <a:endParaRPr b="0" lang="en-US" sz="2800" spc="-1" strike="noStrike">
-              <a:solidFill>
-                <a:srgbClr val="000000"/>
-              </a:solidFill>
-              <a:latin typeface="Calibri"/>
+            <a:endParaRPr b="0" lang="en-US" sz="3200" spc="-1" strike="noStrike">
+              <a:solidFill>
+                <a:srgbClr val="000000"/>
+              </a:solidFill>
+              <a:latin typeface="Arial"/>
             </a:endParaRPr>
           </a:p>
         </p:txBody>
@@ -3112,8 +3119,8 @@
         </p:nvSpPr>
         <p:spPr>
           <a:xfrm>
-            <a:off x="6226200" y="1825560"/>
-            <a:ext cx="5131080" cy="4350960"/>
+            <a:off x="6231960" y="1604520"/>
+            <a:ext cx="5354280" cy="3977280"/>
           </a:xfrm>
           <a:prstGeom prst="rect">
             <a:avLst/>
@@ -3129,19 +3136,16 @@
           </a:bodyPr>
           <a:p>
             <a:pPr indent="0">
-              <a:lnSpc>
-                <a:spcPct val="90000"/>
-              </a:lnSpc>
               <a:spcBef>
                 <a:spcPts val="1417"/>
               </a:spcBef>
               <a:buNone/>
             </a:pPr>
-            <a:endParaRPr b="0" lang="en-US" sz="2800" spc="-1" strike="noStrike">
-              <a:solidFill>
-                <a:srgbClr val="000000"/>
-              </a:solidFill>
-              <a:latin typeface="Calibri"/>
+            <a:endParaRPr b="0" lang="en-US" sz="3200" spc="-1" strike="noStrike">
+              <a:solidFill>
+                <a:srgbClr val="000000"/>
+              </a:solidFill>
+              <a:latin typeface="Arial"/>
             </a:endParaRPr>
           </a:p>
         </p:txBody>
@@ -3153,7 +3157,7 @@
             <a:spLocks noGrp="1"/>
           </p:cNvSpPr>
           <p:nvPr>
-            <p:ph type="ftr" idx="5"/>
+            <p:ph type="ftr" idx="4"/>
           </p:nvPr>
         </p:nvSpPr>
         <p:spPr/>
@@ -3173,14 +3177,14 @@
             <a:spLocks noGrp="1"/>
           </p:cNvSpPr>
           <p:nvPr>
-            <p:ph type="sldNum" idx="6"/>
+            <p:ph type="sldNum" idx="5"/>
           </p:nvPr>
         </p:nvSpPr>
         <p:spPr/>
         <p:txBody>
           <a:bodyPr/>
           <a:p>
-            <a:fld id="{275F2CB4-0207-4613-8B25-60944955B053}" type="slidenum">
+            <a:fld id="{5DFE4057-F15D-4B5C-8F9B-598D255265D4}" type="slidenum">
               <a:t>&lt;#&gt;</a:t>
             </a:fld>
           </a:p>
@@ -3193,7 +3197,7 @@
             <a:spLocks noGrp="1"/>
           </p:cNvSpPr>
           <p:nvPr>
-            <p:ph type="dt" idx="4"/>
+            <p:ph type="dt" idx="6"/>
           </p:nvPr>
         </p:nvSpPr>
         <p:spPr/>
@@ -3241,8 +3245,8 @@
         </p:nvSpPr>
         <p:spPr>
           <a:xfrm>
-            <a:off x="838080" y="365040"/>
-            <a:ext cx="10515240" cy="1325160"/>
+            <a:off x="609480" y="273600"/>
+            <a:ext cx="10972440" cy="1144800"/>
           </a:xfrm>
           <a:prstGeom prst="rect">
             <a:avLst/>
@@ -3257,14 +3261,14 @@
             <a:noAutofit/>
           </a:bodyPr>
           <a:p>
-            <a:pPr indent="0">
-              <a:buNone/>
-            </a:pPr>
-            <a:endParaRPr b="0" lang="en-US" sz="1800" spc="-1" strike="noStrike">
-              <a:solidFill>
-                <a:srgbClr val="000000"/>
-              </a:solidFill>
-              <a:latin typeface="Calibri"/>
+            <a:pPr indent="0" algn="ctr">
+              <a:buNone/>
+            </a:pPr>
+            <a:endParaRPr b="0" lang="en-US" sz="4400" spc="-1" strike="noStrike">
+              <a:solidFill>
+                <a:srgbClr val="000000"/>
+              </a:solidFill>
+              <a:latin typeface="Arial"/>
             </a:endParaRPr>
           </a:p>
         </p:txBody>
@@ -3276,7 +3280,7 @@
             <a:spLocks noGrp="1"/>
           </p:cNvSpPr>
           <p:nvPr>
-            <p:ph type="ftr" idx="5"/>
+            <p:ph type="ftr" idx="4"/>
           </p:nvPr>
         </p:nvSpPr>
         <p:spPr/>
@@ -3296,14 +3300,14 @@
             <a:spLocks noGrp="1"/>
           </p:cNvSpPr>
           <p:nvPr>
-            <p:ph type="sldNum" idx="6"/>
+            <p:ph type="sldNum" idx="5"/>
           </p:nvPr>
         </p:nvSpPr>
         <p:spPr/>
         <p:txBody>
           <a:bodyPr/>
           <a:p>
-            <a:fld id="{B479E521-2081-42F9-9863-45C21CDE8930}" type="slidenum">
+            <a:fld id="{2D57C17F-F804-4EA6-822A-F4FDE964D1FD}" type="slidenum">
               <a:t>&lt;#&gt;</a:t>
             </a:fld>
           </a:p>
@@ -3316,7 +3320,7 @@
             <a:spLocks noGrp="1"/>
           </p:cNvSpPr>
           <p:nvPr>
-            <p:ph type="dt" idx="4"/>
+            <p:ph type="dt" idx="6"/>
           </p:nvPr>
         </p:nvSpPr>
         <p:spPr/>
@@ -3364,8 +3368,8 @@
         </p:nvSpPr>
         <p:spPr>
           <a:xfrm>
-            <a:off x="838080" y="365040"/>
-            <a:ext cx="10515240" cy="6144120"/>
+            <a:off x="609480" y="273600"/>
+            <a:ext cx="10972440" cy="5307840"/>
           </a:xfrm>
           <a:prstGeom prst="rect">
             <a:avLst/>
@@ -3397,7 +3401,7 @@
             <a:spLocks noGrp="1"/>
           </p:cNvSpPr>
           <p:nvPr>
-            <p:ph type="ftr" idx="5"/>
+            <p:ph type="ftr" idx="4"/>
           </p:nvPr>
         </p:nvSpPr>
         <p:spPr/>
@@ -3417,14 +3421,14 @@
             <a:spLocks noGrp="1"/>
           </p:cNvSpPr>
           <p:nvPr>
-            <p:ph type="sldNum" idx="6"/>
+            <p:ph type="sldNum" idx="5"/>
           </p:nvPr>
         </p:nvSpPr>
         <p:spPr/>
         <p:txBody>
           <a:bodyPr/>
           <a:p>
-            <a:fld id="{8261619A-6364-4CB5-B799-7B8234D28F1C}" type="slidenum">
+            <a:fld id="{CE3B9071-D35C-4CA8-9196-ECE6DDCB82CD}" type="slidenum">
               <a:t>&lt;#&gt;</a:t>
             </a:fld>
           </a:p>
@@ -3437,7 +3441,7 @@
             <a:spLocks noGrp="1"/>
           </p:cNvSpPr>
           <p:nvPr>
-            <p:ph type="dt" idx="4"/>
+            <p:ph type="dt" idx="6"/>
           </p:nvPr>
         </p:nvSpPr>
         <p:spPr/>
@@ -3485,8 +3489,8 @@
         </p:nvSpPr>
         <p:spPr>
           <a:xfrm>
-            <a:off x="838080" y="365040"/>
-            <a:ext cx="10515240" cy="1325160"/>
+            <a:off x="609480" y="273600"/>
+            <a:ext cx="10972440" cy="1144800"/>
           </a:xfrm>
           <a:prstGeom prst="rect">
             <a:avLst/>
@@ -3501,14 +3505,14 @@
             <a:noAutofit/>
           </a:bodyPr>
           <a:p>
-            <a:pPr indent="0">
-              <a:buNone/>
-            </a:pPr>
-            <a:endParaRPr b="0" lang="en-US" sz="1800" spc="-1" strike="noStrike">
-              <a:solidFill>
-                <a:srgbClr val="000000"/>
-              </a:solidFill>
-              <a:latin typeface="Calibri"/>
+            <a:pPr indent="0" algn="ctr">
+              <a:buNone/>
+            </a:pPr>
+            <a:endParaRPr b="0" lang="en-US" sz="4400" spc="-1" strike="noStrike">
+              <a:solidFill>
+                <a:srgbClr val="000000"/>
+              </a:solidFill>
+              <a:latin typeface="Arial"/>
             </a:endParaRPr>
           </a:p>
         </p:txBody>
@@ -3525,8 +3529,8 @@
         </p:nvSpPr>
         <p:spPr>
           <a:xfrm>
-            <a:off x="838080" y="1825560"/>
-            <a:ext cx="5131080" cy="2075040"/>
+            <a:off x="609480" y="1604520"/>
+            <a:ext cx="5354280" cy="1896840"/>
           </a:xfrm>
           <a:prstGeom prst="rect">
             <a:avLst/>
@@ -3542,19 +3546,16 @@
           </a:bodyPr>
           <a:p>
             <a:pPr indent="0">
-              <a:lnSpc>
-                <a:spcPct val="90000"/>
-              </a:lnSpc>
               <a:spcBef>
                 <a:spcPts val="1417"/>
               </a:spcBef>
               <a:buNone/>
             </a:pPr>
-            <a:endParaRPr b="0" lang="en-US" sz="2800" spc="-1" strike="noStrike">
-              <a:solidFill>
-                <a:srgbClr val="000000"/>
-              </a:solidFill>
-              <a:latin typeface="Calibri"/>
+            <a:endParaRPr b="0" lang="en-US" sz="3200" spc="-1" strike="noStrike">
+              <a:solidFill>
+                <a:srgbClr val="000000"/>
+              </a:solidFill>
+              <a:latin typeface="Arial"/>
             </a:endParaRPr>
           </a:p>
         </p:txBody>
@@ -3571,8 +3572,8 @@
         </p:nvSpPr>
         <p:spPr>
           <a:xfrm>
-            <a:off x="6226200" y="1825560"/>
-            <a:ext cx="5131080" cy="4350960"/>
+            <a:off x="6231960" y="1604520"/>
+            <a:ext cx="5354280" cy="3977280"/>
           </a:xfrm>
           <a:prstGeom prst="rect">
             <a:avLst/>
@@ -3588,19 +3589,16 @@
           </a:bodyPr>
           <a:p>
             <a:pPr indent="0">
-              <a:lnSpc>
-                <a:spcPct val="90000"/>
-              </a:lnSpc>
               <a:spcBef>
                 <a:spcPts val="1417"/>
               </a:spcBef>
               <a:buNone/>
             </a:pPr>
-            <a:endParaRPr b="0" lang="en-US" sz="2800" spc="-1" strike="noStrike">
-              <a:solidFill>
-                <a:srgbClr val="000000"/>
-              </a:solidFill>
-              <a:latin typeface="Calibri"/>
+            <a:endParaRPr b="0" lang="en-US" sz="3200" spc="-1" strike="noStrike">
+              <a:solidFill>
+                <a:srgbClr val="000000"/>
+              </a:solidFill>
+              <a:latin typeface="Arial"/>
             </a:endParaRPr>
           </a:p>
         </p:txBody>
@@ -3617,8 +3615,8 @@
         </p:nvSpPr>
         <p:spPr>
           <a:xfrm>
-            <a:off x="838080" y="4098240"/>
-            <a:ext cx="5131080" cy="2075040"/>
+            <a:off x="609480" y="3682080"/>
+            <a:ext cx="5354280" cy="1896840"/>
           </a:xfrm>
           <a:prstGeom prst="rect">
             <a:avLst/>
@@ -3634,19 +3632,16 @@
           </a:bodyPr>
           <a:p>
             <a:pPr indent="0">
-              <a:lnSpc>
-                <a:spcPct val="90000"/>
-              </a:lnSpc>
               <a:spcBef>
                 <a:spcPts val="1417"/>
               </a:spcBef>
               <a:buNone/>
             </a:pPr>
-            <a:endParaRPr b="0" lang="en-US" sz="2800" spc="-1" strike="noStrike">
-              <a:solidFill>
-                <a:srgbClr val="000000"/>
-              </a:solidFill>
-              <a:latin typeface="Calibri"/>
+            <a:endParaRPr b="0" lang="en-US" sz="3200" spc="-1" strike="noStrike">
+              <a:solidFill>
+                <a:srgbClr val="000000"/>
+              </a:solidFill>
+              <a:latin typeface="Arial"/>
             </a:endParaRPr>
           </a:p>
         </p:txBody>
@@ -3658,7 +3653,7 @@
             <a:spLocks noGrp="1"/>
           </p:cNvSpPr>
           <p:nvPr>
-            <p:ph type="ftr" idx="5"/>
+            <p:ph type="ftr" idx="4"/>
           </p:nvPr>
         </p:nvSpPr>
         <p:spPr/>
@@ -3678,14 +3673,14 @@
             <a:spLocks noGrp="1"/>
           </p:cNvSpPr>
           <p:nvPr>
-            <p:ph type="sldNum" idx="6"/>
+            <p:ph type="sldNum" idx="5"/>
           </p:nvPr>
         </p:nvSpPr>
         <p:spPr/>
         <p:txBody>
           <a:bodyPr/>
           <a:p>
-            <a:fld id="{23A834F7-9B5F-4ECD-A72F-2B5FDB9A5CE9}" type="slidenum">
+            <a:fld id="{A0FC3F20-B670-4A0C-81B1-4D74EFAB33D7}" type="slidenum">
               <a:t>&lt;#&gt;</a:t>
             </a:fld>
           </a:p>
@@ -3698,7 +3693,7 @@
             <a:spLocks noGrp="1"/>
           </p:cNvSpPr>
           <p:nvPr>
-            <p:ph type="dt" idx="4"/>
+            <p:ph type="dt" idx="6"/>
           </p:nvPr>
         </p:nvSpPr>
         <p:spPr/>
@@ -3746,8 +3741,8 @@
         </p:nvSpPr>
         <p:spPr>
           <a:xfrm>
-            <a:off x="838080" y="365040"/>
-            <a:ext cx="10515240" cy="1325160"/>
+            <a:off x="609480" y="273600"/>
+            <a:ext cx="10972440" cy="1144800"/>
           </a:xfrm>
           <a:prstGeom prst="rect">
             <a:avLst/>
@@ -3762,14 +3757,14 @@
             <a:noAutofit/>
           </a:bodyPr>
           <a:p>
-            <a:pPr indent="0">
-              <a:buNone/>
-            </a:pPr>
-            <a:endParaRPr b="0" lang="en-US" sz="1800" spc="-1" strike="noStrike">
-              <a:solidFill>
-                <a:srgbClr val="000000"/>
-              </a:solidFill>
-              <a:latin typeface="Calibri"/>
+            <a:pPr indent="0" algn="ctr">
+              <a:buNone/>
+            </a:pPr>
+            <a:endParaRPr b="0" lang="en-US" sz="4400" spc="-1" strike="noStrike">
+              <a:solidFill>
+                <a:srgbClr val="000000"/>
+              </a:solidFill>
+              <a:latin typeface="Arial"/>
             </a:endParaRPr>
           </a:p>
         </p:txBody>
@@ -3786,8 +3781,8 @@
         </p:nvSpPr>
         <p:spPr>
           <a:xfrm>
-            <a:off x="838080" y="1825560"/>
-            <a:ext cx="10515240" cy="4350960"/>
+            <a:off x="609480" y="1604520"/>
+            <a:ext cx="10972440" cy="3977280"/>
           </a:xfrm>
           <a:prstGeom prst="rect">
             <a:avLst/>
@@ -3821,7 +3816,7 @@
             <a:spLocks noGrp="1"/>
           </p:cNvSpPr>
           <p:nvPr>
-            <p:ph type="ftr" idx="2"/>
+            <p:ph type="ftr" idx="1"/>
           </p:nvPr>
         </p:nvSpPr>
         <p:spPr/>
@@ -3841,14 +3836,14 @@
             <a:spLocks noGrp="1"/>
           </p:cNvSpPr>
           <p:nvPr>
-            <p:ph type="sldNum" idx="3"/>
+            <p:ph type="sldNum" idx="2"/>
           </p:nvPr>
         </p:nvSpPr>
         <p:spPr/>
         <p:txBody>
           <a:bodyPr/>
           <a:p>
-            <a:fld id="{FEBF4097-1FA7-44A1-926F-31E5D5AA56C0}" type="slidenum">
+            <a:fld id="{5B17572B-B323-42E9-ADD5-9E370D2C346B}" type="slidenum">
               <a:t>&lt;#&gt;</a:t>
             </a:fld>
           </a:p>
@@ -3861,7 +3856,7 @@
             <a:spLocks noGrp="1"/>
           </p:cNvSpPr>
           <p:nvPr>
-            <p:ph type="dt" idx="1"/>
+            <p:ph type="dt" idx="3"/>
           </p:nvPr>
         </p:nvSpPr>
         <p:spPr/>
@@ -3909,8 +3904,8 @@
         </p:nvSpPr>
         <p:spPr>
           <a:xfrm>
-            <a:off x="838080" y="365040"/>
-            <a:ext cx="10515240" cy="1325160"/>
+            <a:off x="609480" y="273600"/>
+            <a:ext cx="10972440" cy="1144800"/>
           </a:xfrm>
           <a:prstGeom prst="rect">
             <a:avLst/>
@@ -3925,14 +3920,14 @@
             <a:noAutofit/>
           </a:bodyPr>
           <a:p>
-            <a:pPr indent="0">
-              <a:buNone/>
-            </a:pPr>
-            <a:endParaRPr b="0" lang="en-US" sz="1800" spc="-1" strike="noStrike">
-              <a:solidFill>
-                <a:srgbClr val="000000"/>
-              </a:solidFill>
-              <a:latin typeface="Calibri"/>
+            <a:pPr indent="0" algn="ctr">
+              <a:buNone/>
+            </a:pPr>
+            <a:endParaRPr b="0" lang="en-US" sz="4400" spc="-1" strike="noStrike">
+              <a:solidFill>
+                <a:srgbClr val="000000"/>
+              </a:solidFill>
+              <a:latin typeface="Arial"/>
             </a:endParaRPr>
           </a:p>
         </p:txBody>
@@ -3949,8 +3944,8 @@
         </p:nvSpPr>
         <p:spPr>
           <a:xfrm>
-            <a:off x="838080" y="1825560"/>
-            <a:ext cx="5131080" cy="4350960"/>
+            <a:off x="609480" y="1604520"/>
+            <a:ext cx="5354280" cy="3977280"/>
           </a:xfrm>
           <a:prstGeom prst="rect">
             <a:avLst/>
@@ -3966,19 +3961,16 @@
           </a:bodyPr>
           <a:p>
             <a:pPr indent="0">
-              <a:lnSpc>
-                <a:spcPct val="90000"/>
-              </a:lnSpc>
               <a:spcBef>
                 <a:spcPts val="1417"/>
               </a:spcBef>
               <a:buNone/>
             </a:pPr>
-            <a:endParaRPr b="0" lang="en-US" sz="2800" spc="-1" strike="noStrike">
-              <a:solidFill>
-                <a:srgbClr val="000000"/>
-              </a:solidFill>
-              <a:latin typeface="Calibri"/>
+            <a:endParaRPr b="0" lang="en-US" sz="3200" spc="-1" strike="noStrike">
+              <a:solidFill>
+                <a:srgbClr val="000000"/>
+              </a:solidFill>
+              <a:latin typeface="Arial"/>
             </a:endParaRPr>
           </a:p>
         </p:txBody>
@@ -3995,8 +3987,8 @@
         </p:nvSpPr>
         <p:spPr>
           <a:xfrm>
-            <a:off x="6226200" y="1825560"/>
-            <a:ext cx="5131080" cy="2075040"/>
+            <a:off x="6231960" y="1604520"/>
+            <a:ext cx="5354280" cy="1896840"/>
           </a:xfrm>
           <a:prstGeom prst="rect">
             <a:avLst/>
@@ -4012,19 +4004,16 @@
           </a:bodyPr>
           <a:p>
             <a:pPr indent="0">
-              <a:lnSpc>
-                <a:spcPct val="90000"/>
-              </a:lnSpc>
               <a:spcBef>
                 <a:spcPts val="1417"/>
               </a:spcBef>
               <a:buNone/>
             </a:pPr>
-            <a:endParaRPr b="0" lang="en-US" sz="2800" spc="-1" strike="noStrike">
-              <a:solidFill>
-                <a:srgbClr val="000000"/>
-              </a:solidFill>
-              <a:latin typeface="Calibri"/>
+            <a:endParaRPr b="0" lang="en-US" sz="3200" spc="-1" strike="noStrike">
+              <a:solidFill>
+                <a:srgbClr val="000000"/>
+              </a:solidFill>
+              <a:latin typeface="Arial"/>
             </a:endParaRPr>
           </a:p>
         </p:txBody>
@@ -4041,8 +4030,8 @@
         </p:nvSpPr>
         <p:spPr>
           <a:xfrm>
-            <a:off x="6226200" y="4098240"/>
-            <a:ext cx="5131080" cy="2075040"/>
+            <a:off x="6231960" y="3682080"/>
+            <a:ext cx="5354280" cy="1896840"/>
           </a:xfrm>
           <a:prstGeom prst="rect">
             <a:avLst/>
@@ -4058,19 +4047,16 @@
           </a:bodyPr>
           <a:p>
             <a:pPr indent="0">
-              <a:lnSpc>
-                <a:spcPct val="90000"/>
-              </a:lnSpc>
               <a:spcBef>
                 <a:spcPts val="1417"/>
               </a:spcBef>
               <a:buNone/>
             </a:pPr>
-            <a:endParaRPr b="0" lang="en-US" sz="2800" spc="-1" strike="noStrike">
-              <a:solidFill>
-                <a:srgbClr val="000000"/>
-              </a:solidFill>
-              <a:latin typeface="Calibri"/>
+            <a:endParaRPr b="0" lang="en-US" sz="3200" spc="-1" strike="noStrike">
+              <a:solidFill>
+                <a:srgbClr val="000000"/>
+              </a:solidFill>
+              <a:latin typeface="Arial"/>
             </a:endParaRPr>
           </a:p>
         </p:txBody>
@@ -4082,7 +4068,7 @@
             <a:spLocks noGrp="1"/>
           </p:cNvSpPr>
           <p:nvPr>
-            <p:ph type="ftr" idx="5"/>
+            <p:ph type="ftr" idx="4"/>
           </p:nvPr>
         </p:nvSpPr>
         <p:spPr/>
@@ -4102,14 +4088,14 @@
             <a:spLocks noGrp="1"/>
           </p:cNvSpPr>
           <p:nvPr>
-            <p:ph type="sldNum" idx="6"/>
+            <p:ph type="sldNum" idx="5"/>
           </p:nvPr>
         </p:nvSpPr>
         <p:spPr/>
         <p:txBody>
           <a:bodyPr/>
           <a:p>
-            <a:fld id="{8C0DBC22-1D49-48EE-94E2-F0372F069D50}" type="slidenum">
+            <a:fld id="{A9D20791-57CF-4DC2-9A87-9CB7D59433B0}" type="slidenum">
               <a:t>&lt;#&gt;</a:t>
             </a:fld>
           </a:p>
@@ -4122,7 +4108,7 @@
             <a:spLocks noGrp="1"/>
           </p:cNvSpPr>
           <p:nvPr>
-            <p:ph type="dt" idx="4"/>
+            <p:ph type="dt" idx="6"/>
           </p:nvPr>
         </p:nvSpPr>
         <p:spPr/>
@@ -4170,8 +4156,8 @@
         </p:nvSpPr>
         <p:spPr>
           <a:xfrm>
-            <a:off x="838080" y="365040"/>
-            <a:ext cx="10515240" cy="1325160"/>
+            <a:off x="609480" y="273600"/>
+            <a:ext cx="10972440" cy="1144800"/>
           </a:xfrm>
           <a:prstGeom prst="rect">
             <a:avLst/>
@@ -4186,14 +4172,14 @@
             <a:noAutofit/>
           </a:bodyPr>
           <a:p>
-            <a:pPr indent="0">
-              <a:buNone/>
-            </a:pPr>
-            <a:endParaRPr b="0" lang="en-US" sz="1800" spc="-1" strike="noStrike">
-              <a:solidFill>
-                <a:srgbClr val="000000"/>
-              </a:solidFill>
-              <a:latin typeface="Calibri"/>
+            <a:pPr indent="0" algn="ctr">
+              <a:buNone/>
+            </a:pPr>
+            <a:endParaRPr b="0" lang="en-US" sz="4400" spc="-1" strike="noStrike">
+              <a:solidFill>
+                <a:srgbClr val="000000"/>
+              </a:solidFill>
+              <a:latin typeface="Arial"/>
             </a:endParaRPr>
           </a:p>
         </p:txBody>
@@ -4210,8 +4196,8 @@
         </p:nvSpPr>
         <p:spPr>
           <a:xfrm>
-            <a:off x="838080" y="1825560"/>
-            <a:ext cx="5131080" cy="2075040"/>
+            <a:off x="609480" y="1604520"/>
+            <a:ext cx="5354280" cy="1896840"/>
           </a:xfrm>
           <a:prstGeom prst="rect">
             <a:avLst/>
@@ -4227,19 +4213,16 @@
           </a:bodyPr>
           <a:p>
             <a:pPr indent="0">
-              <a:lnSpc>
-                <a:spcPct val="90000"/>
-              </a:lnSpc>
               <a:spcBef>
                 <a:spcPts val="1417"/>
               </a:spcBef>
               <a:buNone/>
             </a:pPr>
-            <a:endParaRPr b="0" lang="en-US" sz="2800" spc="-1" strike="noStrike">
-              <a:solidFill>
-                <a:srgbClr val="000000"/>
-              </a:solidFill>
-              <a:latin typeface="Calibri"/>
+            <a:endParaRPr b="0" lang="en-US" sz="3200" spc="-1" strike="noStrike">
+              <a:solidFill>
+                <a:srgbClr val="000000"/>
+              </a:solidFill>
+              <a:latin typeface="Arial"/>
             </a:endParaRPr>
           </a:p>
         </p:txBody>
@@ -4256,8 +4239,8 @@
         </p:nvSpPr>
         <p:spPr>
           <a:xfrm>
-            <a:off x="6226200" y="1825560"/>
-            <a:ext cx="5131080" cy="2075040"/>
+            <a:off x="6231960" y="1604520"/>
+            <a:ext cx="5354280" cy="1896840"/>
           </a:xfrm>
           <a:prstGeom prst="rect">
             <a:avLst/>
@@ -4273,19 +4256,16 @@
           </a:bodyPr>
           <a:p>
             <a:pPr indent="0">
-              <a:lnSpc>
-                <a:spcPct val="90000"/>
-              </a:lnSpc>
               <a:spcBef>
                 <a:spcPts val="1417"/>
               </a:spcBef>
               <a:buNone/>
             </a:pPr>
-            <a:endParaRPr b="0" lang="en-US" sz="2800" spc="-1" strike="noStrike">
-              <a:solidFill>
-                <a:srgbClr val="000000"/>
-              </a:solidFill>
-              <a:latin typeface="Calibri"/>
+            <a:endParaRPr b="0" lang="en-US" sz="3200" spc="-1" strike="noStrike">
+              <a:solidFill>
+                <a:srgbClr val="000000"/>
+              </a:solidFill>
+              <a:latin typeface="Arial"/>
             </a:endParaRPr>
           </a:p>
         </p:txBody>
@@ -4302,8 +4282,8 @@
         </p:nvSpPr>
         <p:spPr>
           <a:xfrm>
-            <a:off x="838080" y="4098240"/>
-            <a:ext cx="10515240" cy="2075040"/>
+            <a:off x="609480" y="3682080"/>
+            <a:ext cx="10972440" cy="1896840"/>
           </a:xfrm>
           <a:prstGeom prst="rect">
             <a:avLst/>
@@ -4319,19 +4299,16 @@
           </a:bodyPr>
           <a:p>
             <a:pPr indent="0">
-              <a:lnSpc>
-                <a:spcPct val="90000"/>
-              </a:lnSpc>
               <a:spcBef>
                 <a:spcPts val="1417"/>
               </a:spcBef>
               <a:buNone/>
             </a:pPr>
-            <a:endParaRPr b="0" lang="en-US" sz="2800" spc="-1" strike="noStrike">
-              <a:solidFill>
-                <a:srgbClr val="000000"/>
-              </a:solidFill>
-              <a:latin typeface="Calibri"/>
+            <a:endParaRPr b="0" lang="en-US" sz="3200" spc="-1" strike="noStrike">
+              <a:solidFill>
+                <a:srgbClr val="000000"/>
+              </a:solidFill>
+              <a:latin typeface="Arial"/>
             </a:endParaRPr>
           </a:p>
         </p:txBody>
@@ -4343,7 +4320,7 @@
             <a:spLocks noGrp="1"/>
           </p:cNvSpPr>
           <p:nvPr>
-            <p:ph type="ftr" idx="5"/>
+            <p:ph type="ftr" idx="4"/>
           </p:nvPr>
         </p:nvSpPr>
         <p:spPr/>
@@ -4363,14 +4340,14 @@
             <a:spLocks noGrp="1"/>
           </p:cNvSpPr>
           <p:nvPr>
-            <p:ph type="sldNum" idx="6"/>
+            <p:ph type="sldNum" idx="5"/>
           </p:nvPr>
         </p:nvSpPr>
         <p:spPr/>
         <p:txBody>
           <a:bodyPr/>
           <a:p>
-            <a:fld id="{7237ADE6-D242-4C31-8091-AE1DB482EA65}" type="slidenum">
+            <a:fld id="{F2D64995-4285-4725-8F23-D58CDD2D138E}" type="slidenum">
               <a:t>&lt;#&gt;</a:t>
             </a:fld>
           </a:p>
@@ -4383,7 +4360,7 @@
             <a:spLocks noGrp="1"/>
           </p:cNvSpPr>
           <p:nvPr>
-            <p:ph type="dt" idx="4"/>
+            <p:ph type="dt" idx="6"/>
           </p:nvPr>
         </p:nvSpPr>
         <p:spPr/>
@@ -4431,8 +4408,8 @@
         </p:nvSpPr>
         <p:spPr>
           <a:xfrm>
-            <a:off x="838080" y="365040"/>
-            <a:ext cx="10515240" cy="1325160"/>
+            <a:off x="609480" y="273600"/>
+            <a:ext cx="10972440" cy="1144800"/>
           </a:xfrm>
           <a:prstGeom prst="rect">
             <a:avLst/>
@@ -4447,14 +4424,14 @@
             <a:noAutofit/>
           </a:bodyPr>
           <a:p>
-            <a:pPr indent="0">
-              <a:buNone/>
-            </a:pPr>
-            <a:endParaRPr b="0" lang="en-US" sz="1800" spc="-1" strike="noStrike">
-              <a:solidFill>
-                <a:srgbClr val="000000"/>
-              </a:solidFill>
-              <a:latin typeface="Calibri"/>
+            <a:pPr indent="0" algn="ctr">
+              <a:buNone/>
+            </a:pPr>
+            <a:endParaRPr b="0" lang="en-US" sz="4400" spc="-1" strike="noStrike">
+              <a:solidFill>
+                <a:srgbClr val="000000"/>
+              </a:solidFill>
+              <a:latin typeface="Arial"/>
             </a:endParaRPr>
           </a:p>
         </p:txBody>
@@ -4471,8 +4448,8 @@
         </p:nvSpPr>
         <p:spPr>
           <a:xfrm>
-            <a:off x="838080" y="1825560"/>
-            <a:ext cx="10515240" cy="2075040"/>
+            <a:off x="609480" y="1604520"/>
+            <a:ext cx="10972440" cy="1896840"/>
           </a:xfrm>
           <a:prstGeom prst="rect">
             <a:avLst/>
@@ -4488,19 +4465,16 @@
           </a:bodyPr>
           <a:p>
             <a:pPr indent="0">
-              <a:lnSpc>
-                <a:spcPct val="90000"/>
-              </a:lnSpc>
               <a:spcBef>
                 <a:spcPts val="1417"/>
               </a:spcBef>
               <a:buNone/>
             </a:pPr>
-            <a:endParaRPr b="0" lang="en-US" sz="2800" spc="-1" strike="noStrike">
-              <a:solidFill>
-                <a:srgbClr val="000000"/>
-              </a:solidFill>
-              <a:latin typeface="Calibri"/>
+            <a:endParaRPr b="0" lang="en-US" sz="3200" spc="-1" strike="noStrike">
+              <a:solidFill>
+                <a:srgbClr val="000000"/>
+              </a:solidFill>
+              <a:latin typeface="Arial"/>
             </a:endParaRPr>
           </a:p>
         </p:txBody>
@@ -4517,8 +4491,8 @@
         </p:nvSpPr>
         <p:spPr>
           <a:xfrm>
-            <a:off x="838080" y="4098240"/>
-            <a:ext cx="10515240" cy="2075040"/>
+            <a:off x="609480" y="3682080"/>
+            <a:ext cx="10972440" cy="1896840"/>
           </a:xfrm>
           <a:prstGeom prst="rect">
             <a:avLst/>
@@ -4534,19 +4508,16 @@
           </a:bodyPr>
           <a:p>
             <a:pPr indent="0">
-              <a:lnSpc>
-                <a:spcPct val="90000"/>
-              </a:lnSpc>
               <a:spcBef>
                 <a:spcPts val="1417"/>
               </a:spcBef>
               <a:buNone/>
             </a:pPr>
-            <a:endParaRPr b="0" lang="en-US" sz="2800" spc="-1" strike="noStrike">
-              <a:solidFill>
-                <a:srgbClr val="000000"/>
-              </a:solidFill>
-              <a:latin typeface="Calibri"/>
+            <a:endParaRPr b="0" lang="en-US" sz="3200" spc="-1" strike="noStrike">
+              <a:solidFill>
+                <a:srgbClr val="000000"/>
+              </a:solidFill>
+              <a:latin typeface="Arial"/>
             </a:endParaRPr>
           </a:p>
         </p:txBody>
@@ -4558,7 +4529,7 @@
             <a:spLocks noGrp="1"/>
           </p:cNvSpPr>
           <p:nvPr>
-            <p:ph type="ftr" idx="5"/>
+            <p:ph type="ftr" idx="4"/>
           </p:nvPr>
         </p:nvSpPr>
         <p:spPr/>
@@ -4578,14 +4549,14 @@
             <a:spLocks noGrp="1"/>
           </p:cNvSpPr>
           <p:nvPr>
-            <p:ph type="sldNum" idx="6"/>
+            <p:ph type="sldNum" idx="5"/>
           </p:nvPr>
         </p:nvSpPr>
         <p:spPr/>
         <p:txBody>
           <a:bodyPr/>
           <a:p>
-            <a:fld id="{A2EEC725-3ECF-4BA0-B24F-B88B8D06BED5}" type="slidenum">
+            <a:fld id="{B30AC589-10B3-4683-B527-13F1647DC601}" type="slidenum">
               <a:t>&lt;#&gt;</a:t>
             </a:fld>
           </a:p>
@@ -4598,7 +4569,7 @@
             <a:spLocks noGrp="1"/>
           </p:cNvSpPr>
           <p:nvPr>
-            <p:ph type="dt" idx="4"/>
+            <p:ph type="dt" idx="6"/>
           </p:nvPr>
         </p:nvSpPr>
         <p:spPr/>
@@ -4646,8 +4617,8 @@
         </p:nvSpPr>
         <p:spPr>
           <a:xfrm>
-            <a:off x="838080" y="365040"/>
-            <a:ext cx="10515240" cy="1325160"/>
+            <a:off x="609480" y="273600"/>
+            <a:ext cx="10972440" cy="1144800"/>
           </a:xfrm>
           <a:prstGeom prst="rect">
             <a:avLst/>
@@ -4662,14 +4633,14 @@
             <a:noAutofit/>
           </a:bodyPr>
           <a:p>
-            <a:pPr indent="0">
-              <a:buNone/>
-            </a:pPr>
-            <a:endParaRPr b="0" lang="en-US" sz="1800" spc="-1" strike="noStrike">
-              <a:solidFill>
-                <a:srgbClr val="000000"/>
-              </a:solidFill>
-              <a:latin typeface="Calibri"/>
+            <a:pPr indent="0" algn="ctr">
+              <a:buNone/>
+            </a:pPr>
+            <a:endParaRPr b="0" lang="en-US" sz="4400" spc="-1" strike="noStrike">
+              <a:solidFill>
+                <a:srgbClr val="000000"/>
+              </a:solidFill>
+              <a:latin typeface="Arial"/>
             </a:endParaRPr>
           </a:p>
         </p:txBody>
@@ -4686,8 +4657,8 @@
         </p:nvSpPr>
         <p:spPr>
           <a:xfrm>
-            <a:off x="838080" y="1825560"/>
-            <a:ext cx="5131080" cy="2075040"/>
+            <a:off x="609480" y="1604520"/>
+            <a:ext cx="5354280" cy="1896840"/>
           </a:xfrm>
           <a:prstGeom prst="rect">
             <a:avLst/>
@@ -4703,19 +4674,16 @@
           </a:bodyPr>
           <a:p>
             <a:pPr indent="0">
-              <a:lnSpc>
-                <a:spcPct val="90000"/>
-              </a:lnSpc>
               <a:spcBef>
                 <a:spcPts val="1417"/>
               </a:spcBef>
               <a:buNone/>
             </a:pPr>
-            <a:endParaRPr b="0" lang="en-US" sz="2800" spc="-1" strike="noStrike">
-              <a:solidFill>
-                <a:srgbClr val="000000"/>
-              </a:solidFill>
-              <a:latin typeface="Calibri"/>
+            <a:endParaRPr b="0" lang="en-US" sz="3200" spc="-1" strike="noStrike">
+              <a:solidFill>
+                <a:srgbClr val="000000"/>
+              </a:solidFill>
+              <a:latin typeface="Arial"/>
             </a:endParaRPr>
           </a:p>
         </p:txBody>
@@ -4732,8 +4700,8 @@
         </p:nvSpPr>
         <p:spPr>
           <a:xfrm>
-            <a:off x="6226200" y="1825560"/>
-            <a:ext cx="5131080" cy="2075040"/>
+            <a:off x="6231960" y="1604520"/>
+            <a:ext cx="5354280" cy="1896840"/>
           </a:xfrm>
           <a:prstGeom prst="rect">
             <a:avLst/>
@@ -4749,19 +4717,16 @@
           </a:bodyPr>
           <a:p>
             <a:pPr indent="0">
-              <a:lnSpc>
-                <a:spcPct val="90000"/>
-              </a:lnSpc>
               <a:spcBef>
                 <a:spcPts val="1417"/>
               </a:spcBef>
               <a:buNone/>
             </a:pPr>
-            <a:endParaRPr b="0" lang="en-US" sz="2800" spc="-1" strike="noStrike">
-              <a:solidFill>
-                <a:srgbClr val="000000"/>
-              </a:solidFill>
-              <a:latin typeface="Calibri"/>
+            <a:endParaRPr b="0" lang="en-US" sz="3200" spc="-1" strike="noStrike">
+              <a:solidFill>
+                <a:srgbClr val="000000"/>
+              </a:solidFill>
+              <a:latin typeface="Arial"/>
             </a:endParaRPr>
           </a:p>
         </p:txBody>
@@ -4778,8 +4743,8 @@
         </p:nvSpPr>
         <p:spPr>
           <a:xfrm>
-            <a:off x="838080" y="4098240"/>
-            <a:ext cx="5131080" cy="2075040"/>
+            <a:off x="609480" y="3682080"/>
+            <a:ext cx="5354280" cy="1896840"/>
           </a:xfrm>
           <a:prstGeom prst="rect">
             <a:avLst/>
@@ -4795,19 +4760,16 @@
           </a:bodyPr>
           <a:p>
             <a:pPr indent="0">
-              <a:lnSpc>
-                <a:spcPct val="90000"/>
-              </a:lnSpc>
               <a:spcBef>
                 <a:spcPts val="1417"/>
               </a:spcBef>
               <a:buNone/>
             </a:pPr>
-            <a:endParaRPr b="0" lang="en-US" sz="2800" spc="-1" strike="noStrike">
-              <a:solidFill>
-                <a:srgbClr val="000000"/>
-              </a:solidFill>
-              <a:latin typeface="Calibri"/>
+            <a:endParaRPr b="0" lang="en-US" sz="3200" spc="-1" strike="noStrike">
+              <a:solidFill>
+                <a:srgbClr val="000000"/>
+              </a:solidFill>
+              <a:latin typeface="Arial"/>
             </a:endParaRPr>
           </a:p>
         </p:txBody>
@@ -4824,8 +4786,8 @@
         </p:nvSpPr>
         <p:spPr>
           <a:xfrm>
-            <a:off x="6226200" y="4098240"/>
-            <a:ext cx="5131080" cy="2075040"/>
+            <a:off x="6231960" y="3682080"/>
+            <a:ext cx="5354280" cy="1896840"/>
           </a:xfrm>
           <a:prstGeom prst="rect">
             <a:avLst/>
@@ -4841,19 +4803,16 @@
           </a:bodyPr>
           <a:p>
             <a:pPr indent="0">
-              <a:lnSpc>
-                <a:spcPct val="90000"/>
-              </a:lnSpc>
               <a:spcBef>
                 <a:spcPts val="1417"/>
               </a:spcBef>
               <a:buNone/>
             </a:pPr>
-            <a:endParaRPr b="0" lang="en-US" sz="2800" spc="-1" strike="noStrike">
-              <a:solidFill>
-                <a:srgbClr val="000000"/>
-              </a:solidFill>
-              <a:latin typeface="Calibri"/>
+            <a:endParaRPr b="0" lang="en-US" sz="3200" spc="-1" strike="noStrike">
+              <a:solidFill>
+                <a:srgbClr val="000000"/>
+              </a:solidFill>
+              <a:latin typeface="Arial"/>
             </a:endParaRPr>
           </a:p>
         </p:txBody>
@@ -4865,7 +4824,7 @@
             <a:spLocks noGrp="1"/>
           </p:cNvSpPr>
           <p:nvPr>
-            <p:ph type="ftr" idx="5"/>
+            <p:ph type="ftr" idx="4"/>
           </p:nvPr>
         </p:nvSpPr>
         <p:spPr/>
@@ -4885,14 +4844,14 @@
             <a:spLocks noGrp="1"/>
           </p:cNvSpPr>
           <p:nvPr>
-            <p:ph type="sldNum" idx="6"/>
+            <p:ph type="sldNum" idx="5"/>
           </p:nvPr>
         </p:nvSpPr>
         <p:spPr/>
         <p:txBody>
           <a:bodyPr/>
           <a:p>
-            <a:fld id="{EB0C110E-0B89-4FD3-826F-1E3EF48D8C76}" type="slidenum">
+            <a:fld id="{84C5FF36-2FBC-4A35-A87E-E42AC2147AA4}" type="slidenum">
               <a:t>&lt;#&gt;</a:t>
             </a:fld>
           </a:p>
@@ -4905,7 +4864,7 @@
             <a:spLocks noGrp="1"/>
           </p:cNvSpPr>
           <p:nvPr>
-            <p:ph type="dt" idx="4"/>
+            <p:ph type="dt" idx="6"/>
           </p:nvPr>
         </p:nvSpPr>
         <p:spPr/>
@@ -4953,8 +4912,8 @@
         </p:nvSpPr>
         <p:spPr>
           <a:xfrm>
-            <a:off x="838080" y="365040"/>
-            <a:ext cx="10515240" cy="1325160"/>
+            <a:off x="609480" y="273600"/>
+            <a:ext cx="10972440" cy="1144800"/>
           </a:xfrm>
           <a:prstGeom prst="rect">
             <a:avLst/>
@@ -4969,14 +4928,14 @@
             <a:noAutofit/>
           </a:bodyPr>
           <a:p>
-            <a:pPr indent="0">
-              <a:buNone/>
-            </a:pPr>
-            <a:endParaRPr b="0" lang="en-US" sz="1800" spc="-1" strike="noStrike">
-              <a:solidFill>
-                <a:srgbClr val="000000"/>
-              </a:solidFill>
-              <a:latin typeface="Calibri"/>
+            <a:pPr indent="0" algn="ctr">
+              <a:buNone/>
+            </a:pPr>
+            <a:endParaRPr b="0" lang="en-US" sz="4400" spc="-1" strike="noStrike">
+              <a:solidFill>
+                <a:srgbClr val="000000"/>
+              </a:solidFill>
+              <a:latin typeface="Arial"/>
             </a:endParaRPr>
           </a:p>
         </p:txBody>
@@ -4993,8 +4952,8 @@
         </p:nvSpPr>
         <p:spPr>
           <a:xfrm>
-            <a:off x="838080" y="1825560"/>
-            <a:ext cx="3385800" cy="2075040"/>
+            <a:off x="609480" y="1604520"/>
+            <a:ext cx="3533040" cy="1896840"/>
           </a:xfrm>
           <a:prstGeom prst="rect">
             <a:avLst/>
@@ -5010,19 +4969,16 @@
           </a:bodyPr>
           <a:p>
             <a:pPr indent="0">
-              <a:lnSpc>
-                <a:spcPct val="90000"/>
-              </a:lnSpc>
               <a:spcBef>
                 <a:spcPts val="1417"/>
               </a:spcBef>
               <a:buNone/>
             </a:pPr>
-            <a:endParaRPr b="0" lang="en-US" sz="2800" spc="-1" strike="noStrike">
-              <a:solidFill>
-                <a:srgbClr val="000000"/>
-              </a:solidFill>
-              <a:latin typeface="Calibri"/>
+            <a:endParaRPr b="0" lang="en-US" sz="3200" spc="-1" strike="noStrike">
+              <a:solidFill>
+                <a:srgbClr val="000000"/>
+              </a:solidFill>
+              <a:latin typeface="Arial"/>
             </a:endParaRPr>
           </a:p>
         </p:txBody>
@@ -5039,8 +4995,8 @@
         </p:nvSpPr>
         <p:spPr>
           <a:xfrm>
-            <a:off x="4393440" y="1825560"/>
-            <a:ext cx="3385800" cy="2075040"/>
+            <a:off x="4319640" y="1604520"/>
+            <a:ext cx="3533040" cy="1896840"/>
           </a:xfrm>
           <a:prstGeom prst="rect">
             <a:avLst/>
@@ -5056,19 +5012,16 @@
           </a:bodyPr>
           <a:p>
             <a:pPr indent="0">
-              <a:lnSpc>
-                <a:spcPct val="90000"/>
-              </a:lnSpc>
               <a:spcBef>
                 <a:spcPts val="1417"/>
               </a:spcBef>
               <a:buNone/>
             </a:pPr>
-            <a:endParaRPr b="0" lang="en-US" sz="2800" spc="-1" strike="noStrike">
-              <a:solidFill>
-                <a:srgbClr val="000000"/>
-              </a:solidFill>
-              <a:latin typeface="Calibri"/>
+            <a:endParaRPr b="0" lang="en-US" sz="3200" spc="-1" strike="noStrike">
+              <a:solidFill>
+                <a:srgbClr val="000000"/>
+              </a:solidFill>
+              <a:latin typeface="Arial"/>
             </a:endParaRPr>
           </a:p>
         </p:txBody>
@@ -5085,8 +5038,8 @@
         </p:nvSpPr>
         <p:spPr>
           <a:xfrm>
-            <a:off x="7949160" y="1825560"/>
-            <a:ext cx="3385800" cy="2075040"/>
+            <a:off x="8029800" y="1604520"/>
+            <a:ext cx="3533040" cy="1896840"/>
           </a:xfrm>
           <a:prstGeom prst="rect">
             <a:avLst/>
@@ -5102,19 +5055,16 @@
           </a:bodyPr>
           <a:p>
             <a:pPr indent="0">
-              <a:lnSpc>
-                <a:spcPct val="90000"/>
-              </a:lnSpc>
               <a:spcBef>
                 <a:spcPts val="1417"/>
               </a:spcBef>
               <a:buNone/>
             </a:pPr>
-            <a:endParaRPr b="0" lang="en-US" sz="2800" spc="-1" strike="noStrike">
-              <a:solidFill>
-                <a:srgbClr val="000000"/>
-              </a:solidFill>
-              <a:latin typeface="Calibri"/>
+            <a:endParaRPr b="0" lang="en-US" sz="3200" spc="-1" strike="noStrike">
+              <a:solidFill>
+                <a:srgbClr val="000000"/>
+              </a:solidFill>
+              <a:latin typeface="Arial"/>
             </a:endParaRPr>
           </a:p>
         </p:txBody>
@@ -5131,8 +5081,8 @@
         </p:nvSpPr>
         <p:spPr>
           <a:xfrm>
-            <a:off x="838080" y="4098240"/>
-            <a:ext cx="3385800" cy="2075040"/>
+            <a:off x="609480" y="3682080"/>
+            <a:ext cx="3533040" cy="1896840"/>
           </a:xfrm>
           <a:prstGeom prst="rect">
             <a:avLst/>
@@ -5148,19 +5098,16 @@
           </a:bodyPr>
           <a:p>
             <a:pPr indent="0">
-              <a:lnSpc>
-                <a:spcPct val="90000"/>
-              </a:lnSpc>
               <a:spcBef>
                 <a:spcPts val="1417"/>
               </a:spcBef>
               <a:buNone/>
             </a:pPr>
-            <a:endParaRPr b="0" lang="en-US" sz="2800" spc="-1" strike="noStrike">
-              <a:solidFill>
-                <a:srgbClr val="000000"/>
-              </a:solidFill>
-              <a:latin typeface="Calibri"/>
+            <a:endParaRPr b="0" lang="en-US" sz="3200" spc="-1" strike="noStrike">
+              <a:solidFill>
+                <a:srgbClr val="000000"/>
+              </a:solidFill>
+              <a:latin typeface="Arial"/>
             </a:endParaRPr>
           </a:p>
         </p:txBody>
@@ -5177,8 +5124,8 @@
         </p:nvSpPr>
         <p:spPr>
           <a:xfrm>
-            <a:off x="4393440" y="4098240"/>
-            <a:ext cx="3385800" cy="2075040"/>
+            <a:off x="4319640" y="3682080"/>
+            <a:ext cx="3533040" cy="1896840"/>
           </a:xfrm>
           <a:prstGeom prst="rect">
             <a:avLst/>
@@ -5194,19 +5141,16 @@
           </a:bodyPr>
           <a:p>
             <a:pPr indent="0">
-              <a:lnSpc>
-                <a:spcPct val="90000"/>
-              </a:lnSpc>
               <a:spcBef>
                 <a:spcPts val="1417"/>
               </a:spcBef>
               <a:buNone/>
             </a:pPr>
-            <a:endParaRPr b="0" lang="en-US" sz="2800" spc="-1" strike="noStrike">
-              <a:solidFill>
-                <a:srgbClr val="000000"/>
-              </a:solidFill>
-              <a:latin typeface="Calibri"/>
+            <a:endParaRPr b="0" lang="en-US" sz="3200" spc="-1" strike="noStrike">
+              <a:solidFill>
+                <a:srgbClr val="000000"/>
+              </a:solidFill>
+              <a:latin typeface="Arial"/>
             </a:endParaRPr>
           </a:p>
         </p:txBody>
@@ -5223,8 +5167,8 @@
         </p:nvSpPr>
         <p:spPr>
           <a:xfrm>
-            <a:off x="7949160" y="4098240"/>
-            <a:ext cx="3385800" cy="2075040"/>
+            <a:off x="8029800" y="3682080"/>
+            <a:ext cx="3533040" cy="1896840"/>
           </a:xfrm>
           <a:prstGeom prst="rect">
             <a:avLst/>
@@ -5240,19 +5184,16 @@
           </a:bodyPr>
           <a:p>
             <a:pPr indent="0">
-              <a:lnSpc>
-                <a:spcPct val="90000"/>
-              </a:lnSpc>
               <a:spcBef>
                 <a:spcPts val="1417"/>
               </a:spcBef>
               <a:buNone/>
             </a:pPr>
-            <a:endParaRPr b="0" lang="en-US" sz="2800" spc="-1" strike="noStrike">
-              <a:solidFill>
-                <a:srgbClr val="000000"/>
-              </a:solidFill>
-              <a:latin typeface="Calibri"/>
+            <a:endParaRPr b="0" lang="en-US" sz="3200" spc="-1" strike="noStrike">
+              <a:solidFill>
+                <a:srgbClr val="000000"/>
+              </a:solidFill>
+              <a:latin typeface="Arial"/>
             </a:endParaRPr>
           </a:p>
         </p:txBody>
@@ -5264,7 +5205,7 @@
             <a:spLocks noGrp="1"/>
           </p:cNvSpPr>
           <p:nvPr>
-            <p:ph type="ftr" idx="5"/>
+            <p:ph type="ftr" idx="4"/>
           </p:nvPr>
         </p:nvSpPr>
         <p:spPr/>
@@ -5284,14 +5225,14 @@
             <a:spLocks noGrp="1"/>
           </p:cNvSpPr>
           <p:nvPr>
-            <p:ph type="sldNum" idx="6"/>
+            <p:ph type="sldNum" idx="5"/>
           </p:nvPr>
         </p:nvSpPr>
         <p:spPr/>
         <p:txBody>
           <a:bodyPr/>
           <a:p>
-            <a:fld id="{E798ADE1-8647-46ED-8C05-6B6F4934015B}" type="slidenum">
+            <a:fld id="{98D169C9-0A6C-4C20-859D-F32D5ED8AAF7}" type="slidenum">
               <a:t>&lt;#&gt;</a:t>
             </a:fld>
           </a:p>
@@ -5304,7 +5245,7 @@
             <a:spLocks noGrp="1"/>
           </p:cNvSpPr>
           <p:nvPr>
-            <p:ph type="dt" idx="4"/>
+            <p:ph type="dt" idx="6"/>
           </p:nvPr>
         </p:nvSpPr>
         <p:spPr/>
@@ -5352,8 +5293,8 @@
         </p:nvSpPr>
         <p:spPr>
           <a:xfrm>
-            <a:off x="838080" y="365040"/>
-            <a:ext cx="10515240" cy="1325160"/>
+            <a:off x="609480" y="273600"/>
+            <a:ext cx="10972440" cy="1144800"/>
           </a:xfrm>
           <a:prstGeom prst="rect">
             <a:avLst/>
@@ -5368,14 +5309,14 @@
             <a:noAutofit/>
           </a:bodyPr>
           <a:p>
-            <a:pPr indent="0">
-              <a:buNone/>
-            </a:pPr>
-            <a:endParaRPr b="0" lang="en-US" sz="1800" spc="-1" strike="noStrike">
-              <a:solidFill>
-                <a:srgbClr val="000000"/>
-              </a:solidFill>
-              <a:latin typeface="Calibri"/>
+            <a:pPr indent="0" algn="ctr">
+              <a:buNone/>
+            </a:pPr>
+            <a:endParaRPr b="0" lang="en-US" sz="4400" spc="-1" strike="noStrike">
+              <a:solidFill>
+                <a:srgbClr val="000000"/>
+              </a:solidFill>
+              <a:latin typeface="Arial"/>
             </a:endParaRPr>
           </a:p>
         </p:txBody>
@@ -5392,8 +5333,8 @@
         </p:nvSpPr>
         <p:spPr>
           <a:xfrm>
-            <a:off x="838080" y="1825560"/>
-            <a:ext cx="10515240" cy="4350960"/>
+            <a:off x="609480" y="1604520"/>
+            <a:ext cx="10972440" cy="3977280"/>
           </a:xfrm>
           <a:prstGeom prst="rect">
             <a:avLst/>
@@ -5409,19 +5350,16 @@
           </a:bodyPr>
           <a:p>
             <a:pPr indent="0">
-              <a:lnSpc>
-                <a:spcPct val="90000"/>
-              </a:lnSpc>
               <a:spcBef>
                 <a:spcPts val="1417"/>
               </a:spcBef>
               <a:buNone/>
             </a:pPr>
-            <a:endParaRPr b="0" lang="en-US" sz="2800" spc="-1" strike="noStrike">
-              <a:solidFill>
-                <a:srgbClr val="000000"/>
-              </a:solidFill>
-              <a:latin typeface="Calibri"/>
+            <a:endParaRPr b="0" lang="en-US" sz="3200" spc="-1" strike="noStrike">
+              <a:solidFill>
+                <a:srgbClr val="000000"/>
+              </a:solidFill>
+              <a:latin typeface="Arial"/>
             </a:endParaRPr>
           </a:p>
         </p:txBody>
@@ -5433,7 +5371,7 @@
             <a:spLocks noGrp="1"/>
           </p:cNvSpPr>
           <p:nvPr>
-            <p:ph type="ftr" idx="2"/>
+            <p:ph type="ftr" idx="1"/>
           </p:nvPr>
         </p:nvSpPr>
         <p:spPr/>
@@ -5453,14 +5391,14 @@
             <a:spLocks noGrp="1"/>
           </p:cNvSpPr>
           <p:nvPr>
-            <p:ph type="sldNum" idx="3"/>
+            <p:ph type="sldNum" idx="2"/>
           </p:nvPr>
         </p:nvSpPr>
         <p:spPr/>
         <p:txBody>
           <a:bodyPr/>
           <a:p>
-            <a:fld id="{7AB6B728-E30F-4CD9-8531-F0AFDAD8B891}" type="slidenum">
+            <a:fld id="{A9D1E099-9A5B-429E-A50E-7E2B5F00C9DB}" type="slidenum">
               <a:t>&lt;#&gt;</a:t>
             </a:fld>
           </a:p>
@@ -5473,7 +5411,7 @@
             <a:spLocks noGrp="1"/>
           </p:cNvSpPr>
           <p:nvPr>
-            <p:ph type="dt" idx="1"/>
+            <p:ph type="dt" idx="3"/>
           </p:nvPr>
         </p:nvSpPr>
         <p:spPr/>
@@ -5521,8 +5459,8 @@
         </p:nvSpPr>
         <p:spPr>
           <a:xfrm>
-            <a:off x="838080" y="365040"/>
-            <a:ext cx="10515240" cy="1325160"/>
+            <a:off x="609480" y="273600"/>
+            <a:ext cx="10972440" cy="1144800"/>
           </a:xfrm>
           <a:prstGeom prst="rect">
             <a:avLst/>
@@ -5537,14 +5475,14 @@
             <a:noAutofit/>
           </a:bodyPr>
           <a:p>
-            <a:pPr indent="0">
-              <a:buNone/>
-            </a:pPr>
-            <a:endParaRPr b="0" lang="en-US" sz="1800" spc="-1" strike="noStrike">
-              <a:solidFill>
-                <a:srgbClr val="000000"/>
-              </a:solidFill>
-              <a:latin typeface="Calibri"/>
+            <a:pPr indent="0" algn="ctr">
+              <a:buNone/>
+            </a:pPr>
+            <a:endParaRPr b="0" lang="en-US" sz="4400" spc="-1" strike="noStrike">
+              <a:solidFill>
+                <a:srgbClr val="000000"/>
+              </a:solidFill>
+              <a:latin typeface="Arial"/>
             </a:endParaRPr>
           </a:p>
         </p:txBody>
@@ -5561,8 +5499,8 @@
         </p:nvSpPr>
         <p:spPr>
           <a:xfrm>
-            <a:off x="838080" y="1825560"/>
-            <a:ext cx="5131080" cy="4350960"/>
+            <a:off x="609480" y="1604520"/>
+            <a:ext cx="5354280" cy="3977280"/>
           </a:xfrm>
           <a:prstGeom prst="rect">
             <a:avLst/>
@@ -5578,19 +5516,16 @@
           </a:bodyPr>
           <a:p>
             <a:pPr indent="0">
-              <a:lnSpc>
-                <a:spcPct val="90000"/>
-              </a:lnSpc>
               <a:spcBef>
                 <a:spcPts val="1417"/>
               </a:spcBef>
               <a:buNone/>
             </a:pPr>
-            <a:endParaRPr b="0" lang="en-US" sz="2800" spc="-1" strike="noStrike">
-              <a:solidFill>
-                <a:srgbClr val="000000"/>
-              </a:solidFill>
-              <a:latin typeface="Calibri"/>
+            <a:endParaRPr b="0" lang="en-US" sz="3200" spc="-1" strike="noStrike">
+              <a:solidFill>
+                <a:srgbClr val="000000"/>
+              </a:solidFill>
+              <a:latin typeface="Arial"/>
             </a:endParaRPr>
           </a:p>
         </p:txBody>
@@ -5607,8 +5542,8 @@
         </p:nvSpPr>
         <p:spPr>
           <a:xfrm>
-            <a:off x="6226200" y="1825560"/>
-            <a:ext cx="5131080" cy="4350960"/>
+            <a:off x="6231960" y="1604520"/>
+            <a:ext cx="5354280" cy="3977280"/>
           </a:xfrm>
           <a:prstGeom prst="rect">
             <a:avLst/>
@@ -5624,19 +5559,16 @@
           </a:bodyPr>
           <a:p>
             <a:pPr indent="0">
-              <a:lnSpc>
-                <a:spcPct val="90000"/>
-              </a:lnSpc>
               <a:spcBef>
                 <a:spcPts val="1417"/>
               </a:spcBef>
               <a:buNone/>
             </a:pPr>
-            <a:endParaRPr b="0" lang="en-US" sz="2800" spc="-1" strike="noStrike">
-              <a:solidFill>
-                <a:srgbClr val="000000"/>
-              </a:solidFill>
-              <a:latin typeface="Calibri"/>
+            <a:endParaRPr b="0" lang="en-US" sz="3200" spc="-1" strike="noStrike">
+              <a:solidFill>
+                <a:srgbClr val="000000"/>
+              </a:solidFill>
+              <a:latin typeface="Arial"/>
             </a:endParaRPr>
           </a:p>
         </p:txBody>
@@ -5648,7 +5580,7 @@
             <a:spLocks noGrp="1"/>
           </p:cNvSpPr>
           <p:nvPr>
-            <p:ph type="ftr" idx="2"/>
+            <p:ph type="ftr" idx="1"/>
           </p:nvPr>
         </p:nvSpPr>
         <p:spPr/>
@@ -5668,14 +5600,14 @@
             <a:spLocks noGrp="1"/>
           </p:cNvSpPr>
           <p:nvPr>
-            <p:ph type="sldNum" idx="3"/>
+            <p:ph type="sldNum" idx="2"/>
           </p:nvPr>
         </p:nvSpPr>
         <p:spPr/>
         <p:txBody>
           <a:bodyPr/>
           <a:p>
-            <a:fld id="{7011023D-4494-4E03-9C25-A496D9AD11A5}" type="slidenum">
+            <a:fld id="{D32D0607-FA12-4F8E-975E-081B327DB106}" type="slidenum">
               <a:t>&lt;#&gt;</a:t>
             </a:fld>
           </a:p>
@@ -5688,7 +5620,7 @@
             <a:spLocks noGrp="1"/>
           </p:cNvSpPr>
           <p:nvPr>
-            <p:ph type="dt" idx="1"/>
+            <p:ph type="dt" idx="3"/>
           </p:nvPr>
         </p:nvSpPr>
         <p:spPr/>
@@ -5736,8 +5668,8 @@
         </p:nvSpPr>
         <p:spPr>
           <a:xfrm>
-            <a:off x="838080" y="365040"/>
-            <a:ext cx="10515240" cy="1325160"/>
+            <a:off x="609480" y="273600"/>
+            <a:ext cx="10972440" cy="1144800"/>
           </a:xfrm>
           <a:prstGeom prst="rect">
             <a:avLst/>
@@ -5752,14 +5684,14 @@
             <a:noAutofit/>
           </a:bodyPr>
           <a:p>
-            <a:pPr indent="0">
-              <a:buNone/>
-            </a:pPr>
-            <a:endParaRPr b="0" lang="en-US" sz="1800" spc="-1" strike="noStrike">
-              <a:solidFill>
-                <a:srgbClr val="000000"/>
-              </a:solidFill>
-              <a:latin typeface="Calibri"/>
+            <a:pPr indent="0" algn="ctr">
+              <a:buNone/>
+            </a:pPr>
+            <a:endParaRPr b="0" lang="en-US" sz="4400" spc="-1" strike="noStrike">
+              <a:solidFill>
+                <a:srgbClr val="000000"/>
+              </a:solidFill>
+              <a:latin typeface="Arial"/>
             </a:endParaRPr>
           </a:p>
         </p:txBody>
@@ -5771,7 +5703,7 @@
             <a:spLocks noGrp="1"/>
           </p:cNvSpPr>
           <p:nvPr>
-            <p:ph type="ftr" idx="2"/>
+            <p:ph type="ftr" idx="1"/>
           </p:nvPr>
         </p:nvSpPr>
         <p:spPr/>
@@ -5791,14 +5723,14 @@
             <a:spLocks noGrp="1"/>
           </p:cNvSpPr>
           <p:nvPr>
-            <p:ph type="sldNum" idx="3"/>
+            <p:ph type="sldNum" idx="2"/>
           </p:nvPr>
         </p:nvSpPr>
         <p:spPr/>
         <p:txBody>
           <a:bodyPr/>
           <a:p>
-            <a:fld id="{5DFD4C31-E4B1-49F6-ACC9-06FE82E766CB}" type="slidenum">
+            <a:fld id="{5C2250B9-BEA6-44C0-BFB5-101F8D8EEB84}" type="slidenum">
               <a:t>&lt;#&gt;</a:t>
             </a:fld>
           </a:p>
@@ -5811,7 +5743,7 @@
             <a:spLocks noGrp="1"/>
           </p:cNvSpPr>
           <p:nvPr>
-            <p:ph type="dt" idx="1"/>
+            <p:ph type="dt" idx="3"/>
           </p:nvPr>
         </p:nvSpPr>
         <p:spPr/>
@@ -5859,8 +5791,8 @@
         </p:nvSpPr>
         <p:spPr>
           <a:xfrm>
-            <a:off x="838080" y="365040"/>
-            <a:ext cx="10515240" cy="6144120"/>
+            <a:off x="609480" y="273600"/>
+            <a:ext cx="10972440" cy="5307840"/>
           </a:xfrm>
           <a:prstGeom prst="rect">
             <a:avLst/>
@@ -5892,7 +5824,7 @@
             <a:spLocks noGrp="1"/>
           </p:cNvSpPr>
           <p:nvPr>
-            <p:ph type="ftr" idx="2"/>
+            <p:ph type="ftr" idx="1"/>
           </p:nvPr>
         </p:nvSpPr>
         <p:spPr/>
@@ -5912,14 +5844,14 @@
             <a:spLocks noGrp="1"/>
           </p:cNvSpPr>
           <p:nvPr>
-            <p:ph type="sldNum" idx="3"/>
+            <p:ph type="sldNum" idx="2"/>
           </p:nvPr>
         </p:nvSpPr>
         <p:spPr/>
         <p:txBody>
           <a:bodyPr/>
           <a:p>
-            <a:fld id="{DC29410A-D5F0-4114-B13F-02BA3B8151D5}" type="slidenum">
+            <a:fld id="{32B33888-A80F-4B13-BFDA-15FCAD8FA8CE}" type="slidenum">
               <a:t>&lt;#&gt;</a:t>
             </a:fld>
           </a:p>
@@ -5932,7 +5864,7 @@
             <a:spLocks noGrp="1"/>
           </p:cNvSpPr>
           <p:nvPr>
-            <p:ph type="dt" idx="1"/>
+            <p:ph type="dt" idx="3"/>
           </p:nvPr>
         </p:nvSpPr>
         <p:spPr/>
@@ -5980,8 +5912,8 @@
         </p:nvSpPr>
         <p:spPr>
           <a:xfrm>
-            <a:off x="838080" y="365040"/>
-            <a:ext cx="10515240" cy="1325160"/>
+            <a:off x="609480" y="273600"/>
+            <a:ext cx="10972440" cy="1144800"/>
           </a:xfrm>
           <a:prstGeom prst="rect">
             <a:avLst/>
@@ -5996,14 +5928,14 @@
             <a:noAutofit/>
           </a:bodyPr>
           <a:p>
-            <a:pPr indent="0">
-              <a:buNone/>
-            </a:pPr>
-            <a:endParaRPr b="0" lang="en-US" sz="1800" spc="-1" strike="noStrike">
-              <a:solidFill>
-                <a:srgbClr val="000000"/>
-              </a:solidFill>
-              <a:latin typeface="Calibri"/>
+            <a:pPr indent="0" algn="ctr">
+              <a:buNone/>
+            </a:pPr>
+            <a:endParaRPr b="0" lang="en-US" sz="4400" spc="-1" strike="noStrike">
+              <a:solidFill>
+                <a:srgbClr val="000000"/>
+              </a:solidFill>
+              <a:latin typeface="Arial"/>
             </a:endParaRPr>
           </a:p>
         </p:txBody>
@@ -6020,8 +5952,8 @@
         </p:nvSpPr>
         <p:spPr>
           <a:xfrm>
-            <a:off x="838080" y="1825560"/>
-            <a:ext cx="5131080" cy="2075040"/>
+            <a:off x="609480" y="1604520"/>
+            <a:ext cx="5354280" cy="1896840"/>
           </a:xfrm>
           <a:prstGeom prst="rect">
             <a:avLst/>
@@ -6037,19 +5969,16 @@
           </a:bodyPr>
           <a:p>
             <a:pPr indent="0">
-              <a:lnSpc>
-                <a:spcPct val="90000"/>
-              </a:lnSpc>
               <a:spcBef>
                 <a:spcPts val="1417"/>
               </a:spcBef>
               <a:buNone/>
             </a:pPr>
-            <a:endParaRPr b="0" lang="en-US" sz="2800" spc="-1" strike="noStrike">
-              <a:solidFill>
-                <a:srgbClr val="000000"/>
-              </a:solidFill>
-              <a:latin typeface="Calibri"/>
+            <a:endParaRPr b="0" lang="en-US" sz="3200" spc="-1" strike="noStrike">
+              <a:solidFill>
+                <a:srgbClr val="000000"/>
+              </a:solidFill>
+              <a:latin typeface="Arial"/>
             </a:endParaRPr>
           </a:p>
         </p:txBody>
@@ -6066,8 +5995,8 @@
         </p:nvSpPr>
         <p:spPr>
           <a:xfrm>
-            <a:off x="6226200" y="1825560"/>
-            <a:ext cx="5131080" cy="4350960"/>
+            <a:off x="6231960" y="1604520"/>
+            <a:ext cx="5354280" cy="3977280"/>
           </a:xfrm>
           <a:prstGeom prst="rect">
             <a:avLst/>
@@ -6083,19 +6012,16 @@
           </a:bodyPr>
           <a:p>
             <a:pPr indent="0">
-              <a:lnSpc>
-                <a:spcPct val="90000"/>
-              </a:lnSpc>
               <a:spcBef>
                 <a:spcPts val="1417"/>
               </a:spcBef>
               <a:buNone/>
             </a:pPr>
-            <a:endParaRPr b="0" lang="en-US" sz="2800" spc="-1" strike="noStrike">
-              <a:solidFill>
-                <a:srgbClr val="000000"/>
-              </a:solidFill>
-              <a:latin typeface="Calibri"/>
+            <a:endParaRPr b="0" lang="en-US" sz="3200" spc="-1" strike="noStrike">
+              <a:solidFill>
+                <a:srgbClr val="000000"/>
+              </a:solidFill>
+              <a:latin typeface="Arial"/>
             </a:endParaRPr>
           </a:p>
         </p:txBody>
@@ -6112,8 +6038,8 @@
         </p:nvSpPr>
         <p:spPr>
           <a:xfrm>
-            <a:off x="838080" y="4098240"/>
-            <a:ext cx="5131080" cy="2075040"/>
+            <a:off x="609480" y="3682080"/>
+            <a:ext cx="5354280" cy="1896840"/>
           </a:xfrm>
           <a:prstGeom prst="rect">
             <a:avLst/>
@@ -6129,19 +6055,16 @@
           </a:bodyPr>
           <a:p>
             <a:pPr indent="0">
-              <a:lnSpc>
-                <a:spcPct val="90000"/>
-              </a:lnSpc>
               <a:spcBef>
                 <a:spcPts val="1417"/>
               </a:spcBef>
               <a:buNone/>
             </a:pPr>
-            <a:endParaRPr b="0" lang="en-US" sz="2800" spc="-1" strike="noStrike">
-              <a:solidFill>
-                <a:srgbClr val="000000"/>
-              </a:solidFill>
-              <a:latin typeface="Calibri"/>
+            <a:endParaRPr b="0" lang="en-US" sz="3200" spc="-1" strike="noStrike">
+              <a:solidFill>
+                <a:srgbClr val="000000"/>
+              </a:solidFill>
+              <a:latin typeface="Arial"/>
             </a:endParaRPr>
           </a:p>
         </p:txBody>
@@ -6153,7 +6076,7 @@
             <a:spLocks noGrp="1"/>
           </p:cNvSpPr>
           <p:nvPr>
-            <p:ph type="ftr" idx="2"/>
+            <p:ph type="ftr" idx="1"/>
           </p:nvPr>
         </p:nvSpPr>
         <p:spPr/>
@@ -6173,14 +6096,14 @@
             <a:spLocks noGrp="1"/>
           </p:cNvSpPr>
           <p:nvPr>
-            <p:ph type="sldNum" idx="3"/>
+            <p:ph type="sldNum" idx="2"/>
           </p:nvPr>
         </p:nvSpPr>
         <p:spPr/>
         <p:txBody>
           <a:bodyPr/>
           <a:p>
-            <a:fld id="{49EF807C-437D-4395-A747-7E278AC22D7A}" type="slidenum">
+            <a:fld id="{0E5109C4-5ED2-4620-9570-9E5DD807A0A6}" type="slidenum">
               <a:t>&lt;#&gt;</a:t>
             </a:fld>
           </a:p>
@@ -6193,7 +6116,7 @@
             <a:spLocks noGrp="1"/>
           </p:cNvSpPr>
           <p:nvPr>
-            <p:ph type="dt" idx="1"/>
+            <p:ph type="dt" idx="3"/>
           </p:nvPr>
         </p:nvSpPr>
         <p:spPr/>
@@ -6241,8 +6164,8 @@
         </p:nvSpPr>
         <p:spPr>
           <a:xfrm>
-            <a:off x="838080" y="365040"/>
-            <a:ext cx="10515240" cy="1325160"/>
+            <a:off x="609480" y="273600"/>
+            <a:ext cx="10972440" cy="1144800"/>
           </a:xfrm>
           <a:prstGeom prst="rect">
             <a:avLst/>
@@ -6257,14 +6180,14 @@
             <a:noAutofit/>
           </a:bodyPr>
           <a:p>
-            <a:pPr indent="0">
-              <a:buNone/>
-            </a:pPr>
-            <a:endParaRPr b="0" lang="en-US" sz="1800" spc="-1" strike="noStrike">
-              <a:solidFill>
-                <a:srgbClr val="000000"/>
-              </a:solidFill>
-              <a:latin typeface="Calibri"/>
+            <a:pPr indent="0" algn="ctr">
+              <a:buNone/>
+            </a:pPr>
+            <a:endParaRPr b="0" lang="en-US" sz="4400" spc="-1" strike="noStrike">
+              <a:solidFill>
+                <a:srgbClr val="000000"/>
+              </a:solidFill>
+              <a:latin typeface="Arial"/>
             </a:endParaRPr>
           </a:p>
         </p:txBody>
@@ -6281,8 +6204,8 @@
         </p:nvSpPr>
         <p:spPr>
           <a:xfrm>
-            <a:off x="838080" y="1825560"/>
-            <a:ext cx="5131080" cy="4350960"/>
+            <a:off x="609480" y="1604520"/>
+            <a:ext cx="5354280" cy="3977280"/>
           </a:xfrm>
           <a:prstGeom prst="rect">
             <a:avLst/>
@@ -6298,19 +6221,16 @@
           </a:bodyPr>
           <a:p>
             <a:pPr indent="0">
-              <a:lnSpc>
-                <a:spcPct val="90000"/>
-              </a:lnSpc>
               <a:spcBef>
                 <a:spcPts val="1417"/>
               </a:spcBef>
               <a:buNone/>
             </a:pPr>
-            <a:endParaRPr b="0" lang="en-US" sz="2800" spc="-1" strike="noStrike">
-              <a:solidFill>
-                <a:srgbClr val="000000"/>
-              </a:solidFill>
-              <a:latin typeface="Calibri"/>
+            <a:endParaRPr b="0" lang="en-US" sz="3200" spc="-1" strike="noStrike">
+              <a:solidFill>
+                <a:srgbClr val="000000"/>
+              </a:solidFill>
+              <a:latin typeface="Arial"/>
             </a:endParaRPr>
           </a:p>
         </p:txBody>
@@ -6327,8 +6247,8 @@
         </p:nvSpPr>
         <p:spPr>
           <a:xfrm>
-            <a:off x="6226200" y="1825560"/>
-            <a:ext cx="5131080" cy="2075040"/>
+            <a:off x="6231960" y="1604520"/>
+            <a:ext cx="5354280" cy="1896840"/>
           </a:xfrm>
           <a:prstGeom prst="rect">
             <a:avLst/>
@@ -6344,19 +6264,16 @@
           </a:bodyPr>
           <a:p>
             <a:pPr indent="0">
-              <a:lnSpc>
-                <a:spcPct val="90000"/>
-              </a:lnSpc>
               <a:spcBef>
                 <a:spcPts val="1417"/>
               </a:spcBef>
               <a:buNone/>
             </a:pPr>
-            <a:endParaRPr b="0" lang="en-US" sz="2800" spc="-1" strike="noStrike">
-              <a:solidFill>
-                <a:srgbClr val="000000"/>
-              </a:solidFill>
-              <a:latin typeface="Calibri"/>
+            <a:endParaRPr b="0" lang="en-US" sz="3200" spc="-1" strike="noStrike">
+              <a:solidFill>
+                <a:srgbClr val="000000"/>
+              </a:solidFill>
+              <a:latin typeface="Arial"/>
             </a:endParaRPr>
           </a:p>
         </p:txBody>
@@ -6373,8 +6290,8 @@
         </p:nvSpPr>
         <p:spPr>
           <a:xfrm>
-            <a:off x="6226200" y="4098240"/>
-            <a:ext cx="5131080" cy="2075040"/>
+            <a:off x="6231960" y="3682080"/>
+            <a:ext cx="5354280" cy="1896840"/>
           </a:xfrm>
           <a:prstGeom prst="rect">
             <a:avLst/>
@@ -6390,19 +6307,16 @@
           </a:bodyPr>
           <a:p>
             <a:pPr indent="0">
-              <a:lnSpc>
-                <a:spcPct val="90000"/>
-              </a:lnSpc>
               <a:spcBef>
                 <a:spcPts val="1417"/>
               </a:spcBef>
               <a:buNone/>
             </a:pPr>
-            <a:endParaRPr b="0" lang="en-US" sz="2800" spc="-1" strike="noStrike">
-              <a:solidFill>
-                <a:srgbClr val="000000"/>
-              </a:solidFill>
-              <a:latin typeface="Calibri"/>
+            <a:endParaRPr b="0" lang="en-US" sz="3200" spc="-1" strike="noStrike">
+              <a:solidFill>
+                <a:srgbClr val="000000"/>
+              </a:solidFill>
+              <a:latin typeface="Arial"/>
             </a:endParaRPr>
           </a:p>
         </p:txBody>
@@ -6414,7 +6328,7 @@
             <a:spLocks noGrp="1"/>
           </p:cNvSpPr>
           <p:nvPr>
-            <p:ph type="ftr" idx="2"/>
+            <p:ph type="ftr" idx="1"/>
           </p:nvPr>
         </p:nvSpPr>
         <p:spPr/>
@@ -6434,14 +6348,14 @@
             <a:spLocks noGrp="1"/>
           </p:cNvSpPr>
           <p:nvPr>
-            <p:ph type="sldNum" idx="3"/>
+            <p:ph type="sldNum" idx="2"/>
           </p:nvPr>
         </p:nvSpPr>
         <p:spPr/>
         <p:txBody>
           <a:bodyPr/>
           <a:p>
-            <a:fld id="{68A274C1-D50A-4EA1-8B07-6539D0A5FFF4}" type="slidenum">
+            <a:fld id="{F833403B-E5F2-4606-92EE-65FD2FAAA194}" type="slidenum">
               <a:t>&lt;#&gt;</a:t>
             </a:fld>
           </a:p>
@@ -6454,7 +6368,7 @@
             <a:spLocks noGrp="1"/>
           </p:cNvSpPr>
           <p:nvPr>
-            <p:ph type="dt" idx="1"/>
+            <p:ph type="dt" idx="3"/>
           </p:nvPr>
         </p:nvSpPr>
         <p:spPr/>
@@ -6502,8 +6416,8 @@
         </p:nvSpPr>
         <p:spPr>
           <a:xfrm>
-            <a:off x="838080" y="365040"/>
-            <a:ext cx="10515240" cy="1325160"/>
+            <a:off x="609480" y="273600"/>
+            <a:ext cx="10972440" cy="1144800"/>
           </a:xfrm>
           <a:prstGeom prst="rect">
             <a:avLst/>
@@ -6518,14 +6432,14 @@
             <a:noAutofit/>
           </a:bodyPr>
           <a:p>
-            <a:pPr indent="0">
-              <a:buNone/>
-            </a:pPr>
-            <a:endParaRPr b="0" lang="en-US" sz="1800" spc="-1" strike="noStrike">
-              <a:solidFill>
-                <a:srgbClr val="000000"/>
-              </a:solidFill>
-              <a:latin typeface="Calibri"/>
+            <a:pPr indent="0" algn="ctr">
+              <a:buNone/>
+            </a:pPr>
+            <a:endParaRPr b="0" lang="en-US" sz="4400" spc="-1" strike="noStrike">
+              <a:solidFill>
+                <a:srgbClr val="000000"/>
+              </a:solidFill>
+              <a:latin typeface="Arial"/>
             </a:endParaRPr>
           </a:p>
         </p:txBody>
@@ -6542,8 +6456,8 @@
         </p:nvSpPr>
         <p:spPr>
           <a:xfrm>
-            <a:off x="838080" y="1825560"/>
-            <a:ext cx="5131080" cy="2075040"/>
+            <a:off x="609480" y="1604520"/>
+            <a:ext cx="5354280" cy="1896840"/>
           </a:xfrm>
           <a:prstGeom prst="rect">
             <a:avLst/>
@@ -6559,19 +6473,16 @@
           </a:bodyPr>
           <a:p>
             <a:pPr indent="0">
-              <a:lnSpc>
-                <a:spcPct val="90000"/>
-              </a:lnSpc>
               <a:spcBef>
                 <a:spcPts val="1417"/>
               </a:spcBef>
               <a:buNone/>
             </a:pPr>
-            <a:endParaRPr b="0" lang="en-US" sz="2800" spc="-1" strike="noStrike">
-              <a:solidFill>
-                <a:srgbClr val="000000"/>
-              </a:solidFill>
-              <a:latin typeface="Calibri"/>
+            <a:endParaRPr b="0" lang="en-US" sz="3200" spc="-1" strike="noStrike">
+              <a:solidFill>
+                <a:srgbClr val="000000"/>
+              </a:solidFill>
+              <a:latin typeface="Arial"/>
             </a:endParaRPr>
           </a:p>
         </p:txBody>
@@ -6588,8 +6499,8 @@
         </p:nvSpPr>
         <p:spPr>
           <a:xfrm>
-            <a:off x="6226200" y="1825560"/>
-            <a:ext cx="5131080" cy="2075040"/>
+            <a:off x="6231960" y="1604520"/>
+            <a:ext cx="5354280" cy="1896840"/>
           </a:xfrm>
           <a:prstGeom prst="rect">
             <a:avLst/>
@@ -6605,19 +6516,16 @@
           </a:bodyPr>
           <a:p>
             <a:pPr indent="0">
-              <a:lnSpc>
-                <a:spcPct val="90000"/>
-              </a:lnSpc>
               <a:spcBef>
                 <a:spcPts val="1417"/>
               </a:spcBef>
               <a:buNone/>
             </a:pPr>
-            <a:endParaRPr b="0" lang="en-US" sz="2800" spc="-1" strike="noStrike">
-              <a:solidFill>
-                <a:srgbClr val="000000"/>
-              </a:solidFill>
-              <a:latin typeface="Calibri"/>
+            <a:endParaRPr b="0" lang="en-US" sz="3200" spc="-1" strike="noStrike">
+              <a:solidFill>
+                <a:srgbClr val="000000"/>
+              </a:solidFill>
+              <a:latin typeface="Arial"/>
             </a:endParaRPr>
           </a:p>
         </p:txBody>
@@ -6634,8 +6542,8 @@
         </p:nvSpPr>
         <p:spPr>
           <a:xfrm>
-            <a:off x="838080" y="4098240"/>
-            <a:ext cx="10515240" cy="2075040"/>
+            <a:off x="609480" y="3682080"/>
+            <a:ext cx="10972440" cy="1896840"/>
           </a:xfrm>
           <a:prstGeom prst="rect">
             <a:avLst/>
@@ -6651,19 +6559,16 @@
           </a:bodyPr>
           <a:p>
             <a:pPr indent="0">
-              <a:lnSpc>
-                <a:spcPct val="90000"/>
-              </a:lnSpc>
               <a:spcBef>
                 <a:spcPts val="1417"/>
               </a:spcBef>
               <a:buNone/>
             </a:pPr>
-            <a:endParaRPr b="0" lang="en-US" sz="2800" spc="-1" strike="noStrike">
-              <a:solidFill>
-                <a:srgbClr val="000000"/>
-              </a:solidFill>
-              <a:latin typeface="Calibri"/>
+            <a:endParaRPr b="0" lang="en-US" sz="3200" spc="-1" strike="noStrike">
+              <a:solidFill>
+                <a:srgbClr val="000000"/>
+              </a:solidFill>
+              <a:latin typeface="Arial"/>
             </a:endParaRPr>
           </a:p>
         </p:txBody>
@@ -6675,7 +6580,7 @@
             <a:spLocks noGrp="1"/>
           </p:cNvSpPr>
           <p:nvPr>
-            <p:ph type="ftr" idx="2"/>
+            <p:ph type="ftr" idx="1"/>
           </p:nvPr>
         </p:nvSpPr>
         <p:spPr/>
@@ -6695,14 +6600,14 @@
             <a:spLocks noGrp="1"/>
           </p:cNvSpPr>
           <p:nvPr>
-            <p:ph type="sldNum" idx="3"/>
+            <p:ph type="sldNum" idx="2"/>
           </p:nvPr>
         </p:nvSpPr>
         <p:spPr/>
         <p:txBody>
           <a:bodyPr/>
           <a:p>
-            <a:fld id="{CFB18FEE-0588-4090-9587-F8012A465073}" type="slidenum">
+            <a:fld id="{8954B2FA-CD8E-469E-B024-29F1E6C8958D}" type="slidenum">
               <a:t>&lt;#&gt;</a:t>
             </a:fld>
           </a:p>
@@ -6715,7 +6620,7 @@
             <a:spLocks noGrp="1"/>
           </p:cNvSpPr>
           <p:nvPr>
-            <p:ph type="dt" idx="1"/>
+            <p:ph type="dt" idx="3"/>
           </p:nvPr>
         </p:nvSpPr>
         <p:spPr/>
@@ -6770,42 +6675,39 @@
         </p:nvSpPr>
         <p:spPr>
           <a:xfrm>
-            <a:off x="1523880" y="1122480"/>
-            <a:ext cx="9143640" cy="2387160"/>
-          </a:xfrm>
-          <a:prstGeom prst="rect">
-            <a:avLst/>
-          </a:prstGeom>
-          <a:noFill/>
-          <a:ln w="0">
-            <a:noFill/>
-          </a:ln>
-        </p:spPr>
-        <p:txBody>
-          <a:bodyPr anchor="b">
+            <a:off x="838080" y="365040"/>
+            <a:ext cx="10514880" cy="1324800"/>
+          </a:xfrm>
+          <a:prstGeom prst="rect">
+            <a:avLst/>
+          </a:prstGeom>
+          <a:noFill/>
+          <a:ln w="0">
+            <a:noFill/>
+          </a:ln>
+        </p:spPr>
+        <p:txBody>
+          <a:bodyPr lIns="0" rIns="0" tIns="0" bIns="0" anchor="ctr">
             <a:noAutofit/>
           </a:bodyPr>
           <a:p>
-            <a:pPr indent="0" algn="ctr">
-              <a:lnSpc>
-                <a:spcPct val="90000"/>
-              </a:lnSpc>
-              <a:buNone/>
-            </a:pPr>
-            <a:r>
-              <a:rPr b="0" lang="en-US" sz="6000" spc="-1" strike="noStrike">
-                <a:solidFill>
-                  <a:srgbClr val="000000"/>
-                </a:solidFill>
-                <a:latin typeface="Calibri Light"/>
-              </a:rPr>
-              <a:t>Click to edit Master title style</a:t>
-            </a:r>
-            <a:endParaRPr b="0" lang="en-US" sz="6000" spc="-1" strike="noStrike">
-              <a:solidFill>
-                <a:srgbClr val="000000"/>
-              </a:solidFill>
-              <a:latin typeface="Calibri"/>
+            <a:pPr indent="0">
+              <a:buNone/>
+            </a:pPr>
+            <a:r>
+              <a:rPr b="0" lang="en-US" sz="1800" spc="-1" strike="noStrike">
+                <a:solidFill>
+                  <a:srgbClr val="000000"/>
+                </a:solidFill>
+                <a:latin typeface="Arial"/>
+              </a:rPr>
+              <a:t>Click to edit the title text format</a:t>
+            </a:r>
+            <a:endParaRPr b="0" lang="en-US" sz="1800" spc="-1" strike="noStrike">
+              <a:solidFill>
+                <a:srgbClr val="000000"/>
+              </a:solidFill>
+              <a:latin typeface="Arial"/>
             </a:endParaRPr>
           </a:p>
         </p:txBody>
@@ -6817,95 +6719,35 @@
             <a:spLocks noGrp="1"/>
           </p:cNvSpPr>
           <p:nvPr>
-            <p:ph type="dt" idx="1"/>
-          </p:nvPr>
-        </p:nvSpPr>
-        <p:spPr>
-          <a:xfrm>
-            <a:off x="838080" y="6356520"/>
-            <a:ext cx="2742840" cy="364680"/>
-          </a:xfrm>
-          <a:prstGeom prst="rect">
-            <a:avLst/>
-          </a:prstGeom>
-          <a:noFill/>
-          <a:ln w="0">
-            <a:noFill/>
-          </a:ln>
-        </p:spPr>
-        <p:txBody>
-          <a:bodyPr anchor="ctr">
+            <p:ph type="ftr" idx="1"/>
+          </p:nvPr>
+        </p:nvSpPr>
+        <p:spPr>
+          <a:xfrm>
+            <a:off x="4038480" y="6356520"/>
+            <a:ext cx="4114080" cy="364320"/>
+          </a:xfrm>
+          <a:prstGeom prst="rect">
+            <a:avLst/>
+          </a:prstGeom>
+          <a:noFill/>
+          <a:ln w="0">
+            <a:noFill/>
+          </a:ln>
+        </p:spPr>
+        <p:txBody>
+          <a:bodyPr lIns="90000" rIns="90000" tIns="45000" bIns="45000" anchor="ctr">
             <a:noAutofit/>
           </a:bodyPr>
           <a:lstStyle>
-            <a:lvl1pPr indent="0">
+            <a:lvl1pPr indent="0" algn="ctr">
               <a:lnSpc>
                 <a:spcPct val="100000"/>
               </a:lnSpc>
               <a:buNone/>
-              <a:defRPr b="0" lang="en-US" sz="1200" spc="-1" strike="noStrike">
-                <a:solidFill>
-                  <a:srgbClr val="8b8b8b"/>
-                </a:solidFill>
-                <a:latin typeface="Calibri"/>
-              </a:defRPr>
-            </a:lvl1pPr>
-          </a:lstStyle>
-          <a:p>
-            <a:pPr indent="0">
-              <a:lnSpc>
-                <a:spcPct val="100000"/>
-              </a:lnSpc>
-              <a:buNone/>
-            </a:pPr>
-            <a:r>
-              <a:rPr b="0" lang="en-US" sz="1200" spc="-1" strike="noStrike">
-                <a:solidFill>
-                  <a:srgbClr val="8b8b8b"/>
-                </a:solidFill>
-                <a:latin typeface="Calibri"/>
-              </a:rPr>
-              <a:t>&lt;date/time&gt;</a:t>
-            </a:r>
-            <a:endParaRPr b="0" lang="en-US" sz="1200" spc="-1" strike="noStrike">
-              <a:solidFill>
-                <a:srgbClr val="000000"/>
-              </a:solidFill>
-              <a:latin typeface="Times New Roman"/>
-            </a:endParaRPr>
-          </a:p>
-        </p:txBody>
-      </p:sp>
-      <p:sp>
-        <p:nvSpPr>
-          <p:cNvPr id="2" name="PlaceHolder 3"/>
-          <p:cNvSpPr>
-            <a:spLocks noGrp="1"/>
-          </p:cNvSpPr>
-          <p:nvPr>
-            <p:ph type="ftr" idx="2"/>
-          </p:nvPr>
-        </p:nvSpPr>
-        <p:spPr>
-          <a:xfrm>
-            <a:off x="4038480" y="6356520"/>
-            <a:ext cx="4114440" cy="364680"/>
-          </a:xfrm>
-          <a:prstGeom prst="rect">
-            <a:avLst/>
-          </a:prstGeom>
-          <a:noFill/>
-          <a:ln w="0">
-            <a:noFill/>
-          </a:ln>
-        </p:spPr>
-        <p:txBody>
-          <a:bodyPr anchor="ctr">
-            <a:noAutofit/>
-          </a:bodyPr>
-          <a:lstStyle>
-            <a:lvl1pPr indent="0" algn="ctr">
-              <a:buNone/>
+              <a:tabLst>
+                <a:tab algn="l" pos="0"/>
+              </a:tabLst>
               <a:defRPr b="0" lang="en-US" sz="1400" spc="-1" strike="noStrike">
                 <a:solidFill>
                   <a:srgbClr val="000000"/>
@@ -6916,7 +6758,13 @@
           </a:lstStyle>
           <a:p>
             <a:pPr indent="0" algn="ctr">
-              <a:buNone/>
+              <a:lnSpc>
+                <a:spcPct val="100000"/>
+              </a:lnSpc>
+              <a:buNone/>
+              <a:tabLst>
+                <a:tab algn="l" pos="0"/>
+              </a:tabLst>
             </a:pPr>
             <a:r>
               <a:rPr b="0" lang="en-US" sz="1400" spc="-1" strike="noStrike">
@@ -6938,29 +6786,29 @@
       </p:sp>
       <p:sp>
         <p:nvSpPr>
-          <p:cNvPr id="3" name="PlaceHolder 4"/>
-          <p:cNvSpPr>
-            <a:spLocks noGrp="1"/>
-          </p:cNvSpPr>
-          <p:nvPr>
-            <p:ph type="sldNum" idx="3"/>
+          <p:cNvPr id="2" name="PlaceHolder 3"/>
+          <p:cNvSpPr>
+            <a:spLocks noGrp="1"/>
+          </p:cNvSpPr>
+          <p:nvPr>
+            <p:ph type="sldNum" idx="2"/>
           </p:nvPr>
         </p:nvSpPr>
         <p:spPr>
           <a:xfrm>
             <a:off x="8610480" y="6356520"/>
-            <a:ext cx="2742840" cy="364680"/>
-          </a:xfrm>
-          <a:prstGeom prst="rect">
-            <a:avLst/>
-          </a:prstGeom>
-          <a:noFill/>
-          <a:ln w="0">
-            <a:noFill/>
-          </a:ln>
-        </p:spPr>
-        <p:txBody>
-          <a:bodyPr anchor="ctr">
+            <a:ext cx="2742480" cy="364320"/>
+          </a:xfrm>
+          <a:prstGeom prst="rect">
+            <a:avLst/>
+          </a:prstGeom>
+          <a:noFill/>
+          <a:ln w="0">
+            <a:noFill/>
+          </a:ln>
+        </p:spPr>
+        <p:txBody>
+          <a:bodyPr lIns="90000" rIns="90000" tIns="45000" bIns="45000" anchor="ctr">
             <a:noAutofit/>
           </a:bodyPr>
           <a:lstStyle>
@@ -6969,6 +6817,9 @@
                 <a:spcPct val="100000"/>
               </a:lnSpc>
               <a:buNone/>
+              <a:tabLst>
+                <a:tab algn="l" pos="0"/>
+              </a:tabLst>
               <a:defRPr b="0" lang="en-US" sz="1200" spc="-1" strike="noStrike">
                 <a:solidFill>
                   <a:srgbClr val="8b8b8b"/>
@@ -6983,8 +6834,11 @@
                 <a:spcPct val="100000"/>
               </a:lnSpc>
               <a:buNone/>
-            </a:pPr>
-            <a:fld id="{927EC1B9-3770-4EBA-9EF3-4272824C39C7}" type="slidenum">
+              <a:tabLst>
+                <a:tab algn="l" pos="0"/>
+              </a:tabLst>
+            </a:pPr>
+            <a:fld id="{3B1153DD-DD7D-4D49-B7F8-F46B6EF64A4D}" type="slidenum">
               <a:rPr b="0" lang="en-US" sz="1200" spc="-1" strike="noStrike">
                 <a:solidFill>
                   <a:srgbClr val="8b8b8b"/>
@@ -7004,6 +6858,66 @@
       </p:sp>
       <p:sp>
         <p:nvSpPr>
+          <p:cNvPr id="3" name="PlaceHolder 4"/>
+          <p:cNvSpPr>
+            <a:spLocks noGrp="1"/>
+          </p:cNvSpPr>
+          <p:nvPr>
+            <p:ph type="dt" idx="3"/>
+          </p:nvPr>
+        </p:nvSpPr>
+        <p:spPr>
+          <a:xfrm>
+            <a:off x="838080" y="6356520"/>
+            <a:ext cx="2742480" cy="364320"/>
+          </a:xfrm>
+          <a:prstGeom prst="rect">
+            <a:avLst/>
+          </a:prstGeom>
+          <a:noFill/>
+          <a:ln w="0">
+            <a:noFill/>
+          </a:ln>
+        </p:spPr>
+        <p:txBody>
+          <a:bodyPr lIns="90000" rIns="90000" tIns="45000" bIns="45000" anchor="ctr">
+            <a:noAutofit/>
+          </a:bodyPr>
+          <a:lstStyle>
+            <a:lvl1pPr indent="0">
+              <a:buNone/>
+              <a:defRPr b="0" lang="en-US" sz="1400" spc="-1" strike="noStrike">
+                <a:solidFill>
+                  <a:srgbClr val="000000"/>
+                </a:solidFill>
+                <a:latin typeface="Times New Roman"/>
+              </a:defRPr>
+            </a:lvl1pPr>
+          </a:lstStyle>
+          <a:p>
+            <a:pPr indent="0">
+              <a:buNone/>
+            </a:pPr>
+            <a:r>
+              <a:rPr b="0" lang="en-US" sz="1400" spc="-1" strike="noStrike">
+                <a:solidFill>
+                  <a:srgbClr val="000000"/>
+                </a:solidFill>
+                <a:latin typeface="Times New Roman"/>
+              </a:rPr>
+              <a:t>&lt;date/time&gt;</a:t>
+            </a:r>
+            <a:endParaRPr b="0" lang="en-US" sz="1400" spc="-1" strike="noStrike">
+              <a:solidFill>
+                <a:srgbClr val="000000"/>
+              </a:solidFill>
+              <a:latin typeface="Times New Roman"/>
+            </a:endParaRPr>
+          </a:p>
+        </p:txBody>
+      </p:sp>
+      <p:sp>
+        <p:nvSpPr>
           <p:cNvPr id="4" name="PlaceHolder 5"/>
           <p:cNvSpPr>
             <a:spLocks noGrp="1"/>
@@ -7031,9 +6945,6 @@
           </a:bodyPr>
           <a:p>
             <a:pPr marL="432000" indent="-324000">
-              <a:lnSpc>
-                <a:spcPct val="90000"/>
-              </a:lnSpc>
               <a:spcBef>
                 <a:spcPts val="1417"/>
               </a:spcBef>
@@ -7045,26 +6956,23 @@
               <a:buChar char=""/>
             </a:pPr>
             <a:r>
-              <a:rPr b="0" lang="en-US" sz="2800" spc="-1" strike="noStrike">
-                <a:solidFill>
-                  <a:srgbClr val="000000"/>
-                </a:solidFill>
-                <a:latin typeface="Calibri"/>
+              <a:rPr b="0" lang="en-US" sz="3200" spc="-1" strike="noStrike">
+                <a:solidFill>
+                  <a:srgbClr val="000000"/>
+                </a:solidFill>
+                <a:latin typeface="Arial"/>
               </a:rPr>
               <a:t>Click to edit the outline text format</a:t>
             </a:r>
-            <a:endParaRPr b="0" lang="en-US" sz="2800" spc="-1" strike="noStrike">
-              <a:solidFill>
-                <a:srgbClr val="000000"/>
-              </a:solidFill>
-              <a:latin typeface="Calibri"/>
+            <a:endParaRPr b="0" lang="en-US" sz="3200" spc="-1" strike="noStrike">
+              <a:solidFill>
+                <a:srgbClr val="000000"/>
+              </a:solidFill>
+              <a:latin typeface="Arial"/>
             </a:endParaRPr>
           </a:p>
           <a:p>
             <a:pPr lvl="1" marL="864000" indent="-324000">
-              <a:lnSpc>
-                <a:spcPct val="90000"/>
-              </a:lnSpc>
               <a:spcBef>
                 <a:spcPts val="1134"/>
               </a:spcBef>
@@ -7076,26 +6984,23 @@
               <a:buChar char=""/>
             </a:pPr>
             <a:r>
-              <a:rPr b="0" lang="en-US" sz="2000" spc="-1" strike="noStrike">
-                <a:solidFill>
-                  <a:srgbClr val="000000"/>
-                </a:solidFill>
-                <a:latin typeface="Calibri"/>
+              <a:rPr b="0" lang="en-US" sz="2800" spc="-1" strike="noStrike">
+                <a:solidFill>
+                  <a:srgbClr val="000000"/>
+                </a:solidFill>
+                <a:latin typeface="Arial"/>
               </a:rPr>
               <a:t>Second Outline Level</a:t>
             </a:r>
-            <a:endParaRPr b="0" lang="en-US" sz="2000" spc="-1" strike="noStrike">
-              <a:solidFill>
-                <a:srgbClr val="000000"/>
-              </a:solidFill>
-              <a:latin typeface="Calibri"/>
+            <a:endParaRPr b="0" lang="en-US" sz="2800" spc="-1" strike="noStrike">
+              <a:solidFill>
+                <a:srgbClr val="000000"/>
+              </a:solidFill>
+              <a:latin typeface="Arial"/>
             </a:endParaRPr>
           </a:p>
           <a:p>
             <a:pPr lvl="2" marL="1296000" indent="-288000">
-              <a:lnSpc>
-                <a:spcPct val="90000"/>
-              </a:lnSpc>
               <a:spcBef>
                 <a:spcPts val="850"/>
               </a:spcBef>
@@ -7107,26 +7012,23 @@
               <a:buChar char=""/>
             </a:pPr>
             <a:r>
-              <a:rPr b="0" lang="en-US" sz="1800" spc="-1" strike="noStrike">
-                <a:solidFill>
-                  <a:srgbClr val="000000"/>
-                </a:solidFill>
-                <a:latin typeface="Calibri"/>
+              <a:rPr b="0" lang="en-US" sz="2400" spc="-1" strike="noStrike">
+                <a:solidFill>
+                  <a:srgbClr val="000000"/>
+                </a:solidFill>
+                <a:latin typeface="Arial"/>
               </a:rPr>
               <a:t>Third Outline Level</a:t>
             </a:r>
-            <a:endParaRPr b="0" lang="en-US" sz="1800" spc="-1" strike="noStrike">
-              <a:solidFill>
-                <a:srgbClr val="000000"/>
-              </a:solidFill>
-              <a:latin typeface="Calibri"/>
+            <a:endParaRPr b="0" lang="en-US" sz="2400" spc="-1" strike="noStrike">
+              <a:solidFill>
+                <a:srgbClr val="000000"/>
+              </a:solidFill>
+              <a:latin typeface="Arial"/>
             </a:endParaRPr>
           </a:p>
           <a:p>
             <a:pPr lvl="3" marL="1728000" indent="-216000">
-              <a:lnSpc>
-                <a:spcPct val="90000"/>
-              </a:lnSpc>
               <a:spcBef>
                 <a:spcPts val="567"/>
               </a:spcBef>
@@ -7138,26 +7040,23 @@
               <a:buChar char=""/>
             </a:pPr>
             <a:r>
-              <a:rPr b="0" lang="en-US" sz="1800" spc="-1" strike="noStrike">
-                <a:solidFill>
-                  <a:srgbClr val="000000"/>
-                </a:solidFill>
-                <a:latin typeface="Calibri"/>
+              <a:rPr b="0" lang="en-US" sz="2000" spc="-1" strike="noStrike">
+                <a:solidFill>
+                  <a:srgbClr val="000000"/>
+                </a:solidFill>
+                <a:latin typeface="Arial"/>
               </a:rPr>
               <a:t>Fourth Outline Level</a:t>
             </a:r>
-            <a:endParaRPr b="0" lang="en-US" sz="1800" spc="-1" strike="noStrike">
-              <a:solidFill>
-                <a:srgbClr val="000000"/>
-              </a:solidFill>
-              <a:latin typeface="Calibri"/>
+            <a:endParaRPr b="0" lang="en-US" sz="2000" spc="-1" strike="noStrike">
+              <a:solidFill>
+                <a:srgbClr val="000000"/>
+              </a:solidFill>
+              <a:latin typeface="Arial"/>
             </a:endParaRPr>
           </a:p>
           <a:p>
             <a:pPr lvl="4" marL="2160000" indent="-216000">
-              <a:lnSpc>
-                <a:spcPct val="90000"/>
-              </a:lnSpc>
               <a:spcBef>
                 <a:spcPts val="283"/>
               </a:spcBef>
@@ -7173,7 +7072,7 @@
                 <a:solidFill>
                   <a:srgbClr val="000000"/>
                 </a:solidFill>
-                <a:latin typeface="Calibri"/>
+                <a:latin typeface="Arial"/>
               </a:rPr>
               <a:t>Fifth Outline Level</a:t>
             </a:r>
@@ -7181,14 +7080,11 @@
               <a:solidFill>
                 <a:srgbClr val="000000"/>
               </a:solidFill>
-              <a:latin typeface="Calibri"/>
+              <a:latin typeface="Arial"/>
             </a:endParaRPr>
           </a:p>
           <a:p>
             <a:pPr lvl="5" marL="2592000" indent="-216000">
-              <a:lnSpc>
-                <a:spcPct val="90000"/>
-              </a:lnSpc>
               <a:spcBef>
                 <a:spcPts val="283"/>
               </a:spcBef>
@@ -7204,7 +7100,7 @@
                 <a:solidFill>
                   <a:srgbClr val="000000"/>
                 </a:solidFill>
-                <a:latin typeface="Calibri"/>
+                <a:latin typeface="Arial"/>
               </a:rPr>
               <a:t>Sixth Outline Level</a:t>
             </a:r>
@@ -7212,14 +7108,11 @@
               <a:solidFill>
                 <a:srgbClr val="000000"/>
               </a:solidFill>
-              <a:latin typeface="Calibri"/>
+              <a:latin typeface="Arial"/>
             </a:endParaRPr>
           </a:p>
           <a:p>
             <a:pPr lvl="6" marL="3024000" indent="-216000">
-              <a:lnSpc>
-                <a:spcPct val="90000"/>
-              </a:lnSpc>
               <a:spcBef>
                 <a:spcPts val="283"/>
               </a:spcBef>
@@ -7235,7 +7128,7 @@
                 <a:solidFill>
                   <a:srgbClr val="000000"/>
                 </a:solidFill>
-                <a:latin typeface="Calibri"/>
+                <a:latin typeface="Arial"/>
               </a:rPr>
               <a:t>Seventh Outline Level</a:t>
             </a:r>
@@ -7243,7 +7136,7 @@
               <a:solidFill>
                 <a:srgbClr val="000000"/>
               </a:solidFill>
-              <a:latin typeface="Calibri"/>
+              <a:latin typeface="Arial"/>
             </a:endParaRPr>
           </a:p>
         </p:txBody>
@@ -7299,326 +7192,35 @@
             <a:spLocks noGrp="1"/>
           </p:cNvSpPr>
           <p:nvPr>
-            <p:ph type="title"/>
-          </p:nvPr>
-        </p:nvSpPr>
-        <p:spPr>
-          <a:xfrm>
-            <a:off x="838080" y="365040"/>
-            <a:ext cx="10515240" cy="1325160"/>
-          </a:xfrm>
-          <a:prstGeom prst="rect">
-            <a:avLst/>
-          </a:prstGeom>
-          <a:noFill/>
-          <a:ln w="0">
-            <a:noFill/>
-          </a:ln>
-        </p:spPr>
-        <p:txBody>
-          <a:bodyPr anchor="ctr">
+            <p:ph type="ftr" idx="4"/>
+          </p:nvPr>
+        </p:nvSpPr>
+        <p:spPr>
+          <a:xfrm>
+            <a:off x="4038480" y="6356520"/>
+            <a:ext cx="4114080" cy="364320"/>
+          </a:xfrm>
+          <a:prstGeom prst="rect">
+            <a:avLst/>
+          </a:prstGeom>
+          <a:noFill/>
+          <a:ln w="0">
+            <a:noFill/>
+          </a:ln>
+        </p:spPr>
+        <p:txBody>
+          <a:bodyPr lIns="90000" rIns="90000" tIns="45000" bIns="45000" anchor="ctr">
             <a:noAutofit/>
           </a:bodyPr>
-          <a:p>
-            <a:pPr indent="0">
-              <a:lnSpc>
-                <a:spcPct val="90000"/>
-              </a:lnSpc>
-              <a:buNone/>
-            </a:pPr>
-            <a:r>
-              <a:rPr b="0" lang="en-US" sz="4400" spc="-1" strike="noStrike">
-                <a:solidFill>
-                  <a:srgbClr val="000000"/>
-                </a:solidFill>
-                <a:latin typeface="Calibri Light"/>
-              </a:rPr>
-              <a:t>Click to edit Master title style</a:t>
-            </a:r>
-            <a:endParaRPr b="0" lang="en-US" sz="4400" spc="-1" strike="noStrike">
-              <a:solidFill>
-                <a:srgbClr val="000000"/>
-              </a:solidFill>
-              <a:latin typeface="Calibri"/>
-            </a:endParaRPr>
-          </a:p>
-        </p:txBody>
-      </p:sp>
-      <p:sp>
-        <p:nvSpPr>
-          <p:cNvPr id="42" name="PlaceHolder 2"/>
-          <p:cNvSpPr>
-            <a:spLocks noGrp="1"/>
-          </p:cNvSpPr>
-          <p:nvPr>
-            <p:ph type="body"/>
-          </p:nvPr>
-        </p:nvSpPr>
-        <p:spPr>
-          <a:xfrm>
-            <a:off x="838080" y="1825560"/>
-            <a:ext cx="10515240" cy="4350960"/>
-          </a:xfrm>
-          <a:prstGeom prst="rect">
-            <a:avLst/>
-          </a:prstGeom>
-          <a:noFill/>
-          <a:ln w="0">
-            <a:noFill/>
-          </a:ln>
-        </p:spPr>
-        <p:txBody>
-          <a:bodyPr anchor="t">
-            <a:noAutofit/>
-          </a:bodyPr>
-          <a:p>
-            <a:pPr marL="228600" indent="-228600">
-              <a:lnSpc>
-                <a:spcPct val="90000"/>
-              </a:lnSpc>
-              <a:spcBef>
-                <a:spcPts val="1001"/>
-              </a:spcBef>
-              <a:buClr>
-                <a:srgbClr val="000000"/>
-              </a:buClr>
-              <a:buFont typeface="Arial"/>
-              <a:buChar char="•"/>
-            </a:pPr>
-            <a:r>
-              <a:rPr b="0" lang="en-US" sz="2800" spc="-1" strike="noStrike">
-                <a:solidFill>
-                  <a:srgbClr val="000000"/>
-                </a:solidFill>
-                <a:latin typeface="Calibri"/>
-              </a:rPr>
-              <a:t>Click to edit Master text styles</a:t>
-            </a:r>
-            <a:endParaRPr b="0" lang="en-US" sz="2800" spc="-1" strike="noStrike">
-              <a:solidFill>
-                <a:srgbClr val="000000"/>
-              </a:solidFill>
-              <a:latin typeface="Calibri"/>
-            </a:endParaRPr>
-          </a:p>
-          <a:p>
-            <a:pPr lvl="1" marL="685800" indent="-228600">
-              <a:lnSpc>
-                <a:spcPct val="90000"/>
-              </a:lnSpc>
-              <a:spcBef>
-                <a:spcPts val="499"/>
-              </a:spcBef>
-              <a:buClr>
-                <a:srgbClr val="000000"/>
-              </a:buClr>
-              <a:buFont typeface="Arial"/>
-              <a:buChar char="•"/>
-            </a:pPr>
-            <a:r>
-              <a:rPr b="0" lang="en-US" sz="2400" spc="-1" strike="noStrike">
-                <a:solidFill>
-                  <a:srgbClr val="000000"/>
-                </a:solidFill>
-                <a:latin typeface="Calibri"/>
-              </a:rPr>
-              <a:t>Second level</a:t>
-            </a:r>
-            <a:endParaRPr b="0" lang="en-US" sz="2400" spc="-1" strike="noStrike">
-              <a:solidFill>
-                <a:srgbClr val="000000"/>
-              </a:solidFill>
-              <a:latin typeface="Calibri"/>
-            </a:endParaRPr>
-          </a:p>
-          <a:p>
-            <a:pPr lvl="2" marL="1143000" indent="-228600">
-              <a:lnSpc>
-                <a:spcPct val="90000"/>
-              </a:lnSpc>
-              <a:spcBef>
-                <a:spcPts val="499"/>
-              </a:spcBef>
-              <a:buClr>
-                <a:srgbClr val="000000"/>
-              </a:buClr>
-              <a:buFont typeface="Arial"/>
-              <a:buChar char="•"/>
-            </a:pPr>
-            <a:r>
-              <a:rPr b="0" lang="en-US" sz="2000" spc="-1" strike="noStrike">
-                <a:solidFill>
-                  <a:srgbClr val="000000"/>
-                </a:solidFill>
-                <a:latin typeface="Calibri"/>
-              </a:rPr>
-              <a:t>Third level</a:t>
-            </a:r>
-            <a:endParaRPr b="0" lang="en-US" sz="2000" spc="-1" strike="noStrike">
-              <a:solidFill>
-                <a:srgbClr val="000000"/>
-              </a:solidFill>
-              <a:latin typeface="Calibri"/>
-            </a:endParaRPr>
-          </a:p>
-          <a:p>
-            <a:pPr lvl="3" marL="1600200" indent="-228600">
-              <a:lnSpc>
-                <a:spcPct val="90000"/>
-              </a:lnSpc>
-              <a:spcBef>
-                <a:spcPts val="499"/>
-              </a:spcBef>
-              <a:buClr>
-                <a:srgbClr val="000000"/>
-              </a:buClr>
-              <a:buFont typeface="Arial"/>
-              <a:buChar char="•"/>
-            </a:pPr>
-            <a:r>
-              <a:rPr b="0" lang="en-US" sz="1800" spc="-1" strike="noStrike">
-                <a:solidFill>
-                  <a:srgbClr val="000000"/>
-                </a:solidFill>
-                <a:latin typeface="Calibri"/>
-              </a:rPr>
-              <a:t>Fourth level</a:t>
-            </a:r>
-            <a:endParaRPr b="0" lang="en-US" sz="1800" spc="-1" strike="noStrike">
-              <a:solidFill>
-                <a:srgbClr val="000000"/>
-              </a:solidFill>
-              <a:latin typeface="Calibri"/>
-            </a:endParaRPr>
-          </a:p>
-          <a:p>
-            <a:pPr lvl="4" marL="2057400" indent="-228600">
-              <a:lnSpc>
-                <a:spcPct val="90000"/>
-              </a:lnSpc>
-              <a:spcBef>
-                <a:spcPts val="499"/>
-              </a:spcBef>
-              <a:buClr>
-                <a:srgbClr val="000000"/>
-              </a:buClr>
-              <a:buFont typeface="Arial"/>
-              <a:buChar char="•"/>
-            </a:pPr>
-            <a:r>
-              <a:rPr b="0" lang="en-US" sz="1800" spc="-1" strike="noStrike">
-                <a:solidFill>
-                  <a:srgbClr val="000000"/>
-                </a:solidFill>
-                <a:latin typeface="Calibri"/>
-              </a:rPr>
-              <a:t>Fifth level</a:t>
-            </a:r>
-            <a:endParaRPr b="0" lang="en-US" sz="1800" spc="-1" strike="noStrike">
-              <a:solidFill>
-                <a:srgbClr val="000000"/>
-              </a:solidFill>
-              <a:latin typeface="Calibri"/>
-            </a:endParaRPr>
-          </a:p>
-        </p:txBody>
-      </p:sp>
-      <p:sp>
-        <p:nvSpPr>
-          <p:cNvPr id="43" name="PlaceHolder 3"/>
-          <p:cNvSpPr>
-            <a:spLocks noGrp="1"/>
-          </p:cNvSpPr>
-          <p:nvPr>
-            <p:ph type="dt" idx="4"/>
-          </p:nvPr>
-        </p:nvSpPr>
-        <p:spPr>
-          <a:xfrm>
-            <a:off x="838080" y="6356520"/>
-            <a:ext cx="2742840" cy="364680"/>
-          </a:xfrm>
-          <a:prstGeom prst="rect">
-            <a:avLst/>
-          </a:prstGeom>
-          <a:noFill/>
-          <a:ln w="0">
-            <a:noFill/>
-          </a:ln>
-        </p:spPr>
-        <p:txBody>
-          <a:bodyPr anchor="ctr">
-            <a:noAutofit/>
-          </a:bodyPr>
           <a:lstStyle>
-            <a:lvl1pPr indent="0">
+            <a:lvl1pPr indent="0" algn="ctr">
               <a:lnSpc>
                 <a:spcPct val="100000"/>
               </a:lnSpc>
               <a:buNone/>
-              <a:defRPr b="0" lang="en-US" sz="1200" spc="-1" strike="noStrike">
-                <a:solidFill>
-                  <a:srgbClr val="8b8b8b"/>
-                </a:solidFill>
-                <a:latin typeface="Calibri"/>
-              </a:defRPr>
-            </a:lvl1pPr>
-          </a:lstStyle>
-          <a:p>
-            <a:pPr indent="0">
-              <a:lnSpc>
-                <a:spcPct val="100000"/>
-              </a:lnSpc>
-              <a:buNone/>
-            </a:pPr>
-            <a:r>
-              <a:rPr b="0" lang="en-US" sz="1200" spc="-1" strike="noStrike">
-                <a:solidFill>
-                  <a:srgbClr val="8b8b8b"/>
-                </a:solidFill>
-                <a:latin typeface="Calibri"/>
-              </a:rPr>
-              <a:t>&lt;date/time&gt;</a:t>
-            </a:r>
-            <a:endParaRPr b="0" lang="en-US" sz="1200" spc="-1" strike="noStrike">
-              <a:solidFill>
-                <a:srgbClr val="000000"/>
-              </a:solidFill>
-              <a:latin typeface="Times New Roman"/>
-            </a:endParaRPr>
-          </a:p>
-        </p:txBody>
-      </p:sp>
-      <p:sp>
-        <p:nvSpPr>
-          <p:cNvPr id="44" name="PlaceHolder 4"/>
-          <p:cNvSpPr>
-            <a:spLocks noGrp="1"/>
-          </p:cNvSpPr>
-          <p:nvPr>
-            <p:ph type="ftr" idx="5"/>
-          </p:nvPr>
-        </p:nvSpPr>
-        <p:spPr>
-          <a:xfrm>
-            <a:off x="4038480" y="6356520"/>
-            <a:ext cx="4114440" cy="364680"/>
-          </a:xfrm>
-          <a:prstGeom prst="rect">
-            <a:avLst/>
-          </a:prstGeom>
-          <a:noFill/>
-          <a:ln w="0">
-            <a:noFill/>
-          </a:ln>
-        </p:spPr>
-        <p:txBody>
-          <a:bodyPr anchor="ctr">
-            <a:noAutofit/>
-          </a:bodyPr>
-          <a:lstStyle>
-            <a:lvl1pPr indent="0" algn="ctr">
-              <a:buNone/>
+              <a:tabLst>
+                <a:tab algn="l" pos="0"/>
+              </a:tabLst>
               <a:defRPr b="0" lang="en-US" sz="1400" spc="-1" strike="noStrike">
                 <a:solidFill>
                   <a:srgbClr val="000000"/>
@@ -7629,7 +7231,13 @@
           </a:lstStyle>
           <a:p>
             <a:pPr indent="0" algn="ctr">
-              <a:buNone/>
+              <a:lnSpc>
+                <a:spcPct val="100000"/>
+              </a:lnSpc>
+              <a:buNone/>
+              <a:tabLst>
+                <a:tab algn="l" pos="0"/>
+              </a:tabLst>
             </a:pPr>
             <a:r>
               <a:rPr b="0" lang="en-US" sz="1400" spc="-1" strike="noStrike">
@@ -7651,29 +7259,29 @@
       </p:sp>
       <p:sp>
         <p:nvSpPr>
-          <p:cNvPr id="45" name="PlaceHolder 5"/>
-          <p:cNvSpPr>
-            <a:spLocks noGrp="1"/>
-          </p:cNvSpPr>
-          <p:nvPr>
-            <p:ph type="sldNum" idx="6"/>
+          <p:cNvPr id="42" name="PlaceHolder 2"/>
+          <p:cNvSpPr>
+            <a:spLocks noGrp="1"/>
+          </p:cNvSpPr>
+          <p:nvPr>
+            <p:ph type="sldNum" idx="5"/>
           </p:nvPr>
         </p:nvSpPr>
         <p:spPr>
           <a:xfrm>
             <a:off x="8610480" y="6356520"/>
-            <a:ext cx="2742840" cy="364680"/>
-          </a:xfrm>
-          <a:prstGeom prst="rect">
-            <a:avLst/>
-          </a:prstGeom>
-          <a:noFill/>
-          <a:ln w="0">
-            <a:noFill/>
-          </a:ln>
-        </p:spPr>
-        <p:txBody>
-          <a:bodyPr anchor="ctr">
+            <a:ext cx="2742480" cy="364320"/>
+          </a:xfrm>
+          <a:prstGeom prst="rect">
+            <a:avLst/>
+          </a:prstGeom>
+          <a:noFill/>
+          <a:ln w="0">
+            <a:noFill/>
+          </a:ln>
+        </p:spPr>
+        <p:txBody>
+          <a:bodyPr lIns="90000" rIns="90000" tIns="45000" bIns="45000" anchor="ctr">
             <a:noAutofit/>
           </a:bodyPr>
           <a:lstStyle>
@@ -7682,6 +7290,9 @@
                 <a:spcPct val="100000"/>
               </a:lnSpc>
               <a:buNone/>
+              <a:tabLst>
+                <a:tab algn="l" pos="0"/>
+              </a:tabLst>
               <a:defRPr b="0" lang="en-US" sz="1200" spc="-1" strike="noStrike">
                 <a:solidFill>
                   <a:srgbClr val="8b8b8b"/>
@@ -7696,8 +7307,11 @@
                 <a:spcPct val="100000"/>
               </a:lnSpc>
               <a:buNone/>
-            </a:pPr>
-            <a:fld id="{8D5D47A6-B948-4D01-AC26-C7D208A32EC7}" type="slidenum">
+              <a:tabLst>
+                <a:tab algn="l" pos="0"/>
+              </a:tabLst>
+            </a:pPr>
+            <a:fld id="{23847649-E45A-4AE2-BC3B-0F2853E2F89E}" type="slidenum">
               <a:rPr b="0" lang="en-US" sz="1200" spc="-1" strike="noStrike">
                 <a:solidFill>
                   <a:srgbClr val="8b8b8b"/>
@@ -7711,6 +7325,340 @@
                 <a:srgbClr val="000000"/>
               </a:solidFill>
               <a:latin typeface="Times New Roman"/>
+            </a:endParaRPr>
+          </a:p>
+        </p:txBody>
+      </p:sp>
+      <p:sp>
+        <p:nvSpPr>
+          <p:cNvPr id="43" name="PlaceHolder 3"/>
+          <p:cNvSpPr>
+            <a:spLocks noGrp="1"/>
+          </p:cNvSpPr>
+          <p:nvPr>
+            <p:ph type="dt" idx="6"/>
+          </p:nvPr>
+        </p:nvSpPr>
+        <p:spPr>
+          <a:xfrm>
+            <a:off x="838080" y="6356520"/>
+            <a:ext cx="2742480" cy="364320"/>
+          </a:xfrm>
+          <a:prstGeom prst="rect">
+            <a:avLst/>
+          </a:prstGeom>
+          <a:noFill/>
+          <a:ln w="0">
+            <a:noFill/>
+          </a:ln>
+        </p:spPr>
+        <p:txBody>
+          <a:bodyPr lIns="90000" rIns="90000" tIns="45000" bIns="45000" anchor="ctr">
+            <a:noAutofit/>
+          </a:bodyPr>
+          <a:lstStyle>
+            <a:lvl1pPr indent="0">
+              <a:buNone/>
+              <a:defRPr b="0" lang="en-US" sz="1400" spc="-1" strike="noStrike">
+                <a:solidFill>
+                  <a:srgbClr val="000000"/>
+                </a:solidFill>
+                <a:latin typeface="Times New Roman"/>
+              </a:defRPr>
+            </a:lvl1pPr>
+          </a:lstStyle>
+          <a:p>
+            <a:pPr indent="0">
+              <a:buNone/>
+            </a:pPr>
+            <a:r>
+              <a:rPr b="0" lang="en-US" sz="1400" spc="-1" strike="noStrike">
+                <a:solidFill>
+                  <a:srgbClr val="000000"/>
+                </a:solidFill>
+                <a:latin typeface="Times New Roman"/>
+              </a:rPr>
+              <a:t>&lt;date/time&gt;</a:t>
+            </a:r>
+            <a:endParaRPr b="0" lang="en-US" sz="1400" spc="-1" strike="noStrike">
+              <a:solidFill>
+                <a:srgbClr val="000000"/>
+              </a:solidFill>
+              <a:latin typeface="Times New Roman"/>
+            </a:endParaRPr>
+          </a:p>
+        </p:txBody>
+      </p:sp>
+      <p:sp>
+        <p:nvSpPr>
+          <p:cNvPr id="44" name="PlaceHolder 4"/>
+          <p:cNvSpPr>
+            <a:spLocks noGrp="1"/>
+          </p:cNvSpPr>
+          <p:nvPr>
+            <p:ph type="title"/>
+          </p:nvPr>
+        </p:nvSpPr>
+        <p:spPr>
+          <a:xfrm>
+            <a:off x="609480" y="273600"/>
+            <a:ext cx="10972440" cy="1144800"/>
+          </a:xfrm>
+          <a:prstGeom prst="rect">
+            <a:avLst/>
+          </a:prstGeom>
+          <a:noFill/>
+          <a:ln w="0">
+            <a:noFill/>
+          </a:ln>
+        </p:spPr>
+        <p:txBody>
+          <a:bodyPr lIns="0" rIns="0" tIns="0" bIns="0" anchor="ctr">
+            <a:noAutofit/>
+          </a:bodyPr>
+          <a:p>
+            <a:pPr indent="0" algn="ctr">
+              <a:buNone/>
+            </a:pPr>
+            <a:r>
+              <a:rPr b="0" lang="en-US" sz="4400" spc="-1" strike="noStrike">
+                <a:solidFill>
+                  <a:srgbClr val="000000"/>
+                </a:solidFill>
+                <a:latin typeface="Arial"/>
+              </a:rPr>
+              <a:t>Click to edit the title text format</a:t>
+            </a:r>
+            <a:endParaRPr b="0" lang="en-US" sz="4400" spc="-1" strike="noStrike">
+              <a:solidFill>
+                <a:srgbClr val="000000"/>
+              </a:solidFill>
+              <a:latin typeface="Arial"/>
+            </a:endParaRPr>
+          </a:p>
+        </p:txBody>
+      </p:sp>
+      <p:sp>
+        <p:nvSpPr>
+          <p:cNvPr id="45" name="PlaceHolder 5"/>
+          <p:cNvSpPr>
+            <a:spLocks noGrp="1"/>
+          </p:cNvSpPr>
+          <p:nvPr>
+            <p:ph type="body"/>
+          </p:nvPr>
+        </p:nvSpPr>
+        <p:spPr>
+          <a:xfrm>
+            <a:off x="609480" y="1604520"/>
+            <a:ext cx="10972440" cy="3977280"/>
+          </a:xfrm>
+          <a:prstGeom prst="rect">
+            <a:avLst/>
+          </a:prstGeom>
+          <a:noFill/>
+          <a:ln w="0">
+            <a:noFill/>
+          </a:ln>
+        </p:spPr>
+        <p:txBody>
+          <a:bodyPr lIns="0" rIns="0" tIns="0" bIns="0" anchor="t">
+            <a:normAutofit/>
+          </a:bodyPr>
+          <a:p>
+            <a:pPr marL="432000" indent="-324000">
+              <a:spcBef>
+                <a:spcPts val="1417"/>
+              </a:spcBef>
+              <a:buClr>
+                <a:srgbClr val="000000"/>
+              </a:buClr>
+              <a:buSzPct val="45000"/>
+              <a:buFont typeface="Wingdings" charset="2"/>
+              <a:buChar char=""/>
+            </a:pPr>
+            <a:r>
+              <a:rPr b="0" lang="en-US" sz="3200" spc="-1" strike="noStrike">
+                <a:solidFill>
+                  <a:srgbClr val="000000"/>
+                </a:solidFill>
+                <a:latin typeface="Arial"/>
+              </a:rPr>
+              <a:t>Click to edit the outline text format</a:t>
+            </a:r>
+            <a:endParaRPr b="0" lang="en-US" sz="3200" spc="-1" strike="noStrike">
+              <a:solidFill>
+                <a:srgbClr val="000000"/>
+              </a:solidFill>
+              <a:latin typeface="Arial"/>
+            </a:endParaRPr>
+          </a:p>
+          <a:p>
+            <a:pPr lvl="1" marL="864000" indent="-324000">
+              <a:spcBef>
+                <a:spcPts val="1134"/>
+              </a:spcBef>
+              <a:buClr>
+                <a:srgbClr val="000000"/>
+              </a:buClr>
+              <a:buSzPct val="75000"/>
+              <a:buFont typeface="Symbol" charset="2"/>
+              <a:buChar char=""/>
+            </a:pPr>
+            <a:r>
+              <a:rPr b="0" lang="en-US" sz="2800" spc="-1" strike="noStrike">
+                <a:solidFill>
+                  <a:srgbClr val="000000"/>
+                </a:solidFill>
+                <a:latin typeface="Arial"/>
+              </a:rPr>
+              <a:t>Second Outline Level</a:t>
+            </a:r>
+            <a:endParaRPr b="0" lang="en-US" sz="2800" spc="-1" strike="noStrike">
+              <a:solidFill>
+                <a:srgbClr val="000000"/>
+              </a:solidFill>
+              <a:latin typeface="Arial"/>
+            </a:endParaRPr>
+          </a:p>
+          <a:p>
+            <a:pPr lvl="2" marL="1296000" indent="-288000">
+              <a:spcBef>
+                <a:spcPts val="850"/>
+              </a:spcBef>
+              <a:buClr>
+                <a:srgbClr val="000000"/>
+              </a:buClr>
+              <a:buSzPct val="45000"/>
+              <a:buFont typeface="Wingdings" charset="2"/>
+              <a:buChar char=""/>
+            </a:pPr>
+            <a:r>
+              <a:rPr b="0" lang="en-US" sz="2400" spc="-1" strike="noStrike">
+                <a:solidFill>
+                  <a:srgbClr val="000000"/>
+                </a:solidFill>
+                <a:latin typeface="Arial"/>
+              </a:rPr>
+              <a:t>Third Outline Level</a:t>
+            </a:r>
+            <a:endParaRPr b="0" lang="en-US" sz="2400" spc="-1" strike="noStrike">
+              <a:solidFill>
+                <a:srgbClr val="000000"/>
+              </a:solidFill>
+              <a:latin typeface="Arial"/>
+            </a:endParaRPr>
+          </a:p>
+          <a:p>
+            <a:pPr lvl="3" marL="1728000" indent="-216000">
+              <a:spcBef>
+                <a:spcPts val="567"/>
+              </a:spcBef>
+              <a:buClr>
+                <a:srgbClr val="000000"/>
+              </a:buClr>
+              <a:buSzPct val="75000"/>
+              <a:buFont typeface="Symbol" charset="2"/>
+              <a:buChar char=""/>
+            </a:pPr>
+            <a:r>
+              <a:rPr b="0" lang="en-US" sz="2000" spc="-1" strike="noStrike">
+                <a:solidFill>
+                  <a:srgbClr val="000000"/>
+                </a:solidFill>
+                <a:latin typeface="Arial"/>
+              </a:rPr>
+              <a:t>Fourth Outline Level</a:t>
+            </a:r>
+            <a:endParaRPr b="0" lang="en-US" sz="2000" spc="-1" strike="noStrike">
+              <a:solidFill>
+                <a:srgbClr val="000000"/>
+              </a:solidFill>
+              <a:latin typeface="Arial"/>
+            </a:endParaRPr>
+          </a:p>
+          <a:p>
+            <a:pPr lvl="4" marL="2160000" indent="-216000">
+              <a:spcBef>
+                <a:spcPts val="283"/>
+              </a:spcBef>
+              <a:buClr>
+                <a:srgbClr val="000000"/>
+              </a:buClr>
+              <a:buSzPct val="45000"/>
+              <a:buFont typeface="Wingdings" charset="2"/>
+              <a:buChar char=""/>
+            </a:pPr>
+            <a:r>
+              <a:rPr b="0" lang="en-US" sz="2000" spc="-1" strike="noStrike">
+                <a:solidFill>
+                  <a:srgbClr val="000000"/>
+                </a:solidFill>
+                <a:latin typeface="Arial"/>
+              </a:rPr>
+              <a:t>Fifth Outline Level</a:t>
+            </a:r>
+            <a:endParaRPr b="0" lang="en-US" sz="2000" spc="-1" strike="noStrike">
+              <a:solidFill>
+                <a:srgbClr val="000000"/>
+              </a:solidFill>
+              <a:latin typeface="Arial"/>
+            </a:endParaRPr>
+          </a:p>
+          <a:p>
+            <a:pPr lvl="5" marL="2592000" indent="-216000">
+              <a:spcBef>
+                <a:spcPts val="283"/>
+              </a:spcBef>
+              <a:buClr>
+                <a:srgbClr val="000000"/>
+              </a:buClr>
+              <a:buSzPct val="45000"/>
+              <a:buFont typeface="Wingdings" charset="2"/>
+              <a:buChar char=""/>
+            </a:pPr>
+            <a:r>
+              <a:rPr b="0" lang="en-US" sz="2000" spc="-1" strike="noStrike">
+                <a:solidFill>
+                  <a:srgbClr val="000000"/>
+                </a:solidFill>
+                <a:latin typeface="Arial"/>
+              </a:rPr>
+              <a:t>Sixth Outline Level</a:t>
+            </a:r>
+            <a:endParaRPr b="0" lang="en-US" sz="2000" spc="-1" strike="noStrike">
+              <a:solidFill>
+                <a:srgbClr val="000000"/>
+              </a:solidFill>
+              <a:latin typeface="Arial"/>
+            </a:endParaRPr>
+          </a:p>
+          <a:p>
+            <a:pPr lvl="6" marL="3024000" indent="-216000">
+              <a:spcBef>
+                <a:spcPts val="283"/>
+              </a:spcBef>
+              <a:buClr>
+                <a:srgbClr val="000000"/>
+              </a:buClr>
+              <a:buSzPct val="45000"/>
+              <a:buFont typeface="Wingdings" charset="2"/>
+              <a:buChar char=""/>
+            </a:pPr>
+            <a:r>
+              <a:rPr b="0" lang="en-US" sz="2000" spc="-1" strike="noStrike">
+                <a:solidFill>
+                  <a:srgbClr val="000000"/>
+                </a:solidFill>
+                <a:latin typeface="Arial"/>
+              </a:rPr>
+              <a:t>Seventh Outline Level</a:t>
+            </a:r>
+            <a:endParaRPr b="0" lang="en-US" sz="2000" spc="-1" strike="noStrike">
+              <a:solidFill>
+                <a:srgbClr val="000000"/>
+              </a:solidFill>
+              <a:latin typeface="Arial"/>
             </a:endParaRPr>
           </a:p>
         </p:txBody>
@@ -7765,18 +7713,18 @@
         <p:spPr>
           <a:xfrm>
             <a:off x="1523880" y="1122480"/>
-            <a:ext cx="9143640" cy="2387160"/>
-          </a:xfrm>
-          <a:prstGeom prst="rect">
-            <a:avLst/>
-          </a:prstGeom>
-          <a:noFill/>
-          <a:ln w="0">
-            <a:noFill/>
-          </a:ln>
-        </p:spPr>
-        <p:txBody>
-          <a:bodyPr anchor="b">
+            <a:ext cx="9143280" cy="2386800"/>
+          </a:xfrm>
+          <a:prstGeom prst="rect">
+            <a:avLst/>
+          </a:prstGeom>
+          <a:noFill/>
+          <a:ln w="0">
+            <a:noFill/>
+          </a:ln>
+        </p:spPr>
+        <p:txBody>
+          <a:bodyPr lIns="0" rIns="0" tIns="0" bIns="0" anchor="b">
             <a:noAutofit/>
           </a:bodyPr>
           <a:p>
@@ -7785,6 +7733,9 @@
                 <a:spcPct val="90000"/>
               </a:lnSpc>
               <a:buNone/>
+              <a:tabLst>
+                <a:tab algn="l" pos="0"/>
+              </a:tabLst>
             </a:pPr>
             <a:r>
               <a:rPr b="0" lang="en-US" sz="6000" spc="-1" strike="noStrike">
@@ -7799,7 +7750,7 @@
               <a:solidFill>
                 <a:srgbClr val="000000"/>
               </a:solidFill>
-              <a:latin typeface="Calibri"/>
+              <a:latin typeface="Arial"/>
             </a:endParaRPr>
           </a:p>
         </p:txBody>
@@ -7817,29 +7768,41 @@
         <p:spPr>
           <a:xfrm>
             <a:off x="1523880" y="3602160"/>
-            <a:ext cx="9143640" cy="1655280"/>
-          </a:xfrm>
-          <a:prstGeom prst="rect">
-            <a:avLst/>
-          </a:prstGeom>
-          <a:noFill/>
-          <a:ln w="0">
-            <a:noFill/>
-          </a:ln>
-        </p:spPr>
-        <p:txBody>
-          <a:bodyPr anchor="t">
+            <a:ext cx="9143280" cy="1654920"/>
+          </a:xfrm>
+          <a:prstGeom prst="rect">
+            <a:avLst/>
+          </a:prstGeom>
+          <a:noFill/>
+          <a:ln w="0">
+            <a:noFill/>
+          </a:ln>
+        </p:spPr>
+        <p:txBody>
+          <a:bodyPr lIns="0" rIns="0" tIns="0" bIns="0" anchor="t">
             <a:noAutofit/>
           </a:bodyPr>
           <a:p>
             <a:pPr indent="0" algn="ctr">
-              <a:buNone/>
-            </a:pPr>
+              <a:lnSpc>
+                <a:spcPct val="100000"/>
+              </a:lnSpc>
+              <a:buNone/>
+            </a:pPr>
+            <a:r>
+              <a:rPr b="0" lang="en-US" sz="2400" spc="-1" strike="noStrike">
+                <a:solidFill>
+                  <a:srgbClr val="000000"/>
+                </a:solidFill>
+                <a:latin typeface="Arial"/>
+              </a:rPr>
+              <a:t>Yeganeh Jalalpour</a:t>
+            </a:r>
             <a:endParaRPr b="0" lang="en-US" sz="2400" spc="-1" strike="noStrike">
               <a:solidFill>
                 <a:srgbClr val="000000"/>
               </a:solidFill>
-              <a:latin typeface="Calibri"/>
+              <a:latin typeface="Arial"/>
             </a:endParaRPr>
           </a:p>
         </p:txBody>
@@ -7887,18 +7850,18 @@
         <p:spPr>
           <a:xfrm>
             <a:off x="838080" y="365040"/>
-            <a:ext cx="10515240" cy="1325160"/>
-          </a:xfrm>
-          <a:prstGeom prst="rect">
-            <a:avLst/>
-          </a:prstGeom>
-          <a:noFill/>
-          <a:ln w="0">
-            <a:noFill/>
-          </a:ln>
-        </p:spPr>
-        <p:txBody>
-          <a:bodyPr anchor="ctr">
+            <a:ext cx="10514880" cy="1324800"/>
+          </a:xfrm>
+          <a:prstGeom prst="rect">
+            <a:avLst/>
+          </a:prstGeom>
+          <a:noFill/>
+          <a:ln w="0">
+            <a:noFill/>
+          </a:ln>
+        </p:spPr>
+        <p:txBody>
+          <a:bodyPr lIns="90000" rIns="90000" tIns="45000" bIns="45000" anchor="ctr">
             <a:noAutofit/>
           </a:bodyPr>
           <a:p>
@@ -7907,6 +7870,9 @@
                 <a:spcPct val="90000"/>
               </a:lnSpc>
               <a:buNone/>
+              <a:tabLst>
+                <a:tab algn="l" pos="0"/>
+              </a:tabLst>
             </a:pPr>
             <a:r>
               <a:rPr b="0" lang="en-US" sz="4400" spc="-1" strike="noStrike">
@@ -7921,7 +7887,7 @@
               <a:solidFill>
                 <a:srgbClr val="000000"/>
               </a:solidFill>
-              <a:latin typeface="Calibri"/>
+              <a:latin typeface="Arial"/>
             </a:endParaRPr>
           </a:p>
         </p:txBody>
@@ -7939,18 +7905,18 @@
         <p:spPr>
           <a:xfrm>
             <a:off x="838080" y="1825560"/>
-            <a:ext cx="10515240" cy="4350960"/>
-          </a:xfrm>
-          <a:prstGeom prst="rect">
-            <a:avLst/>
-          </a:prstGeom>
-          <a:noFill/>
-          <a:ln w="0">
-            <a:noFill/>
-          </a:ln>
-        </p:spPr>
-        <p:txBody>
-          <a:bodyPr anchor="t">
+            <a:ext cx="10514880" cy="4350600"/>
+          </a:xfrm>
+          <a:prstGeom prst="rect">
+            <a:avLst/>
+          </a:prstGeom>
+          <a:noFill/>
+          <a:ln w="0">
+            <a:noFill/>
+          </a:ln>
+        </p:spPr>
+        <p:txBody>
+          <a:bodyPr lIns="90000" rIns="90000" tIns="45000" bIns="45000" anchor="t">
             <a:noAutofit/>
           </a:bodyPr>
           <a:p>
@@ -7980,7 +7946,7 @@
               <a:solidFill>
                 <a:srgbClr val="000000"/>
               </a:solidFill>
-              <a:latin typeface="Calibri"/>
+              <a:latin typeface="Arial"/>
             </a:endParaRPr>
           </a:p>
           <a:p>
@@ -8010,7 +7976,7 @@
               <a:solidFill>
                 <a:srgbClr val="000000"/>
               </a:solidFill>
-              <a:latin typeface="Calibri"/>
+              <a:latin typeface="Arial"/>
             </a:endParaRPr>
           </a:p>
           <a:p>
@@ -8040,7 +8006,7 @@
               <a:solidFill>
                 <a:srgbClr val="000000"/>
               </a:solidFill>
-              <a:latin typeface="Calibri"/>
+              <a:latin typeface="Arial"/>
             </a:endParaRPr>
           </a:p>
           <a:p>
@@ -8070,7 +8036,7 @@
               <a:solidFill>
                 <a:srgbClr val="000000"/>
               </a:solidFill>
-              <a:latin typeface="Calibri"/>
+              <a:latin typeface="Arial"/>
             </a:endParaRPr>
           </a:p>
           <a:p>
@@ -8100,7 +8066,7 @@
               <a:solidFill>
                 <a:srgbClr val="000000"/>
               </a:solidFill>
-              <a:latin typeface="Calibri"/>
+              <a:latin typeface="Arial"/>
             </a:endParaRPr>
           </a:p>
           <a:p>
@@ -8130,7 +8096,7 @@
               <a:solidFill>
                 <a:srgbClr val="000000"/>
               </a:solidFill>
-              <a:latin typeface="Calibri"/>
+              <a:latin typeface="Arial"/>
             </a:endParaRPr>
           </a:p>
           <a:p>
@@ -8142,12 +8108,15 @@
                 <a:spcPts val="1001"/>
               </a:spcBef>
               <a:buNone/>
+              <a:tabLst>
+                <a:tab algn="l" pos="0"/>
+              </a:tabLst>
             </a:pPr>
             <a:endParaRPr b="0" lang="en-US" sz="2800" spc="-1" strike="noStrike">
               <a:solidFill>
                 <a:srgbClr val="000000"/>
               </a:solidFill>
-              <a:latin typeface="Calibri"/>
+              <a:latin typeface="Arial"/>
             </a:endParaRPr>
           </a:p>
         </p:txBody>
@@ -8195,18 +8164,18 @@
         <p:spPr>
           <a:xfrm>
             <a:off x="838080" y="365040"/>
-            <a:ext cx="10515240" cy="1325160"/>
-          </a:xfrm>
-          <a:prstGeom prst="rect">
-            <a:avLst/>
-          </a:prstGeom>
-          <a:noFill/>
-          <a:ln w="0">
-            <a:noFill/>
-          </a:ln>
-        </p:spPr>
-        <p:txBody>
-          <a:bodyPr anchor="ctr">
+            <a:ext cx="10514880" cy="1324800"/>
+          </a:xfrm>
+          <a:prstGeom prst="rect">
+            <a:avLst/>
+          </a:prstGeom>
+          <a:noFill/>
+          <a:ln w="0">
+            <a:noFill/>
+          </a:ln>
+        </p:spPr>
+        <p:txBody>
+          <a:bodyPr lIns="90000" rIns="90000" tIns="45000" bIns="45000" anchor="ctr">
             <a:normAutofit/>
           </a:bodyPr>
           <a:p>
@@ -8215,6 +8184,9 @@
                 <a:spcPct val="90000"/>
               </a:lnSpc>
               <a:buNone/>
+              <a:tabLst>
+                <a:tab algn="l" pos="0"/>
+              </a:tabLst>
             </a:pPr>
             <a:r>
               <a:rPr b="0" lang="en-US" sz="4400" spc="-1" strike="noStrike">
@@ -8241,7 +8213,7 @@
               <a:solidFill>
                 <a:srgbClr val="000000"/>
               </a:solidFill>
-              <a:latin typeface="Calibri"/>
+              <a:latin typeface="Arial"/>
             </a:endParaRPr>
           </a:p>
         </p:txBody>
@@ -8259,18 +8231,18 @@
         <p:spPr>
           <a:xfrm>
             <a:off x="838080" y="1825560"/>
-            <a:ext cx="10515240" cy="4350960"/>
-          </a:xfrm>
-          <a:prstGeom prst="rect">
-            <a:avLst/>
-          </a:prstGeom>
-          <a:noFill/>
-          <a:ln w="0">
-            <a:noFill/>
-          </a:ln>
-        </p:spPr>
-        <p:txBody>
-          <a:bodyPr anchor="t">
+            <a:ext cx="10514880" cy="4350600"/>
+          </a:xfrm>
+          <a:prstGeom prst="rect">
+            <a:avLst/>
+          </a:prstGeom>
+          <a:noFill/>
+          <a:ln w="0">
+            <a:noFill/>
+          </a:ln>
+        </p:spPr>
+        <p:txBody>
+          <a:bodyPr lIns="90000" rIns="90000" tIns="45000" bIns="45000" anchor="t">
             <a:noAutofit/>
           </a:bodyPr>
           <a:p>
@@ -8300,7 +8272,7 @@
               <a:solidFill>
                 <a:srgbClr val="000000"/>
               </a:solidFill>
-              <a:latin typeface="Calibri"/>
+              <a:latin typeface="Arial"/>
             </a:endParaRPr>
           </a:p>
           <a:p>
@@ -8348,7 +8320,7 @@
               <a:solidFill>
                 <a:srgbClr val="000000"/>
               </a:solidFill>
-              <a:latin typeface="Calibri"/>
+              <a:latin typeface="Arial"/>
             </a:endParaRPr>
           </a:p>
           <a:p>
@@ -8378,7 +8350,7 @@
               <a:solidFill>
                 <a:srgbClr val="000000"/>
               </a:solidFill>
-              <a:latin typeface="Calibri"/>
+              <a:latin typeface="Arial"/>
             </a:endParaRPr>
           </a:p>
           <a:p>
@@ -8426,7 +8398,7 @@
               <a:solidFill>
                 <a:srgbClr val="000000"/>
               </a:solidFill>
-              <a:latin typeface="Calibri"/>
+              <a:latin typeface="Arial"/>
             </a:endParaRPr>
           </a:p>
           <a:p>
@@ -8456,7 +8428,7 @@
               <a:solidFill>
                 <a:srgbClr val="000000"/>
               </a:solidFill>
-              <a:latin typeface="Calibri"/>
+              <a:latin typeface="Arial"/>
             </a:endParaRPr>
           </a:p>
           <a:p>
@@ -8486,7 +8458,7 @@
               <a:solidFill>
                 <a:srgbClr val="000000"/>
               </a:solidFill>
-              <a:latin typeface="Calibri"/>
+              <a:latin typeface="Arial"/>
             </a:endParaRPr>
           </a:p>
           <a:p>
@@ -8516,7 +8488,7 @@
               <a:solidFill>
                 <a:srgbClr val="000000"/>
               </a:solidFill>
-              <a:latin typeface="Calibri"/>
+              <a:latin typeface="Arial"/>
             </a:endParaRPr>
           </a:p>
           <a:p>
@@ -8528,12 +8500,15 @@
                 <a:spcPts val="1001"/>
               </a:spcBef>
               <a:buNone/>
+              <a:tabLst>
+                <a:tab algn="l" pos="0"/>
+              </a:tabLst>
             </a:pPr>
             <a:endParaRPr b="0" lang="en-US" sz="2800" spc="-1" strike="noStrike">
               <a:solidFill>
                 <a:srgbClr val="000000"/>
               </a:solidFill>
-              <a:latin typeface="Calibri"/>
+              <a:latin typeface="Arial"/>
             </a:endParaRPr>
           </a:p>
         </p:txBody>
@@ -8547,7 +8522,7 @@
         <p:spPr>
           <a:xfrm>
             <a:off x="33480" y="6458040"/>
-            <a:ext cx="3948120" cy="396000"/>
+            <a:ext cx="3947760" cy="396000"/>
           </a:xfrm>
           <a:prstGeom prst="rect">
             <a:avLst/>
@@ -8579,6 +8554,7 @@
                   <a:srgbClr val="000000"/>
                 </a:solidFill>
                 <a:latin typeface="Calibri"/>
+                <a:ea typeface="DejaVu Sans"/>
               </a:rPr>
               <a:t>Peterson, L. (2009). K-nearest neighbor. </a:t>
             </a:r>
@@ -8588,6 +8564,7 @@
                   <a:srgbClr val="000000"/>
                 </a:solidFill>
                 <a:latin typeface="Calibri"/>
+                <a:ea typeface="DejaVu Sans"/>
               </a:rPr>
               <a:t>Scholarpedia Journal.,</a:t>
             </a:r>
@@ -8597,6 +8574,7 @@
                   <a:srgbClr val="000000"/>
                 </a:solidFill>
                 <a:latin typeface="Calibri"/>
+                <a:ea typeface="DejaVu Sans"/>
               </a:rPr>
               <a:t> </a:t>
             </a:r>
@@ -8606,6 +8584,7 @@
                   <a:srgbClr val="000000"/>
                 </a:solidFill>
                 <a:latin typeface="Calibri"/>
+                <a:ea typeface="DejaVu Sans"/>
               </a:rPr>
               <a:t>4</a:t>
             </a:r>
@@ -8615,6 +8594,7 @@
                   <a:srgbClr val="000000"/>
                 </a:solidFill>
                 <a:latin typeface="Calibri"/>
+                <a:ea typeface="DejaVu Sans"/>
               </a:rPr>
               <a:t>(2), 1883.</a:t>
             </a:r>
@@ -8628,6 +8608,7 @@
                 </a:solidFill>
                 <a:uFillTx/>
                 <a:latin typeface="Calibri"/>
+                <a:ea typeface="DejaVu Sans"/>
                 <a:hlinkClick r:id="rId1"/>
               </a:rPr>
               <a:t>http://www.scholarpedia.org/article/File:Knn_sample_plot.png</a:t>
@@ -8638,6 +8619,7 @@
                   <a:srgbClr val="000000"/>
                 </a:solidFill>
                 <a:latin typeface="Calibri"/>
+                <a:ea typeface="DejaVu Sans"/>
               </a:rPr>
               <a:t> </a:t>
             </a:r>
@@ -8663,7 +8645,7 @@
         <p:spPr>
           <a:xfrm>
             <a:off x="7772400" y="3213000"/>
-            <a:ext cx="4419360" cy="3644640"/>
+            <a:ext cx="4419000" cy="3644280"/>
           </a:xfrm>
           <a:prstGeom prst="rect">
             <a:avLst/>
@@ -8716,18 +8698,18 @@
         <p:spPr>
           <a:xfrm>
             <a:off x="838080" y="365040"/>
-            <a:ext cx="10515240" cy="1325160"/>
-          </a:xfrm>
-          <a:prstGeom prst="rect">
-            <a:avLst/>
-          </a:prstGeom>
-          <a:noFill/>
-          <a:ln w="0">
-            <a:noFill/>
-          </a:ln>
-        </p:spPr>
-        <p:txBody>
-          <a:bodyPr anchor="ctr">
+            <a:ext cx="10514880" cy="1324800"/>
+          </a:xfrm>
+          <a:prstGeom prst="rect">
+            <a:avLst/>
+          </a:prstGeom>
+          <a:noFill/>
+          <a:ln w="0">
+            <a:noFill/>
+          </a:ln>
+        </p:spPr>
+        <p:txBody>
+          <a:bodyPr lIns="90000" rIns="90000" tIns="45000" bIns="45000" anchor="ctr">
             <a:noAutofit/>
           </a:bodyPr>
           <a:p>
@@ -8736,6 +8718,9 @@
                 <a:spcPct val="90000"/>
               </a:lnSpc>
               <a:buNone/>
+              <a:tabLst>
+                <a:tab algn="l" pos="0"/>
+              </a:tabLst>
             </a:pPr>
             <a:r>
               <a:rPr b="0" lang="en-US" sz="4400" spc="-1" strike="noStrike">
@@ -8750,7 +8735,7 @@
               <a:solidFill>
                 <a:srgbClr val="000000"/>
               </a:solidFill>
-              <a:latin typeface="Calibri"/>
+              <a:latin typeface="Arial"/>
             </a:endParaRPr>
           </a:p>
         </p:txBody>
@@ -8768,18 +8753,18 @@
         <p:spPr>
           <a:xfrm>
             <a:off x="838080" y="1825560"/>
-            <a:ext cx="10515240" cy="4350960"/>
-          </a:xfrm>
-          <a:prstGeom prst="rect">
-            <a:avLst/>
-          </a:prstGeom>
-          <a:noFill/>
-          <a:ln w="0">
-            <a:noFill/>
-          </a:ln>
-        </p:spPr>
-        <p:txBody>
-          <a:bodyPr anchor="t">
+            <a:ext cx="10514880" cy="4350600"/>
+          </a:xfrm>
+          <a:prstGeom prst="rect">
+            <a:avLst/>
+          </a:prstGeom>
+          <a:noFill/>
+          <a:ln w="0">
+            <a:noFill/>
+          </a:ln>
+        </p:spPr>
+        <p:txBody>
+          <a:bodyPr lIns="90000" rIns="90000" tIns="45000" bIns="45000" anchor="t">
             <a:noAutofit/>
           </a:bodyPr>
           <a:p>
@@ -8809,7 +8794,7 @@
               <a:solidFill>
                 <a:srgbClr val="000000"/>
               </a:solidFill>
-              <a:latin typeface="Calibri"/>
+              <a:latin typeface="Arial"/>
             </a:endParaRPr>
           </a:p>
           <a:p>
@@ -8839,7 +8824,7 @@
               <a:solidFill>
                 <a:srgbClr val="000000"/>
               </a:solidFill>
-              <a:latin typeface="Calibri"/>
+              <a:latin typeface="Arial"/>
             </a:endParaRPr>
           </a:p>
           <a:p>
@@ -8869,7 +8854,7 @@
               <a:solidFill>
                 <a:srgbClr val="000000"/>
               </a:solidFill>
-              <a:latin typeface="Calibri"/>
+              <a:latin typeface="Arial"/>
             </a:endParaRPr>
           </a:p>
           <a:p>
@@ -8899,7 +8884,7 @@
               <a:solidFill>
                 <a:srgbClr val="000000"/>
               </a:solidFill>
-              <a:latin typeface="Calibri"/>
+              <a:latin typeface="Arial"/>
             </a:endParaRPr>
           </a:p>
           <a:p>
@@ -8929,7 +8914,7 @@
               <a:solidFill>
                 <a:srgbClr val="000000"/>
               </a:solidFill>
-              <a:latin typeface="Calibri"/>
+              <a:latin typeface="Arial"/>
             </a:endParaRPr>
           </a:p>
           <a:p>
@@ -8949,7 +8934,7 @@
               <a:solidFill>
                 <a:srgbClr val="000000"/>
               </a:solidFill>
-              <a:latin typeface="Calibri"/>
+              <a:latin typeface="Arial"/>
             </a:endParaRPr>
           </a:p>
         </p:txBody>
@@ -8997,18 +8982,18 @@
         <p:spPr>
           <a:xfrm>
             <a:off x="838080" y="365040"/>
-            <a:ext cx="10515240" cy="1325160"/>
-          </a:xfrm>
-          <a:prstGeom prst="rect">
-            <a:avLst/>
-          </a:prstGeom>
-          <a:noFill/>
-          <a:ln w="0">
-            <a:noFill/>
-          </a:ln>
-        </p:spPr>
-        <p:txBody>
-          <a:bodyPr anchor="ctr">
+            <a:ext cx="10514880" cy="1324800"/>
+          </a:xfrm>
+          <a:prstGeom prst="rect">
+            <a:avLst/>
+          </a:prstGeom>
+          <a:noFill/>
+          <a:ln w="0">
+            <a:noFill/>
+          </a:ln>
+        </p:spPr>
+        <p:txBody>
+          <a:bodyPr lIns="90000" rIns="90000" tIns="45000" bIns="45000" anchor="ctr">
             <a:noAutofit/>
           </a:bodyPr>
           <a:p>
@@ -9017,6 +9002,9 @@
                 <a:spcPct val="90000"/>
               </a:lnSpc>
               <a:buNone/>
+              <a:tabLst>
+                <a:tab algn="l" pos="0"/>
+              </a:tabLst>
             </a:pPr>
             <a:r>
               <a:rPr b="0" lang="en-US" sz="4400" spc="-1" strike="noStrike">
@@ -9031,7 +9019,7 @@
               <a:solidFill>
                 <a:srgbClr val="000000"/>
               </a:solidFill>
-              <a:latin typeface="Calibri"/>
+              <a:latin typeface="Arial"/>
             </a:endParaRPr>
           </a:p>
         </p:txBody>
@@ -9049,18 +9037,18 @@
         <p:spPr>
           <a:xfrm>
             <a:off x="838080" y="1825560"/>
-            <a:ext cx="10515240" cy="4350960"/>
-          </a:xfrm>
-          <a:prstGeom prst="rect">
-            <a:avLst/>
-          </a:prstGeom>
-          <a:noFill/>
-          <a:ln w="0">
-            <a:noFill/>
-          </a:ln>
-        </p:spPr>
-        <p:txBody>
-          <a:bodyPr anchor="t">
+            <a:ext cx="10514880" cy="4350600"/>
+          </a:xfrm>
+          <a:prstGeom prst="rect">
+            <a:avLst/>
+          </a:prstGeom>
+          <a:noFill/>
+          <a:ln w="0">
+            <a:noFill/>
+          </a:ln>
+        </p:spPr>
+        <p:txBody>
+          <a:bodyPr lIns="90000" rIns="90000" tIns="45000" bIns="45000" anchor="t">
             <a:noAutofit/>
           </a:bodyPr>
           <a:p>
@@ -9090,7 +9078,7 @@
               <a:solidFill>
                 <a:srgbClr val="000000"/>
               </a:solidFill>
-              <a:latin typeface="Calibri"/>
+              <a:latin typeface="Arial"/>
             </a:endParaRPr>
           </a:p>
           <a:p>
@@ -9120,7 +9108,7 @@
               <a:solidFill>
                 <a:srgbClr val="000000"/>
               </a:solidFill>
-              <a:latin typeface="Calibri"/>
+              <a:latin typeface="Arial"/>
             </a:endParaRPr>
           </a:p>
           <a:p>
@@ -9150,7 +9138,7 @@
               <a:solidFill>
                 <a:srgbClr val="000000"/>
               </a:solidFill>
-              <a:latin typeface="Calibri"/>
+              <a:latin typeface="Arial"/>
             </a:endParaRPr>
           </a:p>
           <a:p>
@@ -9180,7 +9168,7 @@
               <a:solidFill>
                 <a:srgbClr val="000000"/>
               </a:solidFill>
-              <a:latin typeface="Calibri"/>
+              <a:latin typeface="Arial"/>
             </a:endParaRPr>
           </a:p>
           <a:p>
@@ -9210,7 +9198,7 @@
               <a:solidFill>
                 <a:srgbClr val="000000"/>
               </a:solidFill>
-              <a:latin typeface="Calibri"/>
+              <a:latin typeface="Arial"/>
             </a:endParaRPr>
           </a:p>
           <a:p>
@@ -9222,12 +9210,15 @@
                 <a:spcPts val="1001"/>
               </a:spcBef>
               <a:buNone/>
+              <a:tabLst>
+                <a:tab algn="l" pos="0"/>
+              </a:tabLst>
             </a:pPr>
             <a:endParaRPr b="0" lang="en-US" sz="2800" spc="-1" strike="noStrike">
               <a:solidFill>
                 <a:srgbClr val="000000"/>
               </a:solidFill>
-              <a:latin typeface="Calibri"/>
+              <a:latin typeface="Arial"/>
             </a:endParaRPr>
           </a:p>
         </p:txBody>
@@ -9275,18 +9266,18 @@
         <p:spPr>
           <a:xfrm>
             <a:off x="838080" y="365040"/>
-            <a:ext cx="10515240" cy="1325160"/>
-          </a:xfrm>
-          <a:prstGeom prst="rect">
-            <a:avLst/>
-          </a:prstGeom>
-          <a:noFill/>
-          <a:ln w="0">
-            <a:noFill/>
-          </a:ln>
-        </p:spPr>
-        <p:txBody>
-          <a:bodyPr anchor="ctr">
+            <a:ext cx="10514880" cy="1324800"/>
+          </a:xfrm>
+          <a:prstGeom prst="rect">
+            <a:avLst/>
+          </a:prstGeom>
+          <a:noFill/>
+          <a:ln w="0">
+            <a:noFill/>
+          </a:ln>
+        </p:spPr>
+        <p:txBody>
+          <a:bodyPr lIns="90000" rIns="90000" tIns="45000" bIns="45000" anchor="ctr">
             <a:noAutofit/>
           </a:bodyPr>
           <a:p>
@@ -9295,6 +9286,9 @@
                 <a:spcPct val="90000"/>
               </a:lnSpc>
               <a:buNone/>
+              <a:tabLst>
+                <a:tab algn="l" pos="0"/>
+              </a:tabLst>
             </a:pPr>
             <a:r>
               <a:rPr b="0" lang="en-US" sz="4400" spc="-1" strike="noStrike">
@@ -9309,7 +9303,7 @@
               <a:solidFill>
                 <a:srgbClr val="000000"/>
               </a:solidFill>
-              <a:latin typeface="Calibri"/>
+              <a:latin typeface="Arial"/>
             </a:endParaRPr>
           </a:p>
         </p:txBody>
@@ -9327,18 +9321,18 @@
         <p:spPr>
           <a:xfrm>
             <a:off x="838080" y="1825560"/>
-            <a:ext cx="10515240" cy="4350960"/>
-          </a:xfrm>
-          <a:prstGeom prst="rect">
-            <a:avLst/>
-          </a:prstGeom>
-          <a:noFill/>
-          <a:ln w="0">
-            <a:noFill/>
-          </a:ln>
-        </p:spPr>
-        <p:txBody>
-          <a:bodyPr anchor="t">
+            <a:ext cx="10514880" cy="4350600"/>
+          </a:xfrm>
+          <a:prstGeom prst="rect">
+            <a:avLst/>
+          </a:prstGeom>
+          <a:noFill/>
+          <a:ln w="0">
+            <a:noFill/>
+          </a:ln>
+        </p:spPr>
+        <p:txBody>
+          <a:bodyPr lIns="90000" rIns="90000" tIns="45000" bIns="45000" anchor="t">
             <a:normAutofit/>
           </a:bodyPr>
           <a:p>
@@ -9386,7 +9380,7 @@
               <a:solidFill>
                 <a:srgbClr val="000000"/>
               </a:solidFill>
-              <a:latin typeface="Calibri"/>
+              <a:latin typeface="Arial"/>
             </a:endParaRPr>
           </a:p>
           <a:p>
@@ -9416,7 +9410,7 @@
               <a:solidFill>
                 <a:srgbClr val="000000"/>
               </a:solidFill>
-              <a:latin typeface="Calibri"/>
+              <a:latin typeface="Arial"/>
             </a:endParaRPr>
           </a:p>
           <a:p>
@@ -9446,7 +9440,7 @@
               <a:solidFill>
                 <a:srgbClr val="000000"/>
               </a:solidFill>
-              <a:latin typeface="Calibri"/>
+              <a:latin typeface="Arial"/>
             </a:endParaRPr>
           </a:p>
           <a:p>
@@ -9476,7 +9470,7 @@
               <a:solidFill>
                 <a:srgbClr val="000000"/>
               </a:solidFill>
-              <a:latin typeface="Calibri"/>
+              <a:latin typeface="Arial"/>
             </a:endParaRPr>
           </a:p>
           <a:p>
@@ -9542,7 +9536,7 @@
               <a:solidFill>
                 <a:srgbClr val="000000"/>
               </a:solidFill>
-              <a:latin typeface="Calibri"/>
+              <a:latin typeface="Arial"/>
             </a:endParaRPr>
           </a:p>
           <a:p>
@@ -9572,7 +9566,7 @@
               <a:solidFill>
                 <a:srgbClr val="000000"/>
               </a:solidFill>
-              <a:latin typeface="Calibri"/>
+              <a:latin typeface="Arial"/>
             </a:endParaRPr>
           </a:p>
           <a:p>
@@ -9602,7 +9596,7 @@
               <a:solidFill>
                 <a:srgbClr val="000000"/>
               </a:solidFill>
-              <a:latin typeface="Calibri"/>
+              <a:latin typeface="Arial"/>
             </a:endParaRPr>
           </a:p>
           <a:p>
@@ -9641,7 +9635,7 @@
               <a:solidFill>
                 <a:srgbClr val="000000"/>
               </a:solidFill>
-              <a:latin typeface="Calibri"/>
+              <a:latin typeface="Arial"/>
             </a:endParaRPr>
           </a:p>
           <a:p>
@@ -9671,7 +9665,7 @@
               <a:solidFill>
                 <a:srgbClr val="000000"/>
               </a:solidFill>
-              <a:latin typeface="Calibri"/>
+              <a:latin typeface="Arial"/>
             </a:endParaRPr>
           </a:p>
           <a:p>
@@ -9701,7 +9695,7 @@
               <a:solidFill>
                 <a:srgbClr val="000000"/>
               </a:solidFill>
-              <a:latin typeface="Calibri"/>
+              <a:latin typeface="Arial"/>
             </a:endParaRPr>
           </a:p>
           <a:p>
@@ -9713,12 +9707,15 @@
                 <a:spcPts val="1001"/>
               </a:spcBef>
               <a:buNone/>
+              <a:tabLst>
+                <a:tab algn="l" pos="0"/>
+              </a:tabLst>
             </a:pPr>
             <a:endParaRPr b="0" lang="en-US" sz="2800" spc="-1" strike="noStrike">
               <a:solidFill>
                 <a:srgbClr val="000000"/>
               </a:solidFill>
-              <a:latin typeface="Calibri"/>
+              <a:latin typeface="Arial"/>
             </a:endParaRPr>
           </a:p>
         </p:txBody>
@@ -9766,18 +9763,18 @@
         <p:spPr>
           <a:xfrm>
             <a:off x="838080" y="365040"/>
-            <a:ext cx="10515240" cy="1325160"/>
-          </a:xfrm>
-          <a:prstGeom prst="rect">
-            <a:avLst/>
-          </a:prstGeom>
-          <a:noFill/>
-          <a:ln w="0">
-            <a:noFill/>
-          </a:ln>
-        </p:spPr>
-        <p:txBody>
-          <a:bodyPr anchor="ctr">
+            <a:ext cx="10514880" cy="1324800"/>
+          </a:xfrm>
+          <a:prstGeom prst="rect">
+            <a:avLst/>
+          </a:prstGeom>
+          <a:noFill/>
+          <a:ln w="0">
+            <a:noFill/>
+          </a:ln>
+        </p:spPr>
+        <p:txBody>
+          <a:bodyPr lIns="90000" rIns="90000" tIns="45000" bIns="45000" anchor="ctr">
             <a:noAutofit/>
           </a:bodyPr>
           <a:p>
@@ -9786,6 +9783,9 @@
                 <a:spcPct val="90000"/>
               </a:lnSpc>
               <a:buNone/>
+              <a:tabLst>
+                <a:tab algn="l" pos="0"/>
+              </a:tabLst>
             </a:pPr>
             <a:r>
               <a:rPr b="0" lang="en-US" sz="4400" spc="-1" strike="noStrike">
@@ -9800,7 +9800,7 @@
               <a:solidFill>
                 <a:srgbClr val="000000"/>
               </a:solidFill>
-              <a:latin typeface="Calibri"/>
+              <a:latin typeface="Arial"/>
             </a:endParaRPr>
           </a:p>
         </p:txBody>
@@ -9818,18 +9818,18 @@
         <p:spPr>
           <a:xfrm>
             <a:off x="838080" y="1825560"/>
-            <a:ext cx="10515240" cy="4350960"/>
-          </a:xfrm>
-          <a:prstGeom prst="rect">
-            <a:avLst/>
-          </a:prstGeom>
-          <a:noFill/>
-          <a:ln w="0">
-            <a:noFill/>
-          </a:ln>
-        </p:spPr>
-        <p:txBody>
-          <a:bodyPr anchor="t">
+            <a:ext cx="10514880" cy="4350600"/>
+          </a:xfrm>
+          <a:prstGeom prst="rect">
+            <a:avLst/>
+          </a:prstGeom>
+          <a:noFill/>
+          <a:ln w="0">
+            <a:noFill/>
+          </a:ln>
+        </p:spPr>
+        <p:txBody>
+          <a:bodyPr lIns="90000" rIns="90000" tIns="45000" bIns="45000" anchor="t">
             <a:normAutofit/>
           </a:bodyPr>
           <a:p>
@@ -9877,7 +9877,7 @@
               <a:solidFill>
                 <a:srgbClr val="000000"/>
               </a:solidFill>
-              <a:latin typeface="Calibri"/>
+              <a:latin typeface="Arial"/>
             </a:endParaRPr>
           </a:p>
           <a:p>
@@ -9907,7 +9907,7 @@
               <a:solidFill>
                 <a:srgbClr val="000000"/>
               </a:solidFill>
-              <a:latin typeface="Calibri"/>
+              <a:latin typeface="Arial"/>
             </a:endParaRPr>
           </a:p>
           <a:p>
@@ -9937,7 +9937,7 @@
               <a:solidFill>
                 <a:srgbClr val="000000"/>
               </a:solidFill>
-              <a:latin typeface="Calibri"/>
+              <a:latin typeface="Arial"/>
             </a:endParaRPr>
           </a:p>
           <a:p>
@@ -9967,7 +9967,7 @@
               <a:solidFill>
                 <a:srgbClr val="000000"/>
               </a:solidFill>
-              <a:latin typeface="Calibri"/>
+              <a:latin typeface="Arial"/>
             </a:endParaRPr>
           </a:p>
           <a:p>
@@ -9987,7 +9987,7 @@
               <a:solidFill>
                 <a:srgbClr val="000000"/>
               </a:solidFill>
-              <a:latin typeface="Calibri"/>
+              <a:latin typeface="Arial"/>
             </a:endParaRPr>
           </a:p>
         </p:txBody>
@@ -10001,7 +10001,7 @@
         <p:spPr>
           <a:xfrm>
             <a:off x="29160" y="6611760"/>
-            <a:ext cx="3715200" cy="241920"/>
+            <a:ext cx="3714840" cy="241920"/>
           </a:xfrm>
           <a:prstGeom prst="rect">
             <a:avLst/>
@@ -10033,6 +10033,7 @@
                   <a:srgbClr val="000000"/>
                 </a:solidFill>
                 <a:latin typeface="Calibri"/>
+                <a:ea typeface="DejaVu Sans"/>
               </a:rPr>
               <a:t>https://deepai.org/machine-learning-glossary-and-terms/perceptron</a:t>
             </a:r>
@@ -10058,7 +10059,7 @@
         <p:spPr>
           <a:xfrm>
             <a:off x="6095880" y="3732120"/>
-            <a:ext cx="5913000" cy="3125520"/>
+            <a:ext cx="5912640" cy="3125160"/>
           </a:xfrm>
           <a:prstGeom prst="rect">
             <a:avLst/>
@@ -10111,18 +10112,18 @@
         <p:spPr>
           <a:xfrm>
             <a:off x="838080" y="365040"/>
-            <a:ext cx="10515240" cy="1325160"/>
-          </a:xfrm>
-          <a:prstGeom prst="rect">
-            <a:avLst/>
-          </a:prstGeom>
-          <a:noFill/>
-          <a:ln w="0">
-            <a:noFill/>
-          </a:ln>
-        </p:spPr>
-        <p:txBody>
-          <a:bodyPr anchor="ctr">
+            <a:ext cx="10514880" cy="1324800"/>
+          </a:xfrm>
+          <a:prstGeom prst="rect">
+            <a:avLst/>
+          </a:prstGeom>
+          <a:noFill/>
+          <a:ln w="0">
+            <a:noFill/>
+          </a:ln>
+        </p:spPr>
+        <p:txBody>
+          <a:bodyPr lIns="90000" rIns="90000" tIns="45000" bIns="45000" anchor="ctr">
             <a:noAutofit/>
           </a:bodyPr>
           <a:p>
@@ -10131,6 +10132,9 @@
                 <a:spcPct val="90000"/>
               </a:lnSpc>
               <a:buNone/>
+              <a:tabLst>
+                <a:tab algn="l" pos="0"/>
+              </a:tabLst>
             </a:pPr>
             <a:r>
               <a:rPr b="0" lang="en-US" sz="4400" spc="-1" strike="noStrike">
@@ -10145,7 +10149,7 @@
               <a:solidFill>
                 <a:srgbClr val="000000"/>
               </a:solidFill>
-              <a:latin typeface="Calibri"/>
+              <a:latin typeface="Arial"/>
             </a:endParaRPr>
           </a:p>
         </p:txBody>
@@ -10163,18 +10167,18 @@
         <p:spPr>
           <a:xfrm>
             <a:off x="838080" y="1825560"/>
-            <a:ext cx="10515240" cy="4350960"/>
-          </a:xfrm>
-          <a:prstGeom prst="rect">
-            <a:avLst/>
-          </a:prstGeom>
-          <a:noFill/>
-          <a:ln w="0">
-            <a:noFill/>
-          </a:ln>
-        </p:spPr>
-        <p:txBody>
-          <a:bodyPr anchor="t">
+            <a:ext cx="10514880" cy="4350600"/>
+          </a:xfrm>
+          <a:prstGeom prst="rect">
+            <a:avLst/>
+          </a:prstGeom>
+          <a:noFill/>
+          <a:ln w="0">
+            <a:noFill/>
+          </a:ln>
+        </p:spPr>
+        <p:txBody>
+          <a:bodyPr lIns="90000" rIns="90000" tIns="45000" bIns="45000" anchor="t">
             <a:noAutofit/>
           </a:bodyPr>
           <a:p>
@@ -10213,7 +10217,7 @@
               <a:solidFill>
                 <a:srgbClr val="000000"/>
               </a:solidFill>
-              <a:latin typeface="Calibri"/>
+              <a:latin typeface="Arial"/>
             </a:endParaRPr>
           </a:p>
           <a:p>
@@ -10243,7 +10247,7 @@
               <a:solidFill>
                 <a:srgbClr val="000000"/>
               </a:solidFill>
-              <a:latin typeface="Calibri"/>
+              <a:latin typeface="Arial"/>
             </a:endParaRPr>
           </a:p>
           <a:p>
@@ -10273,7 +10277,7 @@
               <a:solidFill>
                 <a:srgbClr val="000000"/>
               </a:solidFill>
-              <a:latin typeface="Calibri"/>
+              <a:latin typeface="Arial"/>
             </a:endParaRPr>
           </a:p>
           <a:p>
@@ -10303,7 +10307,7 @@
               <a:solidFill>
                 <a:srgbClr val="000000"/>
               </a:solidFill>
-              <a:latin typeface="Calibri"/>
+              <a:latin typeface="Arial"/>
             </a:endParaRPr>
           </a:p>
           <a:p>
@@ -10333,7 +10337,7 @@
               <a:solidFill>
                 <a:srgbClr val="000000"/>
               </a:solidFill>
-              <a:latin typeface="Calibri"/>
+              <a:latin typeface="Arial"/>
             </a:endParaRPr>
           </a:p>
           <a:p>
@@ -10468,7 +10472,7 @@
               <a:solidFill>
                 <a:srgbClr val="000000"/>
               </a:solidFill>
-              <a:latin typeface="Calibri"/>
+              <a:latin typeface="Arial"/>
             </a:endParaRPr>
           </a:p>
           <a:p>
@@ -10498,7 +10502,7 @@
               <a:solidFill>
                 <a:srgbClr val="000000"/>
               </a:solidFill>
-              <a:latin typeface="Calibri"/>
+              <a:latin typeface="Arial"/>
             </a:endParaRPr>
           </a:p>
           <a:p>
@@ -10510,12 +10514,15 @@
                 <a:spcPts val="1001"/>
               </a:spcBef>
               <a:buNone/>
+              <a:tabLst>
+                <a:tab algn="l" pos="0"/>
+              </a:tabLst>
             </a:pPr>
             <a:endParaRPr b="0" lang="en-US" sz="2800" spc="-1" strike="noStrike">
               <a:solidFill>
                 <a:srgbClr val="000000"/>
               </a:solidFill>
-              <a:latin typeface="Calibri"/>
+              <a:latin typeface="Arial"/>
             </a:endParaRPr>
           </a:p>
         </p:txBody>
